--- a/Documents/IVSG_unit_testing_and_TDD.pptx
+++ b/Documents/IVSG_unit_testing_and_TDD.pptx
@@ -7383,22 +7383,30 @@
         </p:nvSpPr>
         <p:spPr/>
         <p:txBody>
-          <a:bodyPr/>
+          <a:bodyPr>
+            <a:noAutofit/>
+          </a:bodyPr>
           <a:lstStyle/>
           <a:p>
             <a:r>
-              <a:rPr lang="en-US" dirty="0">
+              <a:rPr lang="en-US" sz="3200" dirty="0">
                 <a:cs typeface="Calibri Light"/>
               </a:rPr>
-              <a:t>Current implementation is based on binary </a:t>
-            </a:r>
-            <a:r>
-              <a:rPr lang="en-US">
+              <a:t>Current implementation is based on binary assertions.  This is typical for simplicity.  For robustness, assertions pair well with rounding so that computational </a:t>
+            </a:r>
+            <a:r>
+              <a:rPr lang="en-US" sz="3200">
                 <a:cs typeface="Calibri Light"/>
               </a:rPr>
-              <a:t>assertions.  This is typical for simplicity.</a:t>
-            </a:r>
-            <a:endParaRPr lang="en-US"/>
+              <a:t>precision error does </a:t>
+            </a:r>
+            <a:r>
+              <a:rPr lang="en-US" sz="3200" dirty="0">
+                <a:cs typeface="Calibri Light"/>
+              </a:rPr>
+              <a:t>not cause the test to be “flakey” (inconsistent)</a:t>
+            </a:r>
+            <a:endParaRPr lang="en-US" sz="3200" dirty="0"/>
           </a:p>
         </p:txBody>
       </p:sp>
@@ -9859,6 +9867,15 @@
 </file>
 
 <file path=customXml/item1.xml><?xml version="1.0" encoding="utf-8"?>
+<?mso-contentType ?>
+<FormTemplates xmlns="http://schemas.microsoft.com/sharepoint/v3/contenttype/forms">
+  <Display>DocumentLibraryForm</Display>
+  <Edit>DocumentLibraryForm</Edit>
+  <New>DocumentLibraryForm</New>
+</FormTemplates>
+</file>
+
+<file path=customXml/item2.xml><?xml version="1.0" encoding="utf-8"?>
 <ct:contentTypeSchema xmlns:ct="http://schemas.microsoft.com/office/2006/metadata/contentType" xmlns:ma="http://schemas.microsoft.com/office/2006/metadata/properties/metaAttributes" ct:_="" ma:_="" ma:contentTypeName="Document" ma:contentTypeID="0x010100F38B8CB40D70B14C8E4D51682F6553DB" ma:contentTypeVersion="14" ma:contentTypeDescription="Create a new document." ma:contentTypeScope="" ma:versionID="2c3f81097a3c7aa59b1a856ff689384b">
   <xsd:schema xmlns:xsd="http://www.w3.org/2001/XMLSchema" xmlns:xs="http://www.w3.org/2001/XMLSchema" xmlns:p="http://schemas.microsoft.com/office/2006/metadata/properties" xmlns:ns3="229b778c-4269-4bec-8cd8-a19ac5d4df77" xmlns:ns4="7e5bf9d8-c429-4c51-b29d-7601a8832a99" targetNamespace="http://schemas.microsoft.com/office/2006/metadata/properties" ma:root="true" ma:fieldsID="600eab7384c27e9b49af7ac33660594f" ns3:_="" ns4:_="">
     <xsd:import namespace="229b778c-4269-4bec-8cd8-a19ac5d4df77"/>
@@ -10087,15 +10104,6 @@
 </ct:contentTypeSchema>
 </file>
 
-<file path=customXml/item2.xml><?xml version="1.0" encoding="utf-8"?>
-<?mso-contentType ?>
-<FormTemplates xmlns="http://schemas.microsoft.com/sharepoint/v3/contenttype/forms">
-  <Display>DocumentLibraryForm</Display>
-  <Edit>DocumentLibraryForm</Edit>
-  <New>DocumentLibraryForm</New>
-</FormTemplates>
-</file>
-
 <file path=customXml/item3.xml><?xml version="1.0" encoding="utf-8"?>
 <p:properties xmlns:p="http://schemas.microsoft.com/office/2006/metadata/properties" xmlns:xsi="http://www.w3.org/2001/XMLSchema-instance" xmlns:pc="http://schemas.microsoft.com/office/infopath/2007/PartnerControls">
   <documentManagement/>
@@ -10103,6 +10111,14 @@
 </file>
 
 <file path=customXml/itemProps1.xml><?xml version="1.0" encoding="utf-8"?>
+<ds:datastoreItem xmlns:ds="http://schemas.openxmlformats.org/officeDocument/2006/customXml" ds:itemID="{7578B56D-55F6-4857-A8FF-C2C7DA901C75}">
+  <ds:schemaRefs>
+    <ds:schemaRef ds:uri="http://schemas.microsoft.com/sharepoint/v3/contenttype/forms"/>
+  </ds:schemaRefs>
+</ds:datastoreItem>
+</file>
+
+<file path=customXml/itemProps2.xml><?xml version="1.0" encoding="utf-8"?>
 <ds:datastoreItem xmlns:ds="http://schemas.openxmlformats.org/officeDocument/2006/customXml" ds:itemID="{8EDC84EC-F4B0-441C-B309-B3403A997C9A}">
   <ds:schemaRefs>
     <ds:schemaRef ds:uri="http://schemas.microsoft.com/office/2006/metadata/contentType"/>
@@ -10117,14 +10133,6 @@
     <ds:schemaRef ds:uri="http://purl.org/dc/elements/1.1/"/>
     <ds:schemaRef ds:uri="http://purl.org/dc/terms/"/>
     <ds:schemaRef ds:uri="http://schemas.microsoft.com/internal/obd"/>
-  </ds:schemaRefs>
-</ds:datastoreItem>
-</file>
-
-<file path=customXml/itemProps2.xml><?xml version="1.0" encoding="utf-8"?>
-<ds:datastoreItem xmlns:ds="http://schemas.openxmlformats.org/officeDocument/2006/customXml" ds:itemID="{7578B56D-55F6-4857-A8FF-C2C7DA901C75}">
-  <ds:schemaRefs>
-    <ds:schemaRef ds:uri="http://schemas.microsoft.com/sharepoint/v3/contenttype/forms"/>
   </ds:schemaRefs>
 </ds:datastoreItem>
 </file>

--- a/Documents/IVSG_unit_testing_and_TDD.pptx
+++ b/Documents/IVSG_unit_testing_and_TDD.pptx
@@ -2,28 +2,30 @@
 <file path=ppt/presentation.xml><?xml version="1.0" encoding="utf-8"?>
 <p:presentation xmlns:a="http://schemas.openxmlformats.org/drawingml/2006/main" xmlns:r="http://schemas.openxmlformats.org/officeDocument/2006/relationships" xmlns:p="http://schemas.openxmlformats.org/presentationml/2006/main" saveSubsetFonts="1">
   <p:sldMasterIdLst>
-    <p:sldMasterId id="2147483660" r:id="rId4"/>
+    <p:sldMasterId id="2147483660" r:id="rId1"/>
   </p:sldMasterIdLst>
   <p:sldIdLst>
-    <p:sldId id="256" r:id="rId5"/>
-    <p:sldId id="257" r:id="rId6"/>
-    <p:sldId id="269" r:id="rId7"/>
-    <p:sldId id="270" r:id="rId8"/>
-    <p:sldId id="258" r:id="rId9"/>
-    <p:sldId id="260" r:id="rId10"/>
-    <p:sldId id="261" r:id="rId11"/>
-    <p:sldId id="263" r:id="rId12"/>
-    <p:sldId id="264" r:id="rId13"/>
-    <p:sldId id="268" r:id="rId14"/>
-    <p:sldId id="265" r:id="rId15"/>
-    <p:sldId id="266" r:id="rId16"/>
-    <p:sldId id="271" r:id="rId17"/>
-    <p:sldId id="272" r:id="rId18"/>
-    <p:sldId id="267" r:id="rId19"/>
-    <p:sldId id="273" r:id="rId20"/>
+    <p:sldId id="256" r:id="rId2"/>
+    <p:sldId id="257" r:id="rId3"/>
+    <p:sldId id="269" r:id="rId4"/>
+    <p:sldId id="270" r:id="rId5"/>
+    <p:sldId id="258" r:id="rId6"/>
+    <p:sldId id="260" r:id="rId7"/>
+    <p:sldId id="261" r:id="rId8"/>
+    <p:sldId id="263" r:id="rId9"/>
+    <p:sldId id="264" r:id="rId10"/>
+    <p:sldId id="273" r:id="rId11"/>
+    <p:sldId id="268" r:id="rId12"/>
+    <p:sldId id="265" r:id="rId13"/>
+    <p:sldId id="266" r:id="rId14"/>
+    <p:sldId id="271" r:id="rId15"/>
+    <p:sldId id="272" r:id="rId16"/>
+    <p:sldId id="267" r:id="rId17"/>
+    <p:sldId id="275" r:id="rId18"/>
+    <p:sldId id="276" r:id="rId19"/>
+    <p:sldId id="277" r:id="rId20"/>
     <p:sldId id="274" r:id="rId21"/>
-    <p:sldId id="275" r:id="rId22"/>
-    <p:sldId id="276" r:id="rId23"/>
+    <p:sldId id="278" r:id="rId22"/>
   </p:sldIdLst>
   <p:sldSz cx="12192000" cy="6858000"/>
   <p:notesSz cx="6858000" cy="9144000"/>
@@ -130,20 +132,6 @@
 </p:presentation>
 </file>
 
-<file path=ppt/revisionInfo.xml><?xml version="1.0" encoding="utf-8"?>
-<p1510:revInfo xmlns:a="http://schemas.openxmlformats.org/drawingml/2006/main" xmlns:r="http://schemas.openxmlformats.org/officeDocument/2006/relationships" xmlns:p1510="http://schemas.microsoft.com/office/powerpoint/2015/10/main">
-  <p1510:revLst>
-    <p1510:client id="{517A23BE-14EB-579F-CD00-1E08BB0BEFC7}" v="1237" dt="2021-09-17T03:00:25.121"/>
-    <p1510:client id="{9E5086C3-6EFD-93AE-3CDA-9B00D2A9CB9E}" v="30" dt="2021-09-18T19:15:41.540"/>
-    <p1510:client id="{B8525060-DC6C-4284-9A56-0F9EA311EB1E}" v="255" dt="2021-09-16T23:59:13.536"/>
-    <p1510:client id="{BCCF8DA1-90A1-4A03-9ACA-DE63AE8DE80F}" v="35" dt="2021-09-16T22:40:22.515"/>
-    <p1510:client id="{C8E64B76-04F7-607E-378F-E2813769C00B}" v="1534" dt="2021-09-19T18:55:42.089"/>
-    <p1510:client id="{D5DB0188-97E9-8CB4-95A6-DCDE08699ACE}" v="380" dt="2021-09-26T16:38:40.818"/>
-    <p1510:client id="{FCCA67F7-1A49-EAA9-9381-0C41A219E2D9}" v="44" dt="2021-09-26T17:11:48.349"/>
-  </p1510:revLst>
-</p1510:revInfo>
-</file>
-
 <file path=ppt/slideLayouts/slideLayout1.xml><?xml version="1.0" encoding="utf-8"?>
 <p:sldLayout xmlns:a="http://schemas.openxmlformats.org/drawingml/2006/main" xmlns:r="http://schemas.openxmlformats.org/officeDocument/2006/relationships" xmlns:p="http://schemas.openxmlformats.org/presentationml/2006/main" type="title" preserve="1">
   <p:cSld name="Title Slide">
@@ -275,7 +263,7 @@
           <a:p>
             <a:fld id="{846CE7D5-CF57-46EF-B807-FDD0502418D4}" type="datetimeFigureOut">
               <a:rPr lang="en-US" smtClean="0"/>
-              <a:t>04-Feb-22</a:t>
+              <a:t>10-Feb-22</a:t>
             </a:fld>
             <a:endParaRPr lang="en-US"/>
           </a:p>
@@ -445,7 +433,7 @@
           <a:p>
             <a:fld id="{846CE7D5-CF57-46EF-B807-FDD0502418D4}" type="datetimeFigureOut">
               <a:rPr lang="en-US" smtClean="0"/>
-              <a:t>04-Feb-22</a:t>
+              <a:t>10-Feb-22</a:t>
             </a:fld>
             <a:endParaRPr lang="en-US"/>
           </a:p>
@@ -625,7 +613,7 @@
           <a:p>
             <a:fld id="{846CE7D5-CF57-46EF-B807-FDD0502418D4}" type="datetimeFigureOut">
               <a:rPr lang="en-US" smtClean="0"/>
-              <a:t>04-Feb-22</a:t>
+              <a:t>10-Feb-22</a:t>
             </a:fld>
             <a:endParaRPr lang="en-US"/>
           </a:p>
@@ -795,7 +783,7 @@
           <a:p>
             <a:fld id="{846CE7D5-CF57-46EF-B807-FDD0502418D4}" type="datetimeFigureOut">
               <a:rPr lang="en-US" smtClean="0"/>
-              <a:t>04-Feb-22</a:t>
+              <a:t>10-Feb-22</a:t>
             </a:fld>
             <a:endParaRPr lang="en-US"/>
           </a:p>
@@ -1041,7 +1029,7 @@
           <a:p>
             <a:fld id="{846CE7D5-CF57-46EF-B807-FDD0502418D4}" type="datetimeFigureOut">
               <a:rPr lang="en-US" smtClean="0"/>
-              <a:t>04-Feb-22</a:t>
+              <a:t>10-Feb-22</a:t>
             </a:fld>
             <a:endParaRPr lang="en-US"/>
           </a:p>
@@ -1273,7 +1261,7 @@
           <a:p>
             <a:fld id="{846CE7D5-CF57-46EF-B807-FDD0502418D4}" type="datetimeFigureOut">
               <a:rPr lang="en-US" smtClean="0"/>
-              <a:t>04-Feb-22</a:t>
+              <a:t>10-Feb-22</a:t>
             </a:fld>
             <a:endParaRPr lang="en-US"/>
           </a:p>
@@ -1640,7 +1628,7 @@
           <a:p>
             <a:fld id="{846CE7D5-CF57-46EF-B807-FDD0502418D4}" type="datetimeFigureOut">
               <a:rPr lang="en-US" smtClean="0"/>
-              <a:t>04-Feb-22</a:t>
+              <a:t>10-Feb-22</a:t>
             </a:fld>
             <a:endParaRPr lang="en-US"/>
           </a:p>
@@ -1758,7 +1746,7 @@
           <a:p>
             <a:fld id="{846CE7D5-CF57-46EF-B807-FDD0502418D4}" type="datetimeFigureOut">
               <a:rPr lang="en-US" smtClean="0"/>
-              <a:t>04-Feb-22</a:t>
+              <a:t>10-Feb-22</a:t>
             </a:fld>
             <a:endParaRPr lang="en-US"/>
           </a:p>
@@ -1853,7 +1841,7 @@
           <a:p>
             <a:fld id="{846CE7D5-CF57-46EF-B807-FDD0502418D4}" type="datetimeFigureOut">
               <a:rPr lang="en-US" smtClean="0"/>
-              <a:t>04-Feb-22</a:t>
+              <a:t>10-Feb-22</a:t>
             </a:fld>
             <a:endParaRPr lang="en-US"/>
           </a:p>
@@ -2130,7 +2118,7 @@
           <a:p>
             <a:fld id="{846CE7D5-CF57-46EF-B807-FDD0502418D4}" type="datetimeFigureOut">
               <a:rPr lang="en-US" smtClean="0"/>
-              <a:t>04-Feb-22</a:t>
+              <a:t>10-Feb-22</a:t>
             </a:fld>
             <a:endParaRPr lang="en-US"/>
           </a:p>
@@ -2387,7 +2375,7 @@
           <a:p>
             <a:fld id="{846CE7D5-CF57-46EF-B807-FDD0502418D4}" type="datetimeFigureOut">
               <a:rPr lang="en-US" smtClean="0"/>
-              <a:t>04-Feb-22</a:t>
+              <a:t>10-Feb-22</a:t>
             </a:fld>
             <a:endParaRPr lang="en-US"/>
           </a:p>
@@ -2600,7 +2588,7 @@
           <a:p>
             <a:fld id="{846CE7D5-CF57-46EF-B807-FDD0502418D4}" type="datetimeFigureOut">
               <a:rPr lang="en-US" smtClean="0"/>
-              <a:t>04-Feb-22</a:t>
+              <a:t>10-Feb-22</a:t>
             </a:fld>
             <a:endParaRPr lang="en-US"/>
           </a:p>
@@ -2681,6 +2669,70 @@
               <a:t>‹#›</a:t>
             </a:fld>
             <a:endParaRPr lang="en-US"/>
+          </a:p>
+        </p:txBody>
+      </p:sp>
+      <p:sp>
+        <p:nvSpPr>
+          <p:cNvPr id="7" name="hc"/>
+          <p:cNvSpPr txBox="1"/>
+          <p:nvPr userDrawn="1"/>
+        </p:nvSpPr>
+        <p:spPr>
+          <a:xfrm>
+            <a:off x="0" y="0"/>
+            <a:ext cx="12192000" cy="223138"/>
+          </a:xfrm>
+          <a:prstGeom prst="rect">
+            <a:avLst/>
+          </a:prstGeom>
+          <a:noFill/>
+        </p:spPr>
+        <p:txBody>
+          <a:bodyPr vert="horz" rtlCol="0">
+            <a:spAutoFit/>
+          </a:bodyPr>
+          <a:lstStyle/>
+          <a:p>
+            <a:pPr algn="ctr"/>
+            <a:endParaRPr lang="en-US" sz="850" b="0" i="0" u="none" baseline="0">
+              <a:solidFill>
+                <a:srgbClr val="000000"/>
+              </a:solidFill>
+              <a:latin typeface="Microsoft Sans Serif" panose="020B0604020202020204" pitchFamily="34" charset="0"/>
+            </a:endParaRPr>
+          </a:p>
+        </p:txBody>
+      </p:sp>
+      <p:sp>
+        <p:nvSpPr>
+          <p:cNvPr id="8" name="fc"/>
+          <p:cNvSpPr txBox="1"/>
+          <p:nvPr userDrawn="1"/>
+        </p:nvSpPr>
+        <p:spPr>
+          <a:xfrm>
+            <a:off x="0" y="6537960"/>
+            <a:ext cx="12192000" cy="223138"/>
+          </a:xfrm>
+          <a:prstGeom prst="rect">
+            <a:avLst/>
+          </a:prstGeom>
+          <a:noFill/>
+        </p:spPr>
+        <p:txBody>
+          <a:bodyPr vert="horz" rtlCol="0">
+            <a:spAutoFit/>
+          </a:bodyPr>
+          <a:lstStyle/>
+          <a:p>
+            <a:pPr algn="ctr"/>
+            <a:endParaRPr lang="en-US" sz="850" b="0" i="0" u="none" baseline="0">
+              <a:solidFill>
+                <a:srgbClr val="000000"/>
+              </a:solidFill>
+              <a:latin typeface="Microsoft Sans Serif" panose="020B0604020202020204" pitchFamily="34" charset="0"/>
+            </a:endParaRPr>
           </a:p>
         </p:txBody>
       </p:sp>
@@ -3118,23 +3170,689 @@
         <p:spPr/>
         <p:txBody>
           <a:bodyPr>
-            <a:normAutofit fontScale="90000"/>
+            <a:noAutofit/>
           </a:bodyPr>
           <a:lstStyle/>
           <a:p>
             <a:r>
-              <a:rPr lang="en-US">
+              <a:rPr lang="en-US" sz="3200" dirty="0" smtClean="0">
                 <a:cs typeface="Calibri Light"/>
               </a:rPr>
-              <a:t>Wrappers can be used to create test suites from assertions and trigger all created test </a:t>
-            </a:r>
-            <a:r>
-              <a:rPr lang="en-US" dirty="0">
+              <a:t>Failure summaries indicate failed function and test case.  Test case names are generated programmatically from the name of the section in which the assertions occur.</a:t>
+            </a:r>
+            <a:endParaRPr lang="en-US" sz="3200" dirty="0">
+              <a:cs typeface="Calibri Light"/>
+            </a:endParaRPr>
+          </a:p>
+        </p:txBody>
+      </p:sp>
+      <p:sp>
+        <p:nvSpPr>
+          <p:cNvPr id="5" name="TextBox 1">
+            <a:extLst>
+              <a:ext uri="{FF2B5EF4-FFF2-40B4-BE49-F238E27FC236}">
+                <a16:creationId xmlns:a16="http://schemas.microsoft.com/office/drawing/2014/main" id="{28DBBE1B-DA1F-46AC-A7A7-57B0CF14BABB}"/>
+              </a:ext>
+            </a:extLst>
+          </p:cNvPr>
+          <p:cNvSpPr txBox="1"/>
+          <p:nvPr/>
+        </p:nvSpPr>
+        <p:spPr>
+          <a:xfrm>
+            <a:off x="2200794" y="1943262"/>
+            <a:ext cx="7790412" cy="4185761"/>
+          </a:xfrm>
+          <a:prstGeom prst="rect">
+            <a:avLst/>
+          </a:prstGeom>
+          <a:solidFill>
+            <a:schemeClr val="bg1">
+              <a:lumMod val="85000"/>
+            </a:schemeClr>
+          </a:solidFill>
+        </p:spPr>
+        <p:txBody>
+          <a:bodyPr wrap="square" lIns="91440" tIns="45720" rIns="91440" bIns="45720" rtlCol="0" anchor="t">
+            <a:spAutoFit/>
+          </a:bodyPr>
+          <a:lstStyle>
+            <a:defPPr>
+              <a:defRPr lang="en-US"/>
+            </a:defPPr>
+            <a:lvl1pPr marL="0" algn="l" defTabSz="914400" rtl="0" eaLnBrk="1" latinLnBrk="0" hangingPunct="1">
+              <a:defRPr sz="1800" kern="1200">
+                <a:solidFill>
+                  <a:schemeClr val="tx1"/>
+                </a:solidFill>
+                <a:latin typeface="+mn-lt"/>
+                <a:ea typeface="+mn-ea"/>
+                <a:cs typeface="+mn-cs"/>
+              </a:defRPr>
+            </a:lvl1pPr>
+            <a:lvl2pPr marL="457200" algn="l" defTabSz="914400" rtl="0" eaLnBrk="1" latinLnBrk="0" hangingPunct="1">
+              <a:defRPr sz="1800" kern="1200">
+                <a:solidFill>
+                  <a:schemeClr val="tx1"/>
+                </a:solidFill>
+                <a:latin typeface="+mn-lt"/>
+                <a:ea typeface="+mn-ea"/>
+                <a:cs typeface="+mn-cs"/>
+              </a:defRPr>
+            </a:lvl2pPr>
+            <a:lvl3pPr marL="914400" algn="l" defTabSz="914400" rtl="0" eaLnBrk="1" latinLnBrk="0" hangingPunct="1">
+              <a:defRPr sz="1800" kern="1200">
+                <a:solidFill>
+                  <a:schemeClr val="tx1"/>
+                </a:solidFill>
+                <a:latin typeface="+mn-lt"/>
+                <a:ea typeface="+mn-ea"/>
+                <a:cs typeface="+mn-cs"/>
+              </a:defRPr>
+            </a:lvl3pPr>
+            <a:lvl4pPr marL="1371600" algn="l" defTabSz="914400" rtl="0" eaLnBrk="1" latinLnBrk="0" hangingPunct="1">
+              <a:defRPr sz="1800" kern="1200">
+                <a:solidFill>
+                  <a:schemeClr val="tx1"/>
+                </a:solidFill>
+                <a:latin typeface="+mn-lt"/>
+                <a:ea typeface="+mn-ea"/>
+                <a:cs typeface="+mn-cs"/>
+              </a:defRPr>
+            </a:lvl4pPr>
+            <a:lvl5pPr marL="1828800" algn="l" defTabSz="914400" rtl="0" eaLnBrk="1" latinLnBrk="0" hangingPunct="1">
+              <a:defRPr sz="1800" kern="1200">
+                <a:solidFill>
+                  <a:schemeClr val="tx1"/>
+                </a:solidFill>
+                <a:latin typeface="+mn-lt"/>
+                <a:ea typeface="+mn-ea"/>
+                <a:cs typeface="+mn-cs"/>
+              </a:defRPr>
+            </a:lvl5pPr>
+            <a:lvl6pPr marL="2286000" algn="l" defTabSz="914400" rtl="0" eaLnBrk="1" latinLnBrk="0" hangingPunct="1">
+              <a:defRPr sz="1800" kern="1200">
+                <a:solidFill>
+                  <a:schemeClr val="tx1"/>
+                </a:solidFill>
+                <a:latin typeface="+mn-lt"/>
+                <a:ea typeface="+mn-ea"/>
+                <a:cs typeface="+mn-cs"/>
+              </a:defRPr>
+            </a:lvl6pPr>
+            <a:lvl7pPr marL="2743200" algn="l" defTabSz="914400" rtl="0" eaLnBrk="1" latinLnBrk="0" hangingPunct="1">
+              <a:defRPr sz="1800" kern="1200">
+                <a:solidFill>
+                  <a:schemeClr val="tx1"/>
+                </a:solidFill>
+                <a:latin typeface="+mn-lt"/>
+                <a:ea typeface="+mn-ea"/>
+                <a:cs typeface="+mn-cs"/>
+              </a:defRPr>
+            </a:lvl7pPr>
+            <a:lvl8pPr marL="3200400" algn="l" defTabSz="914400" rtl="0" eaLnBrk="1" latinLnBrk="0" hangingPunct="1">
+              <a:defRPr sz="1800" kern="1200">
+                <a:solidFill>
+                  <a:schemeClr val="tx1"/>
+                </a:solidFill>
+                <a:latin typeface="+mn-lt"/>
+                <a:ea typeface="+mn-ea"/>
+                <a:cs typeface="+mn-cs"/>
+              </a:defRPr>
+            </a:lvl8pPr>
+            <a:lvl9pPr marL="3657600" algn="l" defTabSz="914400" rtl="0" eaLnBrk="1" latinLnBrk="0" hangingPunct="1">
+              <a:defRPr sz="1800" kern="1200">
+                <a:solidFill>
+                  <a:schemeClr val="tx1"/>
+                </a:solidFill>
+                <a:latin typeface="+mn-lt"/>
+                <a:ea typeface="+mn-ea"/>
+                <a:cs typeface="+mn-cs"/>
+              </a:defRPr>
+            </a:lvl9pPr>
+          </a:lstStyle>
+          <a:p>
+            <a:r>
+              <a:rPr lang="en-US" sz="700" dirty="0">
+                <a:latin typeface="Courier New"/>
+                <a:cs typeface="Courier New"/>
+              </a:rPr>
+              <a:t>Simple intersection result: </a:t>
+            </a:r>
+          </a:p>
+          <a:p>
+            <a:endParaRPr lang="en-US" sz="700" dirty="0">
+              <a:latin typeface="Courier New"/>
+              <a:cs typeface="Courier New"/>
+            </a:endParaRPr>
+          </a:p>
+          <a:p>
+            <a:r>
+              <a:rPr lang="en-US" sz="700" dirty="0">
+                <a:latin typeface="Courier New"/>
+                <a:cs typeface="Courier New"/>
+              </a:rPr>
+              <a:t>================================================================================</a:t>
+            </a:r>
+          </a:p>
+          <a:p>
+            <a:r>
+              <a:rPr lang="en-US" sz="700" dirty="0">
+                <a:latin typeface="Courier New"/>
+                <a:cs typeface="Courier New"/>
+              </a:rPr>
+              <a:t>Error occurred in </a:t>
+            </a:r>
+            <a:r>
+              <a:rPr lang="en-US" sz="700" dirty="0" err="1">
+                <a:latin typeface="Courier New"/>
+                <a:cs typeface="Courier New"/>
+              </a:rPr>
+              <a:t>script_test_fcn_geometry_findIntersectionOfSegments</a:t>
+            </a:r>
+            <a:r>
+              <a:rPr lang="en-US" sz="700" dirty="0">
+                <a:latin typeface="Courier New"/>
+                <a:cs typeface="Courier New"/>
+              </a:rPr>
+              <a:t>/SimpleTest1_ASimpleIntersection and it did not run to completion.</a:t>
+            </a:r>
+          </a:p>
+          <a:p>
+            <a:r>
+              <a:rPr lang="en-US" sz="700" dirty="0">
+                <a:latin typeface="Courier New"/>
+                <a:cs typeface="Courier New"/>
+              </a:rPr>
+              <a:t>    ---------</a:t>
+            </a:r>
+          </a:p>
+          <a:p>
+            <a:r>
+              <a:rPr lang="en-US" sz="700" dirty="0">
+                <a:latin typeface="Courier New"/>
+                <a:cs typeface="Courier New"/>
+              </a:rPr>
+              <a:t>    Error ID:</a:t>
+            </a:r>
+          </a:p>
+          <a:p>
+            <a:r>
+              <a:rPr lang="en-US" sz="700" dirty="0">
+                <a:latin typeface="Courier New"/>
+                <a:cs typeface="Courier New"/>
+              </a:rPr>
+              <a:t>    ---------</a:t>
+            </a:r>
+          </a:p>
+          <a:p>
+            <a:r>
+              <a:rPr lang="en-US" sz="700" dirty="0">
+                <a:latin typeface="Courier New"/>
+                <a:cs typeface="Courier New"/>
+              </a:rPr>
+              <a:t>    '</a:t>
+            </a:r>
+            <a:r>
+              <a:rPr lang="en-US" sz="700" dirty="0" err="1">
+                <a:latin typeface="Courier New"/>
+                <a:cs typeface="Courier New"/>
+              </a:rPr>
+              <a:t>MATLAB:assertion:failed</a:t>
+            </a:r>
+            <a:r>
+              <a:rPr lang="en-US" sz="700" dirty="0">
+                <a:latin typeface="Courier New"/>
+                <a:cs typeface="Courier New"/>
+              </a:rPr>
+              <a:t>'</a:t>
+            </a:r>
+          </a:p>
+          <a:p>
+            <a:r>
+              <a:rPr lang="en-US" sz="700" dirty="0">
+                <a:latin typeface="Courier New"/>
+                <a:cs typeface="Courier New"/>
+              </a:rPr>
+              <a:t>    --------------</a:t>
+            </a:r>
+          </a:p>
+          <a:p>
+            <a:r>
+              <a:rPr lang="en-US" sz="700" dirty="0">
+                <a:latin typeface="Courier New"/>
+                <a:cs typeface="Courier New"/>
+              </a:rPr>
+              <a:t>    Error Details:</a:t>
+            </a:r>
+          </a:p>
+          <a:p>
+            <a:r>
+              <a:rPr lang="en-US" sz="700" dirty="0">
+                <a:latin typeface="Courier New"/>
+                <a:cs typeface="Courier New"/>
+              </a:rPr>
+              <a:t>    --------------</a:t>
+            </a:r>
+          </a:p>
+          <a:p>
+            <a:r>
+              <a:rPr lang="en-US" sz="700" dirty="0">
+                <a:latin typeface="Courier New"/>
+                <a:cs typeface="Courier New"/>
+              </a:rPr>
+              <a:t>    Error using </a:t>
+            </a:r>
+            <a:r>
+              <a:rPr lang="en-US" sz="700" dirty="0" err="1">
+                <a:latin typeface="Courier New"/>
+                <a:cs typeface="Courier New"/>
+              </a:rPr>
+              <a:t>script_test_fcn_geometry_findIntersectionOfSegments</a:t>
+            </a:r>
+            <a:r>
+              <a:rPr lang="en-US" sz="700" dirty="0">
+                <a:latin typeface="Courier New"/>
+                <a:cs typeface="Courier New"/>
+              </a:rPr>
+              <a:t> (line 27)</a:t>
+            </a:r>
+          </a:p>
+          <a:p>
+            <a:r>
+              <a:rPr lang="en-US" sz="700" dirty="0">
+                <a:latin typeface="Courier New"/>
+                <a:cs typeface="Courier New"/>
+              </a:rPr>
+              <a:t>    Assertion failed.</a:t>
+            </a:r>
+          </a:p>
+          <a:p>
+            <a:r>
+              <a:rPr lang="en-US" sz="700" dirty="0">
+                <a:latin typeface="Courier New"/>
+                <a:cs typeface="Courier New"/>
+              </a:rPr>
+              <a:t>================================================================================</a:t>
+            </a:r>
+          </a:p>
+          <a:p>
+            <a:r>
+              <a:rPr lang="en-US" sz="700" dirty="0">
+                <a:latin typeface="Courier New"/>
+                <a:cs typeface="Courier New"/>
+              </a:rPr>
+              <a:t>.</a:t>
+            </a:r>
+          </a:p>
+          <a:p>
+            <a:r>
+              <a:rPr lang="en-US" sz="700" dirty="0">
+                <a:latin typeface="Courier New"/>
+                <a:cs typeface="Courier New"/>
+              </a:rPr>
+              <a:t>Done </a:t>
+            </a:r>
+            <a:r>
+              <a:rPr lang="en-US" sz="700" dirty="0" err="1">
+                <a:latin typeface="Courier New"/>
+                <a:cs typeface="Courier New"/>
+              </a:rPr>
+              <a:t>script_test_fcn_geometry_findIntersectionOfSegments</a:t>
+            </a:r>
+            <a:endParaRPr lang="en-US" sz="700" dirty="0">
+              <a:latin typeface="Courier New"/>
+              <a:cs typeface="Courier New"/>
+            </a:endParaRPr>
+          </a:p>
+          <a:p>
+            <a:r>
+              <a:rPr lang="en-US" sz="700" dirty="0">
+                <a:latin typeface="Courier New"/>
+                <a:cs typeface="Courier New"/>
+              </a:rPr>
+              <a:t>__________</a:t>
+            </a:r>
+          </a:p>
+          <a:p>
+            <a:endParaRPr lang="en-US" sz="700" dirty="0">
+              <a:latin typeface="Courier New"/>
+              <a:cs typeface="Courier New"/>
+            </a:endParaRPr>
+          </a:p>
+          <a:p>
+            <a:r>
+              <a:rPr lang="en-US" sz="700" dirty="0">
+                <a:latin typeface="Courier New"/>
+                <a:cs typeface="Courier New"/>
+              </a:rPr>
+              <a:t>Failure Summary:</a:t>
+            </a:r>
+          </a:p>
+          <a:p>
+            <a:endParaRPr lang="en-US" sz="700" dirty="0">
+              <a:latin typeface="Courier New"/>
+              <a:cs typeface="Courier New"/>
+            </a:endParaRPr>
+          </a:p>
+          <a:p>
+            <a:r>
+              <a:rPr lang="en-US" sz="700" dirty="0">
+                <a:latin typeface="Courier New"/>
+                <a:cs typeface="Courier New"/>
+              </a:rPr>
+              <a:t>     Name                                                                                 Failed  Incomplete  Reason(s)</a:t>
+            </a:r>
+          </a:p>
+          <a:p>
+            <a:r>
+              <a:rPr lang="en-US" sz="700" dirty="0">
+                <a:latin typeface="Courier New"/>
+                <a:cs typeface="Courier New"/>
+              </a:rPr>
+              <a:t>    ====================================================================================================================</a:t>
+            </a:r>
+          </a:p>
+          <a:p>
+            <a:r>
+              <a:rPr lang="en-US" sz="700" dirty="0">
+                <a:latin typeface="Courier New"/>
+                <a:cs typeface="Courier New"/>
+              </a:rPr>
+              <a:t>     </a:t>
+            </a:r>
+            <a:r>
+              <a:rPr lang="en-US" sz="700" dirty="0" err="1">
+                <a:latin typeface="Courier New"/>
+                <a:cs typeface="Courier New"/>
+              </a:rPr>
+              <a:t>script_test_fcn_geometry_findIntersectionOfSegments</a:t>
+            </a:r>
+            <a:r>
+              <a:rPr lang="en-US" sz="700" dirty="0">
+                <a:latin typeface="Courier New"/>
+                <a:cs typeface="Courier New"/>
+              </a:rPr>
+              <a:t>/SimpleTest1_ASimpleIntersection    X         </a:t>
+            </a:r>
+            <a:r>
+              <a:rPr lang="en-US" sz="700" dirty="0" err="1">
+                <a:latin typeface="Courier New"/>
+                <a:cs typeface="Courier New"/>
+              </a:rPr>
+              <a:t>X</a:t>
+            </a:r>
+            <a:r>
+              <a:rPr lang="en-US" sz="700" dirty="0">
+                <a:latin typeface="Courier New"/>
+                <a:cs typeface="Courier New"/>
+              </a:rPr>
+              <a:t>       </a:t>
+            </a:r>
+            <a:r>
+              <a:rPr lang="en-US" sz="700" dirty="0" err="1">
+                <a:latin typeface="Courier New"/>
+                <a:cs typeface="Courier New"/>
+              </a:rPr>
+              <a:t>Errored</a:t>
+            </a:r>
+            <a:r>
+              <a:rPr lang="en-US" sz="700" dirty="0">
+                <a:latin typeface="Courier New"/>
+                <a:cs typeface="Courier New"/>
+              </a:rPr>
+              <a:t>.</a:t>
+            </a:r>
+          </a:p>
+          <a:p>
+            <a:endParaRPr lang="en-US" sz="700" dirty="0">
+              <a:latin typeface="Courier New"/>
+              <a:cs typeface="Courier New"/>
+            </a:endParaRPr>
+          </a:p>
+          <a:p>
+            <a:r>
+              <a:rPr lang="en-US" sz="700" dirty="0">
+                <a:latin typeface="Courier New"/>
+                <a:cs typeface="Courier New"/>
+              </a:rPr>
+              <a:t>results = </a:t>
+            </a:r>
+          </a:p>
+          <a:p>
+            <a:endParaRPr lang="en-US" sz="700" dirty="0">
+              <a:latin typeface="Courier New"/>
+              <a:cs typeface="Courier New"/>
+            </a:endParaRPr>
+          </a:p>
+          <a:p>
+            <a:r>
+              <a:rPr lang="en-US" sz="700" dirty="0">
+                <a:latin typeface="Courier New"/>
+                <a:cs typeface="Courier New"/>
+              </a:rPr>
+              <a:t>  </a:t>
+            </a:r>
+            <a:r>
+              <a:rPr lang="en-US" sz="700" dirty="0" err="1">
+                <a:latin typeface="Courier New"/>
+                <a:cs typeface="Courier New"/>
+              </a:rPr>
+              <a:t>TestResult</a:t>
+            </a:r>
+            <a:r>
+              <a:rPr lang="en-US" sz="700" dirty="0">
+                <a:latin typeface="Courier New"/>
+                <a:cs typeface="Courier New"/>
+              </a:rPr>
+              <a:t> with properties:</a:t>
+            </a:r>
+          </a:p>
+          <a:p>
+            <a:endParaRPr lang="en-US" sz="700" dirty="0">
+              <a:latin typeface="Courier New"/>
+              <a:cs typeface="Courier New"/>
+            </a:endParaRPr>
+          </a:p>
+          <a:p>
+            <a:r>
+              <a:rPr lang="en-US" sz="700" dirty="0">
+                <a:latin typeface="Courier New"/>
+                <a:cs typeface="Courier New"/>
+              </a:rPr>
+              <a:t>          Name: '</a:t>
+            </a:r>
+            <a:r>
+              <a:rPr lang="en-US" sz="700" dirty="0" err="1">
+                <a:latin typeface="Courier New"/>
+                <a:cs typeface="Courier New"/>
+              </a:rPr>
+              <a:t>script_test_fcn_geometry_findIntersectionOfSegments</a:t>
+            </a:r>
+            <a:r>
+              <a:rPr lang="en-US" sz="700" dirty="0">
+                <a:latin typeface="Courier New"/>
+                <a:cs typeface="Courier New"/>
+              </a:rPr>
+              <a:t>/SimpleTest1_ASimpleIntersection'</a:t>
+            </a:r>
+          </a:p>
+          <a:p>
+            <a:r>
+              <a:rPr lang="en-US" sz="700" dirty="0">
+                <a:latin typeface="Courier New"/>
+                <a:cs typeface="Courier New"/>
+              </a:rPr>
+              <a:t>        Passed: 0</a:t>
+            </a:r>
+          </a:p>
+          <a:p>
+            <a:r>
+              <a:rPr lang="en-US" sz="700" dirty="0">
+                <a:latin typeface="Courier New"/>
+                <a:cs typeface="Courier New"/>
+              </a:rPr>
+              <a:t>        Failed: 1</a:t>
+            </a:r>
+          </a:p>
+          <a:p>
+            <a:r>
+              <a:rPr lang="en-US" sz="700" dirty="0">
+                <a:latin typeface="Courier New"/>
+                <a:cs typeface="Courier New"/>
+              </a:rPr>
+              <a:t>    Incomplete: 1</a:t>
+            </a:r>
+          </a:p>
+          <a:p>
+            <a:r>
+              <a:rPr lang="en-US" sz="700" dirty="0">
+                <a:latin typeface="Courier New"/>
+                <a:cs typeface="Courier New"/>
+              </a:rPr>
+              <a:t>      Duration: 0.5584</a:t>
+            </a:r>
+          </a:p>
+          <a:p>
+            <a:r>
+              <a:rPr lang="en-US" sz="700" dirty="0">
+                <a:latin typeface="Courier New"/>
+                <a:cs typeface="Courier New"/>
+              </a:rPr>
+              <a:t>       Details: [1×1 </a:t>
+            </a:r>
+            <a:r>
+              <a:rPr lang="en-US" sz="700" dirty="0" err="1">
+                <a:latin typeface="Courier New"/>
+                <a:cs typeface="Courier New"/>
+              </a:rPr>
+              <a:t>struct</a:t>
+            </a:r>
+            <a:r>
+              <a:rPr lang="en-US" sz="700" dirty="0">
+                <a:latin typeface="Courier New"/>
+                <a:cs typeface="Courier New"/>
+              </a:rPr>
+              <a:t>]</a:t>
+            </a:r>
+          </a:p>
+          <a:p>
+            <a:endParaRPr lang="en-US" sz="700" dirty="0">
+              <a:latin typeface="Courier New"/>
+              <a:cs typeface="Courier New"/>
+            </a:endParaRPr>
+          </a:p>
+          <a:p>
+            <a:r>
+              <a:rPr lang="en-US" sz="700" dirty="0">
+                <a:latin typeface="Courier New"/>
+                <a:cs typeface="Courier New"/>
+              </a:rPr>
+              <a:t>Totals:</a:t>
+            </a:r>
+          </a:p>
+          <a:p>
+            <a:r>
+              <a:rPr lang="en-US" sz="700" dirty="0">
+                <a:latin typeface="Courier New"/>
+                <a:cs typeface="Courier New"/>
+              </a:rPr>
+              <a:t>   0 Passed, 1 Failed (rerun), 1 Incomplete.</a:t>
+            </a:r>
+          </a:p>
+          <a:p>
+            <a:r>
+              <a:rPr lang="en-US" sz="700" dirty="0">
+                <a:latin typeface="Courier New"/>
+                <a:cs typeface="Courier New"/>
+              </a:rPr>
+              <a:t>   0.55841 seconds testing time.</a:t>
+            </a:r>
+            <a:endParaRPr lang="en-US" sz="700" dirty="0">
+              <a:latin typeface="Courier New"/>
+              <a:cs typeface="Calibri"/>
+            </a:endParaRPr>
+          </a:p>
+        </p:txBody>
+      </p:sp>
+    </p:spTree>
+    <p:extLst>
+      <p:ext uri="{BB962C8B-B14F-4D97-AF65-F5344CB8AC3E}">
+        <p14:creationId xmlns:p14="http://schemas.microsoft.com/office/powerpoint/2010/main" val="3302625971"/>
+      </p:ext>
+    </p:extLst>
+  </p:cSld>
+  <p:clrMapOvr>
+    <a:masterClrMapping/>
+  </p:clrMapOvr>
+</p:sld>
+</file>
+
+<file path=ppt/slides/slide11.xml><?xml version="1.0" encoding="utf-8"?>
+<p:sld xmlns:a="http://schemas.openxmlformats.org/drawingml/2006/main" xmlns:r="http://schemas.openxmlformats.org/officeDocument/2006/relationships" xmlns:p="http://schemas.openxmlformats.org/presentationml/2006/main">
+  <p:cSld>
+    <p:spTree>
+      <p:nvGrpSpPr>
+        <p:cNvPr id="1" name=""/>
+        <p:cNvGrpSpPr/>
+        <p:nvPr/>
+      </p:nvGrpSpPr>
+      <p:grpSpPr>
+        <a:xfrm>
+          <a:off x="0" y="0"/>
+          <a:ext cx="0" cy="0"/>
+          <a:chOff x="0" y="0"/>
+          <a:chExt cx="0" cy="0"/>
+        </a:xfrm>
+      </p:grpSpPr>
+      <p:sp>
+        <p:nvSpPr>
+          <p:cNvPr id="2" name="Title 1">
+            <a:extLst>
+              <a:ext uri="{FF2B5EF4-FFF2-40B4-BE49-F238E27FC236}">
+                <a16:creationId xmlns:a16="http://schemas.microsoft.com/office/drawing/2014/main" id="{123B350A-1FD7-43CB-ABD9-32E48AAB11FE}"/>
+              </a:ext>
+            </a:extLst>
+          </p:cNvPr>
+          <p:cNvSpPr>
+            <a:spLocks noGrp="1"/>
+          </p:cNvSpPr>
+          <p:nvPr>
+            <p:ph type="title"/>
+          </p:nvPr>
+        </p:nvSpPr>
+        <p:spPr/>
+        <p:txBody>
+          <a:bodyPr>
+            <a:noAutofit/>
+          </a:bodyPr>
+          <a:lstStyle/>
+          <a:p>
+            <a:r>
+              <a:rPr lang="en-US" sz="3200" dirty="0">
                 <a:cs typeface="Calibri Light"/>
               </a:rPr>
-              <a:t>suites in a given repository.</a:t>
-            </a:r>
-            <a:endParaRPr lang="en-US" dirty="0"/>
+              <a:t>Wrappers can be used to create test </a:t>
+            </a:r>
+            <a:r>
+              <a:rPr lang="en-US" sz="3200" dirty="0" smtClean="0">
+                <a:cs typeface="Calibri Light"/>
+              </a:rPr>
+              <a:t>cases from assertions, test suites from files of assertions, </a:t>
+            </a:r>
+            <a:r>
+              <a:rPr lang="en-US" sz="3200" dirty="0">
+                <a:cs typeface="Calibri Light"/>
+              </a:rPr>
+              <a:t>and trigger all created test suites in a given </a:t>
+            </a:r>
+            <a:r>
+              <a:rPr lang="en-US" sz="3200" dirty="0" smtClean="0">
+                <a:cs typeface="Calibri Light"/>
+              </a:rPr>
+              <a:t>repository, while logging the outputs.</a:t>
+            </a:r>
+            <a:endParaRPr lang="en-US" sz="3200" dirty="0"/>
           </a:p>
         </p:txBody>
       </p:sp>
@@ -3153,7 +3871,7 @@
         <p:spPr>
           <a:xfrm>
             <a:off x="1624959" y="2325599"/>
-            <a:ext cx="8939375" cy="4031873"/>
+            <a:ext cx="8939375" cy="3785652"/>
           </a:xfrm>
           <a:prstGeom prst="rect">
             <a:avLst/>
@@ -3266,7 +3984,7 @@
           </a:lstStyle>
           <a:p>
             <a:r>
-              <a:rPr lang="en-US" sz="1400">
+              <a:rPr lang="en-US" sz="1400" dirty="0">
                 <a:solidFill>
                   <a:schemeClr val="accent6">
                     <a:lumMod val="75000"/>
@@ -3281,7 +3999,7 @@
           </a:p>
           <a:p>
             <a:r>
-              <a:rPr lang="en-US" sz="1400">
+              <a:rPr lang="en-US" sz="1400" dirty="0">
                 <a:solidFill>
                   <a:schemeClr val="accent6">
                     <a:lumMod val="75000"/>
@@ -3296,7 +4014,7 @@
           </a:p>
           <a:p>
             <a:r>
-              <a:rPr lang="en-US" sz="1400">
+              <a:rPr lang="en-US" sz="1400" dirty="0">
                 <a:solidFill>
                   <a:schemeClr val="accent6">
                     <a:lumMod val="75000"/>
@@ -3311,7 +4029,7 @@
           </a:p>
           <a:p>
             <a:r>
-              <a:rPr lang="en-US" sz="1400">
+              <a:rPr lang="en-US" sz="1400" dirty="0">
                 <a:latin typeface="Courier New"/>
                 <a:ea typeface="+mn-lt"/>
                 <a:cs typeface="+mn-lt"/>
@@ -3319,7 +4037,7 @@
               <a:t>clear </a:t>
             </a:r>
             <a:r>
-              <a:rPr lang="en-US" sz="1400">
+              <a:rPr lang="en-US" sz="1400" dirty="0">
                 <a:solidFill>
                   <a:srgbClr val="FF0000"/>
                 </a:solidFill>
@@ -3330,7 +4048,7 @@
               <a:t>all</a:t>
             </a:r>
             <a:r>
-              <a:rPr lang="en-US" sz="1400">
+              <a:rPr lang="en-US" sz="1400" dirty="0">
                 <a:latin typeface="Courier New"/>
                 <a:ea typeface="+mn-lt"/>
                 <a:cs typeface="+mn-lt"/>
@@ -3338,7 +4056,7 @@
               <a:t>; close </a:t>
             </a:r>
             <a:r>
-              <a:rPr lang="en-US" sz="1400">
+              <a:rPr lang="en-US" sz="1400" dirty="0">
                 <a:solidFill>
                   <a:srgbClr val="FF0000"/>
                 </a:solidFill>
@@ -3349,25 +4067,65 @@
               <a:t>all</a:t>
             </a:r>
             <a:r>
-              <a:rPr lang="en-US" sz="1400">
-                <a:latin typeface="Courier New"/>
-                <a:ea typeface="+mn-lt"/>
-                <a:cs typeface="+mn-lt"/>
-              </a:rPr>
-              <a:t>; clc;</a:t>
-            </a:r>
-          </a:p>
-          <a:p>
-            <a:r>
-              <a:rPr lang="en-US" sz="1400">
-                <a:latin typeface="Courier New"/>
-                <a:ea typeface="+mn-lt"/>
-                <a:cs typeface="+mn-lt"/>
-              </a:rPr>
-              <a:t>all_scripts = dir(</a:t>
-            </a:r>
-            <a:r>
-              <a:rPr lang="en-US" sz="1400">
+              <a:rPr lang="en-US" sz="1400" dirty="0">
+                <a:latin typeface="Courier New"/>
+                <a:ea typeface="+mn-lt"/>
+                <a:cs typeface="+mn-lt"/>
+              </a:rPr>
+              <a:t>; </a:t>
+            </a:r>
+            <a:r>
+              <a:rPr lang="en-US" sz="1400" dirty="0" err="1">
+                <a:latin typeface="Courier New"/>
+                <a:ea typeface="+mn-lt"/>
+                <a:cs typeface="+mn-lt"/>
+              </a:rPr>
+              <a:t>clc</a:t>
+            </a:r>
+            <a:r>
+              <a:rPr lang="en-US" sz="1400" dirty="0">
+                <a:latin typeface="Courier New"/>
+                <a:ea typeface="+mn-lt"/>
+                <a:cs typeface="+mn-lt"/>
+              </a:rPr>
+              <a:t>;</a:t>
+            </a:r>
+          </a:p>
+          <a:p>
+            <a:r>
+              <a:rPr lang="en-US" sz="1400" dirty="0" err="1">
+                <a:latin typeface="Courier New"/>
+                <a:ea typeface="+mn-lt"/>
+                <a:cs typeface="+mn-lt"/>
+              </a:rPr>
+              <a:t>all_scripts</a:t>
+            </a:r>
+            <a:r>
+              <a:rPr lang="en-US" sz="1400" dirty="0">
+                <a:latin typeface="Courier New"/>
+                <a:ea typeface="+mn-lt"/>
+                <a:cs typeface="+mn-lt"/>
+              </a:rPr>
+              <a:t> = </a:t>
+            </a:r>
+            <a:r>
+              <a:rPr lang="en-US" sz="1400" dirty="0" err="1">
+                <a:latin typeface="Courier New"/>
+                <a:ea typeface="+mn-lt"/>
+                <a:cs typeface="+mn-lt"/>
+              </a:rPr>
+              <a:t>dir</a:t>
+            </a:r>
+            <a:r>
+              <a:rPr lang="en-US" sz="1400" dirty="0">
+                <a:latin typeface="Courier New"/>
+                <a:ea typeface="+mn-lt"/>
+                <a:cs typeface="+mn-lt"/>
+              </a:rPr>
+              <a:t>(</a:t>
+            </a:r>
+            <a:r>
+              <a:rPr lang="en-US" sz="1400" dirty="0">
                 <a:solidFill>
                   <a:srgbClr val="FF0000"/>
                 </a:solidFill>
@@ -3375,10 +4133,32 @@
                 <a:ea typeface="+mn-lt"/>
                 <a:cs typeface="+mn-lt"/>
               </a:rPr>
-              <a:t>'script_test_fcn_*'</a:t>
-            </a:r>
-            <a:r>
-              <a:rPr lang="en-US" sz="1400">
+              <a:t>'</a:t>
+            </a:r>
+            <a:r>
+              <a:rPr lang="en-US" sz="1400" dirty="0" err="1">
+                <a:solidFill>
+                  <a:srgbClr val="FF0000"/>
+                </a:solidFill>
+                <a:latin typeface="Courier New"/>
+                <a:ea typeface="+mn-lt"/>
+                <a:cs typeface="+mn-lt"/>
+              </a:rPr>
+              <a:t>script_test_fcn</a:t>
+            </a:r>
+            <a:r>
+              <a:rPr lang="en-US" sz="1400" dirty="0">
+                <a:solidFill>
+                  <a:srgbClr val="FF0000"/>
+                </a:solidFill>
+                <a:latin typeface="Courier New"/>
+                <a:ea typeface="+mn-lt"/>
+                <a:cs typeface="+mn-lt"/>
+              </a:rPr>
+              <a:t>_*'</a:t>
+            </a:r>
+            <a:r>
+              <a:rPr lang="en-US" sz="1400" dirty="0">
                 <a:latin typeface="Courier New"/>
                 <a:ea typeface="+mn-lt"/>
                 <a:cs typeface="+mn-lt"/>
@@ -3388,7 +4168,7 @@
           </a:p>
           <a:p>
             <a:r>
-              <a:rPr lang="en-US" sz="1400">
+              <a:rPr lang="en-US" sz="1400" dirty="0">
                 <a:latin typeface="Courier New"/>
                 <a:ea typeface="+mn-lt"/>
                 <a:cs typeface="+mn-lt"/>
@@ -3397,14 +4177,77 @@
             </a:r>
           </a:p>
           <a:p>
-            <a:endParaRPr lang="en-US" sz="1600" dirty="0">
+            <a:r>
+              <a:rPr lang="en-US" sz="1600" dirty="0" smtClean="0">
+                <a:latin typeface="Courier New"/>
+                <a:cs typeface="Courier New"/>
+              </a:rPr>
+              <a:t>diary </a:t>
+            </a:r>
+            <a:r>
+              <a:rPr lang="en-US" sz="1600" dirty="0" smtClean="0">
+                <a:solidFill>
+                  <a:srgbClr val="FF0000"/>
+                </a:solidFill>
+                <a:latin typeface="Courier New"/>
+                <a:cs typeface="Courier New"/>
+              </a:rPr>
+              <a:t>‘script_test_fcn_geometry_all_stdout.txt’</a:t>
+            </a:r>
+            <a:r>
+              <a:rPr lang="en-US" sz="1600" dirty="0" smtClean="0">
+                <a:latin typeface="Courier New"/>
+                <a:cs typeface="Courier New"/>
+              </a:rPr>
+              <a:t>; </a:t>
+            </a:r>
+            <a:r>
+              <a:rPr lang="en-US" sz="1600" dirty="0" smtClean="0">
+                <a:solidFill>
+                  <a:schemeClr val="accent6">
+                    <a:lumMod val="75000"/>
+                  </a:schemeClr>
+                </a:solidFill>
+                <a:latin typeface="Courier New"/>
+                <a:ea typeface="+mn-lt"/>
+                <a:cs typeface="+mn-lt"/>
+              </a:rPr>
+              <a:t>% this is </a:t>
+            </a:r>
+            <a:r>
+              <a:rPr lang="en-US" sz="1600" dirty="0" err="1" smtClean="0">
+                <a:solidFill>
+                  <a:schemeClr val="accent6">
+                    <a:lumMod val="75000"/>
+                  </a:schemeClr>
+                </a:solidFill>
+                <a:latin typeface="Courier New"/>
+                <a:ea typeface="+mn-lt"/>
+                <a:cs typeface="+mn-lt"/>
+              </a:rPr>
+              <a:t>git</a:t>
+            </a:r>
+            <a:r>
+              <a:rPr lang="en-US" sz="1600" dirty="0" smtClean="0">
+                <a:solidFill>
+                  <a:schemeClr val="accent6">
+                    <a:lumMod val="75000"/>
+                  </a:schemeClr>
+                </a:solidFill>
+                <a:latin typeface="Courier New"/>
+                <a:ea typeface="+mn-lt"/>
+                <a:cs typeface="+mn-lt"/>
+              </a:rPr>
+              <a:t> ignored</a:t>
+            </a:r>
+            <a:endParaRPr lang="en-US" sz="1600" dirty="0" smtClean="0">
               <a:latin typeface="Courier New"/>
               <a:cs typeface="Courier New"/>
             </a:endParaRPr>
           </a:p>
           <a:p>
             <a:r>
-              <a:rPr lang="en-US" sz="1400">
+              <a:rPr lang="en-US" sz="1400" dirty="0" smtClean="0">
                 <a:solidFill>
                   <a:schemeClr val="accent1">
                     <a:lumMod val="75000"/>
@@ -3417,35 +4260,131 @@
               <a:t>for </a:t>
             </a:r>
             <a:r>
-              <a:rPr lang="en-US" sz="1400">
-                <a:latin typeface="Courier New"/>
-                <a:ea typeface="+mn-lt"/>
-                <a:cs typeface="+mn-lt"/>
-              </a:rPr>
-              <a:t>i_script = 1:length(all_scripts)</a:t>
-            </a:r>
-          </a:p>
-          <a:p>
-            <a:r>
-              <a:rPr lang="en-US" sz="1400">
-                <a:latin typeface="Courier New"/>
-                <a:ea typeface="+mn-lt"/>
-                <a:cs typeface="+mn-lt"/>
-              </a:rPr>
-              <a:t>    file_name_extended = all_scripts(i_script).name;</a:t>
-            </a:r>
-          </a:p>
-          <a:p>
-            <a:r>
-              <a:rPr lang="en-US" sz="1400">
-                <a:latin typeface="Courier New"/>
-                <a:ea typeface="+mn-lt"/>
-                <a:cs typeface="+mn-lt"/>
-              </a:rPr>
-              <a:t>    file_name = erase(file_name_extended,</a:t>
-            </a:r>
-            <a:r>
-              <a:rPr lang="en-US" sz="1400">
+              <a:rPr lang="en-US" sz="1400" dirty="0" err="1" smtClean="0">
+                <a:latin typeface="Courier New"/>
+                <a:ea typeface="+mn-lt"/>
+                <a:cs typeface="+mn-lt"/>
+              </a:rPr>
+              <a:t>i_script</a:t>
+            </a:r>
+            <a:r>
+              <a:rPr lang="en-US" sz="1400" dirty="0" smtClean="0">
+                <a:latin typeface="Courier New"/>
+                <a:ea typeface="+mn-lt"/>
+                <a:cs typeface="+mn-lt"/>
+              </a:rPr>
+              <a:t> = 1:length(</a:t>
+            </a:r>
+            <a:r>
+              <a:rPr lang="en-US" sz="1400" dirty="0" err="1" smtClean="0">
+                <a:latin typeface="Courier New"/>
+                <a:ea typeface="+mn-lt"/>
+                <a:cs typeface="+mn-lt"/>
+              </a:rPr>
+              <a:t>all_scripts</a:t>
+            </a:r>
+            <a:r>
+              <a:rPr lang="en-US" sz="1400" dirty="0" smtClean="0">
+                <a:latin typeface="Courier New"/>
+                <a:ea typeface="+mn-lt"/>
+                <a:cs typeface="+mn-lt"/>
+              </a:rPr>
+              <a:t>)</a:t>
+            </a:r>
+          </a:p>
+          <a:p>
+            <a:r>
+              <a:rPr lang="en-US" sz="1400" dirty="0">
+                <a:latin typeface="Courier New"/>
+                <a:ea typeface="+mn-lt"/>
+                <a:cs typeface="+mn-lt"/>
+              </a:rPr>
+              <a:t>    </a:t>
+            </a:r>
+            <a:r>
+              <a:rPr lang="en-US" sz="1400" dirty="0" err="1">
+                <a:latin typeface="Courier New"/>
+                <a:ea typeface="+mn-lt"/>
+                <a:cs typeface="+mn-lt"/>
+              </a:rPr>
+              <a:t>file_name_extended</a:t>
+            </a:r>
+            <a:r>
+              <a:rPr lang="en-US" sz="1400" dirty="0">
+                <a:latin typeface="Courier New"/>
+                <a:ea typeface="+mn-lt"/>
+                <a:cs typeface="+mn-lt"/>
+              </a:rPr>
+              <a:t> = </a:t>
+            </a:r>
+            <a:r>
+              <a:rPr lang="en-US" sz="1400" dirty="0" err="1">
+                <a:latin typeface="Courier New"/>
+                <a:ea typeface="+mn-lt"/>
+                <a:cs typeface="+mn-lt"/>
+              </a:rPr>
+              <a:t>all_scripts</a:t>
+            </a:r>
+            <a:r>
+              <a:rPr lang="en-US" sz="1400" dirty="0">
+                <a:latin typeface="Courier New"/>
+                <a:ea typeface="+mn-lt"/>
+                <a:cs typeface="+mn-lt"/>
+              </a:rPr>
+              <a:t>(</a:t>
+            </a:r>
+            <a:r>
+              <a:rPr lang="en-US" sz="1400" dirty="0" err="1">
+                <a:latin typeface="Courier New"/>
+                <a:ea typeface="+mn-lt"/>
+                <a:cs typeface="+mn-lt"/>
+              </a:rPr>
+              <a:t>i_script</a:t>
+            </a:r>
+            <a:r>
+              <a:rPr lang="en-US" sz="1400" dirty="0">
+                <a:latin typeface="Courier New"/>
+                <a:ea typeface="+mn-lt"/>
+                <a:cs typeface="+mn-lt"/>
+              </a:rPr>
+              <a:t>).name;</a:t>
+            </a:r>
+          </a:p>
+          <a:p>
+            <a:r>
+              <a:rPr lang="en-US" sz="1400" dirty="0">
+                <a:latin typeface="Courier New"/>
+                <a:ea typeface="+mn-lt"/>
+                <a:cs typeface="+mn-lt"/>
+              </a:rPr>
+              <a:t>    </a:t>
+            </a:r>
+            <a:r>
+              <a:rPr lang="en-US" sz="1400" dirty="0" err="1">
+                <a:latin typeface="Courier New"/>
+                <a:ea typeface="+mn-lt"/>
+                <a:cs typeface="+mn-lt"/>
+              </a:rPr>
+              <a:t>file_name</a:t>
+            </a:r>
+            <a:r>
+              <a:rPr lang="en-US" sz="1400" dirty="0">
+                <a:latin typeface="Courier New"/>
+                <a:ea typeface="+mn-lt"/>
+                <a:cs typeface="+mn-lt"/>
+              </a:rPr>
+              <a:t> = erase(</a:t>
+            </a:r>
+            <a:r>
+              <a:rPr lang="en-US" sz="1400" dirty="0" err="1">
+                <a:latin typeface="Courier New"/>
+                <a:ea typeface="+mn-lt"/>
+                <a:cs typeface="+mn-lt"/>
+              </a:rPr>
+              <a:t>file_name_extended,</a:t>
+            </a:r>
+            <a:r>
+              <a:rPr lang="en-US" sz="1400" dirty="0" err="1">
                 <a:solidFill>
                   <a:srgbClr val="FF0000"/>
                 </a:solidFill>
@@ -3453,10 +4392,21 @@
                 <a:ea typeface="+mn-lt"/>
                 <a:cs typeface="+mn-lt"/>
               </a:rPr>
-              <a:t>'.m'</a:t>
-            </a:r>
-            <a:r>
-              <a:rPr lang="en-US" sz="1400">
+              <a:t>'.m</a:t>
+            </a:r>
+            <a:r>
+              <a:rPr lang="en-US" sz="1400" dirty="0">
+                <a:solidFill>
+                  <a:srgbClr val="FF0000"/>
+                </a:solidFill>
+                <a:latin typeface="Courier New"/>
+                <a:ea typeface="+mn-lt"/>
+                <a:cs typeface="+mn-lt"/>
+              </a:rPr>
+              <a:t>'</a:t>
+            </a:r>
+            <a:r>
+              <a:rPr lang="en-US" sz="1400" dirty="0">
                 <a:latin typeface="Courier New"/>
                 <a:ea typeface="+mn-lt"/>
                 <a:cs typeface="+mn-lt"/>
@@ -3474,7 +4424,7 @@
               <a:t>    </a:t>
             </a:r>
             <a:r>
-              <a:rPr lang="en-US" sz="1400">
+              <a:rPr lang="en-US" sz="1400" dirty="0">
                 <a:solidFill>
                   <a:schemeClr val="accent1">
                     <a:lumMod val="75000"/>
@@ -3487,15 +4437,79 @@
               <a:t>if </a:t>
             </a:r>
             <a:r>
-              <a:rPr lang="en-US" sz="1400">
-                <a:latin typeface="Courier New"/>
-                <a:ea typeface="+mn-lt"/>
-                <a:cs typeface="+mn-lt"/>
-              </a:rPr>
-              <a:t>~strcmp(mfilename,file_name) &amp;&amp; ~strcmp(file_name(end-3:end),</a:t>
-            </a:r>
-            <a:r>
-              <a:rPr lang="en-US" sz="1400">
+              <a:rPr lang="en-US" sz="1400" dirty="0">
+                <a:latin typeface="Courier New"/>
+                <a:ea typeface="+mn-lt"/>
+                <a:cs typeface="+mn-lt"/>
+              </a:rPr>
+              <a:t>~</a:t>
+            </a:r>
+            <a:r>
+              <a:rPr lang="en-US" sz="1400" dirty="0" err="1">
+                <a:latin typeface="Courier New"/>
+                <a:ea typeface="+mn-lt"/>
+                <a:cs typeface="+mn-lt"/>
+              </a:rPr>
+              <a:t>strcmp</a:t>
+            </a:r>
+            <a:r>
+              <a:rPr lang="en-US" sz="1400" dirty="0">
+                <a:latin typeface="Courier New"/>
+                <a:ea typeface="+mn-lt"/>
+                <a:cs typeface="+mn-lt"/>
+              </a:rPr>
+              <a:t>(</a:t>
+            </a:r>
+            <a:r>
+              <a:rPr lang="en-US" sz="1400" dirty="0" err="1">
+                <a:latin typeface="Courier New"/>
+                <a:ea typeface="+mn-lt"/>
+                <a:cs typeface="+mn-lt"/>
+              </a:rPr>
+              <a:t>mfilename,file_name</a:t>
+            </a:r>
+            <a:r>
+              <a:rPr lang="en-US" sz="1400" dirty="0">
+                <a:latin typeface="Courier New"/>
+                <a:ea typeface="+mn-lt"/>
+                <a:cs typeface="+mn-lt"/>
+              </a:rPr>
+              <a:t>) &amp;&amp; ~</a:t>
+            </a:r>
+            <a:r>
+              <a:rPr lang="en-US" sz="1400" dirty="0" err="1">
+                <a:latin typeface="Courier New"/>
+                <a:ea typeface="+mn-lt"/>
+                <a:cs typeface="+mn-lt"/>
+              </a:rPr>
+              <a:t>strcmp</a:t>
+            </a:r>
+            <a:r>
+              <a:rPr lang="en-US" sz="1400" dirty="0">
+                <a:latin typeface="Courier New"/>
+                <a:ea typeface="+mn-lt"/>
+                <a:cs typeface="+mn-lt"/>
+              </a:rPr>
+              <a:t>(</a:t>
+            </a:r>
+            <a:r>
+              <a:rPr lang="en-US" sz="1400" dirty="0" err="1">
+                <a:latin typeface="Courier New"/>
+                <a:ea typeface="+mn-lt"/>
+                <a:cs typeface="+mn-lt"/>
+              </a:rPr>
+              <a:t>file_name</a:t>
+            </a:r>
+            <a:r>
+              <a:rPr lang="en-US" sz="1400" dirty="0">
+                <a:latin typeface="Courier New"/>
+                <a:ea typeface="+mn-lt"/>
+                <a:cs typeface="+mn-lt"/>
+              </a:rPr>
+              <a:t>(end-3:end),</a:t>
+            </a:r>
+            <a:r>
+              <a:rPr lang="en-US" sz="1400" dirty="0">
                 <a:solidFill>
                   <a:srgbClr val="FF0000"/>
                 </a:solidFill>
@@ -3503,10 +4517,32 @@
                 <a:ea typeface="+mn-lt"/>
                 <a:cs typeface="+mn-lt"/>
               </a:rPr>
-              <a:t>'.asv'</a:t>
-            </a:r>
-            <a:r>
-              <a:rPr lang="en-US" sz="1400">
+              <a:t>'.</a:t>
+            </a:r>
+            <a:r>
+              <a:rPr lang="en-US" sz="1400" dirty="0" err="1">
+                <a:solidFill>
+                  <a:srgbClr val="FF0000"/>
+                </a:solidFill>
+                <a:latin typeface="Courier New"/>
+                <a:ea typeface="+mn-lt"/>
+                <a:cs typeface="+mn-lt"/>
+              </a:rPr>
+              <a:t>asv</a:t>
+            </a:r>
+            <a:r>
+              <a:rPr lang="en-US" sz="1400" dirty="0">
+                <a:solidFill>
+                  <a:srgbClr val="FF0000"/>
+                </a:solidFill>
+                <a:latin typeface="Courier New"/>
+                <a:ea typeface="+mn-lt"/>
+                <a:cs typeface="+mn-lt"/>
+              </a:rPr>
+              <a:t>'</a:t>
+            </a:r>
+            <a:r>
+              <a:rPr lang="en-US" sz="1400" dirty="0">
                 <a:latin typeface="Courier New"/>
                 <a:ea typeface="+mn-lt"/>
                 <a:cs typeface="+mn-lt"/>
@@ -3516,15 +4552,39 @@
           </a:p>
           <a:p>
             <a:r>
-              <a:rPr lang="en-US" sz="1400">
-                <a:latin typeface="Courier New"/>
-                <a:ea typeface="+mn-lt"/>
-                <a:cs typeface="+mn-lt"/>
-              </a:rPr>
-              <a:t>        file_name_trunc = erase(file_name,</a:t>
-            </a:r>
-            <a:r>
-              <a:rPr lang="en-US" sz="1400">
+              <a:rPr lang="en-US" sz="1400" dirty="0">
+                <a:latin typeface="Courier New"/>
+                <a:ea typeface="+mn-lt"/>
+                <a:cs typeface="+mn-lt"/>
+              </a:rPr>
+              <a:t>        </a:t>
+            </a:r>
+            <a:r>
+              <a:rPr lang="en-US" sz="1400" dirty="0" err="1">
+                <a:latin typeface="Courier New"/>
+                <a:ea typeface="+mn-lt"/>
+                <a:cs typeface="+mn-lt"/>
+              </a:rPr>
+              <a:t>file_name_trunc</a:t>
+            </a:r>
+            <a:r>
+              <a:rPr lang="en-US" sz="1400" dirty="0">
+                <a:latin typeface="Courier New"/>
+                <a:ea typeface="+mn-lt"/>
+                <a:cs typeface="+mn-lt"/>
+              </a:rPr>
+              <a:t> = erase(</a:t>
+            </a:r>
+            <a:r>
+              <a:rPr lang="en-US" sz="1400" dirty="0" err="1">
+                <a:latin typeface="Courier New"/>
+                <a:ea typeface="+mn-lt"/>
+                <a:cs typeface="+mn-lt"/>
+              </a:rPr>
+              <a:t>file_name,</a:t>
+            </a:r>
+            <a:r>
+              <a:rPr lang="en-US" sz="1400" dirty="0" err="1">
                 <a:solidFill>
                   <a:srgbClr val="FF0000"/>
                 </a:solidFill>
@@ -3532,10 +4592,21 @@
                 <a:ea typeface="+mn-lt"/>
                 <a:cs typeface="+mn-lt"/>
               </a:rPr>
-              <a:t>'script_'</a:t>
-            </a:r>
-            <a:r>
-              <a:rPr lang="en-US" sz="1400">
+              <a:t>'script</a:t>
+            </a:r>
+            <a:r>
+              <a:rPr lang="en-US" sz="1400" dirty="0">
+                <a:solidFill>
+                  <a:srgbClr val="FF0000"/>
+                </a:solidFill>
+                <a:latin typeface="Courier New"/>
+                <a:ea typeface="+mn-lt"/>
+                <a:cs typeface="+mn-lt"/>
+              </a:rPr>
+              <a:t>_'</a:t>
+            </a:r>
+            <a:r>
+              <a:rPr lang="en-US" sz="1400" dirty="0">
                 <a:latin typeface="Courier New"/>
                 <a:ea typeface="+mn-lt"/>
                 <a:cs typeface="+mn-lt"/>
@@ -3545,35 +4616,106 @@
           </a:p>
           <a:p>
             <a:r>
-              <a:rPr lang="en-US" sz="1400">
-                <a:latin typeface="Courier New"/>
-                <a:ea typeface="+mn-lt"/>
-                <a:cs typeface="+mn-lt"/>
-              </a:rPr>
-              <a:t>        suite = testsuite(file_name);</a:t>
-            </a:r>
-          </a:p>
-          <a:p>
-            <a:r>
-              <a:rPr lang="en-US" sz="1400">
-                <a:latin typeface="Courier New"/>
-                <a:ea typeface="+mn-lt"/>
-                <a:cs typeface="+mn-lt"/>
-              </a:rPr>
-              <a:t>        suites(end+1) = suite;</a:t>
-            </a:r>
-          </a:p>
-          <a:p>
-            <a:r>
               <a:rPr lang="en-US" sz="1400" dirty="0">
                 <a:latin typeface="Courier New"/>
                 <a:ea typeface="+mn-lt"/>
                 <a:cs typeface="+mn-lt"/>
               </a:rPr>
+              <a:t>        suite = </a:t>
+            </a:r>
+            <a:r>
+              <a:rPr lang="en-US" sz="1400" dirty="0" err="1">
+                <a:latin typeface="Courier New"/>
+                <a:ea typeface="+mn-lt"/>
+                <a:cs typeface="+mn-lt"/>
+              </a:rPr>
+              <a:t>testsuite</a:t>
+            </a:r>
+            <a:r>
+              <a:rPr lang="en-US" sz="1400" dirty="0">
+                <a:latin typeface="Courier New"/>
+                <a:ea typeface="+mn-lt"/>
+                <a:cs typeface="+mn-lt"/>
+              </a:rPr>
+              <a:t>(</a:t>
+            </a:r>
+            <a:r>
+              <a:rPr lang="en-US" sz="1400" dirty="0" err="1">
+                <a:latin typeface="Courier New"/>
+                <a:ea typeface="+mn-lt"/>
+                <a:cs typeface="+mn-lt"/>
+              </a:rPr>
+              <a:t>file_name</a:t>
+            </a:r>
+            <a:r>
+              <a:rPr lang="en-US" sz="1400" dirty="0">
+                <a:latin typeface="Courier New"/>
+                <a:ea typeface="+mn-lt"/>
+                <a:cs typeface="+mn-lt"/>
+              </a:rPr>
+              <a:t>);</a:t>
+            </a:r>
+          </a:p>
+          <a:p>
+            <a:r>
+              <a:rPr lang="en-US" sz="1400" dirty="0">
+                <a:latin typeface="Courier New"/>
+                <a:ea typeface="+mn-lt"/>
+                <a:cs typeface="+mn-lt"/>
+              </a:rPr>
+              <a:t>        suites(end+1) = suite</a:t>
+            </a:r>
+            <a:r>
+              <a:rPr lang="en-US" sz="1400" dirty="0" smtClean="0">
+                <a:latin typeface="Courier New"/>
+                <a:ea typeface="+mn-lt"/>
+                <a:cs typeface="+mn-lt"/>
+              </a:rPr>
+              <a:t>;</a:t>
+            </a:r>
+          </a:p>
+          <a:p>
+            <a:r>
+              <a:rPr lang="en-US" sz="1400" dirty="0" smtClean="0">
+                <a:latin typeface="Courier New"/>
+                <a:ea typeface="+mn-lt"/>
+                <a:cs typeface="+mn-lt"/>
+              </a:rPr>
+              <a:t>        results </a:t>
+            </a:r>
+            <a:r>
+              <a:rPr lang="en-US" sz="1400" dirty="0">
+                <a:latin typeface="Courier New"/>
+                <a:ea typeface="+mn-lt"/>
+                <a:cs typeface="+mn-lt"/>
+              </a:rPr>
+              <a:t>= run(suites</a:t>
+            </a:r>
+            <a:r>
+              <a:rPr lang="en-US" sz="1400" dirty="0" smtClean="0">
+                <a:latin typeface="Courier New"/>
+                <a:ea typeface="+mn-lt"/>
+                <a:cs typeface="+mn-lt"/>
+              </a:rPr>
+              <a:t>);</a:t>
+            </a:r>
+            <a:endParaRPr lang="en-US" sz="1400" dirty="0">
+              <a:latin typeface="Courier New"/>
+              <a:ea typeface="+mn-lt"/>
+              <a:cs typeface="+mn-lt"/>
+            </a:endParaRPr>
+          </a:p>
+          <a:p>
+            <a:r>
+              <a:rPr lang="en-US" sz="1400" dirty="0">
+                <a:latin typeface="Courier New"/>
+                <a:ea typeface="+mn-lt"/>
+                <a:cs typeface="+mn-lt"/>
+              </a:rPr>
               <a:t>  </a:t>
             </a:r>
             <a:r>
-              <a:rPr lang="en-US" sz="1400">
+              <a:rPr lang="en-US" sz="1400" dirty="0">
                 <a:solidFill>
                   <a:schemeClr val="accent1">
                     <a:lumMod val="75000"/>
@@ -3588,7 +4730,7 @@
           </a:p>
           <a:p>
             <a:r>
-              <a:rPr lang="en-US" sz="1400">
+              <a:rPr lang="en-US" sz="1400" dirty="0" smtClean="0">
                 <a:solidFill>
                   <a:schemeClr val="accent1">
                     <a:lumMod val="75000"/>
@@ -3600,22 +4742,16 @@
               </a:rPr>
               <a:t>end</a:t>
             </a:r>
-          </a:p>
-          <a:p>
-            <a:endParaRPr lang="en-US" sz="1600" dirty="0">
+            <a:endParaRPr lang="en-US" sz="1400" dirty="0">
+              <a:solidFill>
+                <a:schemeClr val="accent1">
+                  <a:lumMod val="75000"/>
+                </a:schemeClr>
+              </a:solidFill>
               <a:latin typeface="Courier New"/>
-              <a:cs typeface="Courier New"/>
-            </a:endParaRPr>
-          </a:p>
-          <a:p>
-            <a:r>
-              <a:rPr lang="en-US" sz="1400">
-                <a:latin typeface="Courier New"/>
-                <a:ea typeface="+mn-lt"/>
-                <a:cs typeface="+mn-lt"/>
-              </a:rPr>
-              <a:t>results = run(suites)</a:t>
-            </a:r>
+              <a:ea typeface="+mn-lt"/>
+              <a:cs typeface="+mn-lt"/>
+            </a:endParaRPr>
           </a:p>
         </p:txBody>
       </p:sp>
@@ -3632,7 +4768,7 @@
 </p:sld>
 </file>
 
-<file path=ppt/slides/slide11.xml><?xml version="1.0" encoding="utf-8"?>
+<file path=ppt/slides/slide12.xml><?xml version="1.0" encoding="utf-8"?>
 <p:sld xmlns:a="http://schemas.openxmlformats.org/drawingml/2006/main" xmlns:r="http://schemas.openxmlformats.org/officeDocument/2006/relationships" xmlns:p="http://schemas.openxmlformats.org/presentationml/2006/main">
   <p:cSld>
     <p:spTree>
@@ -3736,601 +4872,6 @@
 </p:sld>
 </file>
 
-<file path=ppt/slides/slide12.xml><?xml version="1.0" encoding="utf-8"?>
-<p:sld xmlns:a="http://schemas.openxmlformats.org/drawingml/2006/main" xmlns:r="http://schemas.openxmlformats.org/officeDocument/2006/relationships" xmlns:p="http://schemas.openxmlformats.org/presentationml/2006/main">
-  <p:cSld>
-    <p:spTree>
-      <p:nvGrpSpPr>
-        <p:cNvPr id="1" name=""/>
-        <p:cNvGrpSpPr/>
-        <p:nvPr/>
-      </p:nvGrpSpPr>
-      <p:grpSpPr>
-        <a:xfrm>
-          <a:off x="0" y="0"/>
-          <a:ext cx="0" cy="0"/>
-          <a:chOff x="0" y="0"/>
-          <a:chExt cx="0" cy="0"/>
-        </a:xfrm>
-      </p:grpSpPr>
-      <p:sp>
-        <p:nvSpPr>
-          <p:cNvPr id="2" name="Title 1">
-            <a:extLst>
-              <a:ext uri="{FF2B5EF4-FFF2-40B4-BE49-F238E27FC236}">
-                <a16:creationId xmlns:a16="http://schemas.microsoft.com/office/drawing/2014/main" id="{123B350A-1FD7-43CB-ABD9-32E48AAB11FE}"/>
-              </a:ext>
-            </a:extLst>
-          </p:cNvPr>
-          <p:cNvSpPr>
-            <a:spLocks noGrp="1"/>
-          </p:cNvSpPr>
-          <p:nvPr>
-            <p:ph type="title"/>
-          </p:nvPr>
-        </p:nvSpPr>
-        <p:spPr>
-          <a:xfrm>
-            <a:off x="838200" y="477551"/>
-            <a:ext cx="10515600" cy="1325563"/>
-          </a:xfrm>
-        </p:spPr>
-        <p:txBody>
-          <a:bodyPr>
-            <a:normAutofit/>
-          </a:bodyPr>
-          <a:lstStyle/>
-          <a:p>
-            <a:r>
-              <a:rPr lang="en-US">
-                <a:cs typeface="Calibri Light"/>
-              </a:rPr>
-              <a:t>This ensure only the functionality to meet the requirement is added.</a:t>
-            </a:r>
-            <a:endParaRPr lang="en-US" dirty="0">
-              <a:cs typeface="Calibri Light"/>
-            </a:endParaRPr>
-          </a:p>
-        </p:txBody>
-      </p:sp>
-      <p:sp>
-        <p:nvSpPr>
-          <p:cNvPr id="4" name="Rectangle 3">
-            <a:extLst>
-              <a:ext uri="{FF2B5EF4-FFF2-40B4-BE49-F238E27FC236}">
-                <a16:creationId xmlns:a16="http://schemas.microsoft.com/office/drawing/2014/main" id="{0259DDC2-7A72-4E1D-8B27-40FE6A613D24}"/>
-              </a:ext>
-            </a:extLst>
-          </p:cNvPr>
-          <p:cNvSpPr/>
-          <p:nvPr/>
-        </p:nvSpPr>
-        <p:spPr>
-          <a:xfrm>
-            <a:off x="961282" y="2105179"/>
-            <a:ext cx="3297715" cy="3046988"/>
-          </a:xfrm>
-          <a:prstGeom prst="rect">
-            <a:avLst/>
-          </a:prstGeom>
-          <a:solidFill>
-            <a:schemeClr val="accent4">
-              <a:lumMod val="20000"/>
-              <a:lumOff val="80000"/>
-            </a:schemeClr>
-          </a:solidFill>
-        </p:spPr>
-        <p:txBody>
-          <a:bodyPr wrap="square" lIns="91440" tIns="45720" rIns="91440" bIns="45720" anchor="t">
-            <a:spAutoFit/>
-          </a:bodyPr>
-          <a:lstStyle>
-            <a:defPPr>
-              <a:defRPr lang="en-US"/>
-            </a:defPPr>
-            <a:lvl1pPr marL="0" algn="l" defTabSz="914400" rtl="0" eaLnBrk="1" latinLnBrk="0" hangingPunct="1">
-              <a:defRPr sz="1800" kern="1200">
-                <a:solidFill>
-                  <a:schemeClr val="tx1"/>
-                </a:solidFill>
-                <a:latin typeface="+mn-lt"/>
-                <a:ea typeface="+mn-ea"/>
-                <a:cs typeface="+mn-cs"/>
-              </a:defRPr>
-            </a:lvl1pPr>
-            <a:lvl2pPr marL="457200" algn="l" defTabSz="914400" rtl="0" eaLnBrk="1" latinLnBrk="0" hangingPunct="1">
-              <a:defRPr sz="1800" kern="1200">
-                <a:solidFill>
-                  <a:schemeClr val="tx1"/>
-                </a:solidFill>
-                <a:latin typeface="+mn-lt"/>
-                <a:ea typeface="+mn-ea"/>
-                <a:cs typeface="+mn-cs"/>
-              </a:defRPr>
-            </a:lvl2pPr>
-            <a:lvl3pPr marL="914400" algn="l" defTabSz="914400" rtl="0" eaLnBrk="1" latinLnBrk="0" hangingPunct="1">
-              <a:defRPr sz="1800" kern="1200">
-                <a:solidFill>
-                  <a:schemeClr val="tx1"/>
-                </a:solidFill>
-                <a:latin typeface="+mn-lt"/>
-                <a:ea typeface="+mn-ea"/>
-                <a:cs typeface="+mn-cs"/>
-              </a:defRPr>
-            </a:lvl3pPr>
-            <a:lvl4pPr marL="1371600" algn="l" defTabSz="914400" rtl="0" eaLnBrk="1" latinLnBrk="0" hangingPunct="1">
-              <a:defRPr sz="1800" kern="1200">
-                <a:solidFill>
-                  <a:schemeClr val="tx1"/>
-                </a:solidFill>
-                <a:latin typeface="+mn-lt"/>
-                <a:ea typeface="+mn-ea"/>
-                <a:cs typeface="+mn-cs"/>
-              </a:defRPr>
-            </a:lvl4pPr>
-            <a:lvl5pPr marL="1828800" algn="l" defTabSz="914400" rtl="0" eaLnBrk="1" latinLnBrk="0" hangingPunct="1">
-              <a:defRPr sz="1800" kern="1200">
-                <a:solidFill>
-                  <a:schemeClr val="tx1"/>
-                </a:solidFill>
-                <a:latin typeface="+mn-lt"/>
-                <a:ea typeface="+mn-ea"/>
-                <a:cs typeface="+mn-cs"/>
-              </a:defRPr>
-            </a:lvl5pPr>
-            <a:lvl6pPr marL="2286000" algn="l" defTabSz="914400" rtl="0" eaLnBrk="1" latinLnBrk="0" hangingPunct="1">
-              <a:defRPr sz="1800" kern="1200">
-                <a:solidFill>
-                  <a:schemeClr val="tx1"/>
-                </a:solidFill>
-                <a:latin typeface="+mn-lt"/>
-                <a:ea typeface="+mn-ea"/>
-                <a:cs typeface="+mn-cs"/>
-              </a:defRPr>
-            </a:lvl6pPr>
-            <a:lvl7pPr marL="2743200" algn="l" defTabSz="914400" rtl="0" eaLnBrk="1" latinLnBrk="0" hangingPunct="1">
-              <a:defRPr sz="1800" kern="1200">
-                <a:solidFill>
-                  <a:schemeClr val="tx1"/>
-                </a:solidFill>
-                <a:latin typeface="+mn-lt"/>
-                <a:ea typeface="+mn-ea"/>
-                <a:cs typeface="+mn-cs"/>
-              </a:defRPr>
-            </a:lvl7pPr>
-            <a:lvl8pPr marL="3200400" algn="l" defTabSz="914400" rtl="0" eaLnBrk="1" latinLnBrk="0" hangingPunct="1">
-              <a:defRPr sz="1800" kern="1200">
-                <a:solidFill>
-                  <a:schemeClr val="tx1"/>
-                </a:solidFill>
-                <a:latin typeface="+mn-lt"/>
-                <a:ea typeface="+mn-ea"/>
-                <a:cs typeface="+mn-cs"/>
-              </a:defRPr>
-            </a:lvl8pPr>
-            <a:lvl9pPr marL="3657600" algn="l" defTabSz="914400" rtl="0" eaLnBrk="1" latinLnBrk="0" hangingPunct="1">
-              <a:defRPr sz="1800" kern="1200">
-                <a:solidFill>
-                  <a:schemeClr val="tx1"/>
-                </a:solidFill>
-                <a:latin typeface="+mn-lt"/>
-                <a:ea typeface="+mn-ea"/>
-                <a:cs typeface="+mn-cs"/>
-              </a:defRPr>
-            </a:lvl9pPr>
-          </a:lstStyle>
-          <a:p>
-            <a:r>
-              <a:rPr lang="en-US" sz="1600">
-                <a:solidFill>
-                  <a:srgbClr val="028009"/>
-                </a:solidFill>
-                <a:latin typeface="Courier New"/>
-                <a:cs typeface="Courier New"/>
-              </a:rPr>
-              <a:t>% test cases</a:t>
-            </a:r>
-            <a:endParaRPr lang="en-US" sz="1600" dirty="0">
-              <a:solidFill>
-                <a:srgbClr val="028009"/>
-              </a:solidFill>
-              <a:latin typeface="Courier New"/>
-              <a:cs typeface="Courier New"/>
-            </a:endParaRPr>
-          </a:p>
-          <a:p>
-            <a:endParaRPr lang="en-US" sz="1600" dirty="0">
-              <a:solidFill>
-                <a:srgbClr val="028009"/>
-              </a:solidFill>
-              <a:latin typeface="Courier New"/>
-              <a:cs typeface="Courier New"/>
-            </a:endParaRPr>
-          </a:p>
-          <a:p>
-            <a:r>
-              <a:rPr lang="en-US" sz="1600">
-                <a:solidFill>
-                  <a:srgbClr val="028009"/>
-                </a:solidFill>
-                <a:latin typeface="Courier New"/>
-                <a:cs typeface="Courier New"/>
-              </a:rPr>
-              <a:t>assert(sum(0) == 0)</a:t>
-            </a:r>
-          </a:p>
-          <a:p>
-            <a:endParaRPr lang="en-US" sz="1600" dirty="0">
-              <a:solidFill>
-                <a:srgbClr val="028009"/>
-              </a:solidFill>
-              <a:latin typeface="Courier New"/>
-              <a:cs typeface="Courier New"/>
-            </a:endParaRPr>
-          </a:p>
-          <a:p>
-            <a:endParaRPr lang="en-US" sz="1600" dirty="0">
-              <a:solidFill>
-                <a:srgbClr val="028009"/>
-              </a:solidFill>
-              <a:latin typeface="Courier New"/>
-              <a:cs typeface="Courier New"/>
-            </a:endParaRPr>
-          </a:p>
-          <a:p>
-            <a:endParaRPr lang="en-US" sz="1600" dirty="0">
-              <a:solidFill>
-                <a:srgbClr val="028009"/>
-              </a:solidFill>
-              <a:latin typeface="Courier New"/>
-              <a:cs typeface="Courier New"/>
-            </a:endParaRPr>
-          </a:p>
-          <a:p>
-            <a:endParaRPr lang="en-US" sz="1600" dirty="0">
-              <a:solidFill>
-                <a:srgbClr val="028009"/>
-              </a:solidFill>
-              <a:latin typeface="Courier New"/>
-              <a:cs typeface="Courier New"/>
-            </a:endParaRPr>
-          </a:p>
-          <a:p>
-            <a:endParaRPr lang="en-US" sz="1600" dirty="0">
-              <a:solidFill>
-                <a:srgbClr val="028009"/>
-              </a:solidFill>
-              <a:latin typeface="Courier New"/>
-              <a:cs typeface="Courier New"/>
-            </a:endParaRPr>
-          </a:p>
-          <a:p>
-            <a:endParaRPr lang="en-US" sz="1600" dirty="0">
-              <a:solidFill>
-                <a:srgbClr val="028009"/>
-              </a:solidFill>
-              <a:latin typeface="Courier New"/>
-              <a:cs typeface="Courier New"/>
-            </a:endParaRPr>
-          </a:p>
-          <a:p>
-            <a:endParaRPr lang="en-US" sz="1600" dirty="0">
-              <a:solidFill>
-                <a:srgbClr val="028009"/>
-              </a:solidFill>
-              <a:latin typeface="Courier New"/>
-              <a:cs typeface="Courier New"/>
-            </a:endParaRPr>
-          </a:p>
-          <a:p>
-            <a:endParaRPr lang="en-US" sz="1600" dirty="0">
-              <a:solidFill>
-                <a:srgbClr val="028009"/>
-              </a:solidFill>
-              <a:latin typeface="Courier New"/>
-              <a:cs typeface="Courier New"/>
-            </a:endParaRPr>
-          </a:p>
-          <a:p>
-            <a:endParaRPr lang="en-US" sz="1600" dirty="0">
-              <a:solidFill>
-                <a:srgbClr val="028009"/>
-              </a:solidFill>
-              <a:latin typeface="Courier New"/>
-              <a:cs typeface="Courier New"/>
-            </a:endParaRPr>
-          </a:p>
-        </p:txBody>
-      </p:sp>
-      <p:sp>
-        <p:nvSpPr>
-          <p:cNvPr id="6" name="Rectangle 5">
-            <a:extLst>
-              <a:ext uri="{FF2B5EF4-FFF2-40B4-BE49-F238E27FC236}">
-                <a16:creationId xmlns:a16="http://schemas.microsoft.com/office/drawing/2014/main" id="{4A4F257F-B2B8-4812-9183-DDC0FC2C8713}"/>
-              </a:ext>
-            </a:extLst>
-          </p:cNvPr>
-          <p:cNvSpPr/>
-          <p:nvPr/>
-        </p:nvSpPr>
-        <p:spPr>
-          <a:xfrm>
-            <a:off x="4771280" y="2105178"/>
-            <a:ext cx="3715586" cy="3108543"/>
-          </a:xfrm>
-          <a:prstGeom prst="rect">
-            <a:avLst/>
-          </a:prstGeom>
-          <a:solidFill>
-            <a:schemeClr val="accent4">
-              <a:lumMod val="20000"/>
-              <a:lumOff val="80000"/>
-            </a:schemeClr>
-          </a:solidFill>
-        </p:spPr>
-        <p:txBody>
-          <a:bodyPr wrap="square" lIns="91440" tIns="45720" rIns="91440" bIns="45720" anchor="t">
-            <a:spAutoFit/>
-          </a:bodyPr>
-          <a:lstStyle>
-            <a:defPPr>
-              <a:defRPr lang="en-US"/>
-            </a:defPPr>
-            <a:lvl1pPr marL="0" algn="l" defTabSz="914400" rtl="0" eaLnBrk="1" latinLnBrk="0" hangingPunct="1">
-              <a:defRPr sz="1800" kern="1200">
-                <a:solidFill>
-                  <a:schemeClr val="tx1"/>
-                </a:solidFill>
-                <a:latin typeface="+mn-lt"/>
-                <a:ea typeface="+mn-ea"/>
-                <a:cs typeface="+mn-cs"/>
-              </a:defRPr>
-            </a:lvl1pPr>
-            <a:lvl2pPr marL="457200" algn="l" defTabSz="914400" rtl="0" eaLnBrk="1" latinLnBrk="0" hangingPunct="1">
-              <a:defRPr sz="1800" kern="1200">
-                <a:solidFill>
-                  <a:schemeClr val="tx1"/>
-                </a:solidFill>
-                <a:latin typeface="+mn-lt"/>
-                <a:ea typeface="+mn-ea"/>
-                <a:cs typeface="+mn-cs"/>
-              </a:defRPr>
-            </a:lvl2pPr>
-            <a:lvl3pPr marL="914400" algn="l" defTabSz="914400" rtl="0" eaLnBrk="1" latinLnBrk="0" hangingPunct="1">
-              <a:defRPr sz="1800" kern="1200">
-                <a:solidFill>
-                  <a:schemeClr val="tx1"/>
-                </a:solidFill>
-                <a:latin typeface="+mn-lt"/>
-                <a:ea typeface="+mn-ea"/>
-                <a:cs typeface="+mn-cs"/>
-              </a:defRPr>
-            </a:lvl3pPr>
-            <a:lvl4pPr marL="1371600" algn="l" defTabSz="914400" rtl="0" eaLnBrk="1" latinLnBrk="0" hangingPunct="1">
-              <a:defRPr sz="1800" kern="1200">
-                <a:solidFill>
-                  <a:schemeClr val="tx1"/>
-                </a:solidFill>
-                <a:latin typeface="+mn-lt"/>
-                <a:ea typeface="+mn-ea"/>
-                <a:cs typeface="+mn-cs"/>
-              </a:defRPr>
-            </a:lvl4pPr>
-            <a:lvl5pPr marL="1828800" algn="l" defTabSz="914400" rtl="0" eaLnBrk="1" latinLnBrk="0" hangingPunct="1">
-              <a:defRPr sz="1800" kern="1200">
-                <a:solidFill>
-                  <a:schemeClr val="tx1"/>
-                </a:solidFill>
-                <a:latin typeface="+mn-lt"/>
-                <a:ea typeface="+mn-ea"/>
-                <a:cs typeface="+mn-cs"/>
-              </a:defRPr>
-            </a:lvl5pPr>
-            <a:lvl6pPr marL="2286000" algn="l" defTabSz="914400" rtl="0" eaLnBrk="1" latinLnBrk="0" hangingPunct="1">
-              <a:defRPr sz="1800" kern="1200">
-                <a:solidFill>
-                  <a:schemeClr val="tx1"/>
-                </a:solidFill>
-                <a:latin typeface="+mn-lt"/>
-                <a:ea typeface="+mn-ea"/>
-                <a:cs typeface="+mn-cs"/>
-              </a:defRPr>
-            </a:lvl6pPr>
-            <a:lvl7pPr marL="2743200" algn="l" defTabSz="914400" rtl="0" eaLnBrk="1" latinLnBrk="0" hangingPunct="1">
-              <a:defRPr sz="1800" kern="1200">
-                <a:solidFill>
-                  <a:schemeClr val="tx1"/>
-                </a:solidFill>
-                <a:latin typeface="+mn-lt"/>
-                <a:ea typeface="+mn-ea"/>
-                <a:cs typeface="+mn-cs"/>
-              </a:defRPr>
-            </a:lvl7pPr>
-            <a:lvl8pPr marL="3200400" algn="l" defTabSz="914400" rtl="0" eaLnBrk="1" latinLnBrk="0" hangingPunct="1">
-              <a:defRPr sz="1800" kern="1200">
-                <a:solidFill>
-                  <a:schemeClr val="tx1"/>
-                </a:solidFill>
-                <a:latin typeface="+mn-lt"/>
-                <a:ea typeface="+mn-ea"/>
-                <a:cs typeface="+mn-cs"/>
-              </a:defRPr>
-            </a:lvl8pPr>
-            <a:lvl9pPr marL="3657600" algn="l" defTabSz="914400" rtl="0" eaLnBrk="1" latinLnBrk="0" hangingPunct="1">
-              <a:defRPr sz="1800" kern="1200">
-                <a:solidFill>
-                  <a:schemeClr val="tx1"/>
-                </a:solidFill>
-                <a:latin typeface="+mn-lt"/>
-                <a:ea typeface="+mn-ea"/>
-                <a:cs typeface="+mn-cs"/>
-              </a:defRPr>
-            </a:lvl9pPr>
-          </a:lstStyle>
-          <a:p>
-            <a:r>
-              <a:rPr lang="en-US" sz="1600">
-                <a:solidFill>
-                  <a:srgbClr val="028009"/>
-                </a:solidFill>
-                <a:latin typeface="Courier New"/>
-                <a:cs typeface="Courier New"/>
-              </a:rPr>
-              <a:t>% a function sums inputs</a:t>
-            </a:r>
-            <a:endParaRPr lang="en-US" sz="1600" dirty="0">
-              <a:solidFill>
-                <a:srgbClr val="028009"/>
-              </a:solidFill>
-              <a:latin typeface="Courier New"/>
-              <a:cs typeface="Courier New"/>
-            </a:endParaRPr>
-          </a:p>
-          <a:p>
-            <a:endParaRPr lang="en-US" sz="1600" dirty="0">
-              <a:solidFill>
-                <a:srgbClr val="028009"/>
-              </a:solidFill>
-              <a:latin typeface="Courier New"/>
-              <a:cs typeface="Courier New"/>
-            </a:endParaRPr>
-          </a:p>
-          <a:p>
-            <a:r>
-              <a:rPr lang="en-US" sz="1600">
-                <a:solidFill>
-                  <a:srgbClr val="028009"/>
-                </a:solidFill>
-                <a:latin typeface="Courier New"/>
-                <a:cs typeface="Courier New"/>
-              </a:rPr>
-              <a:t>def sum(a):</a:t>
-            </a:r>
-            <a:endParaRPr lang="en-US">
-              <a:solidFill>
-                <a:srgbClr val="000000"/>
-              </a:solidFill>
-              <a:latin typeface="Calibri" panose="020F0502020204030204"/>
-              <a:cs typeface="Calibri" panose="020F0502020204030204"/>
-            </a:endParaRPr>
-          </a:p>
-          <a:p>
-            <a:r>
-              <a:rPr lang="en-US" sz="1600">
-                <a:solidFill>
-                  <a:srgbClr val="028009"/>
-                </a:solidFill>
-                <a:latin typeface="Courier New"/>
-                <a:cs typeface="Courier New"/>
-              </a:rPr>
-              <a:t>    return a</a:t>
-            </a:r>
-            <a:endParaRPr lang="en-US">
-              <a:cs typeface="Calibri"/>
-            </a:endParaRPr>
-          </a:p>
-          <a:p>
-            <a:endParaRPr lang="en-US" sz="1600" dirty="0">
-              <a:solidFill>
-                <a:srgbClr val="028009"/>
-              </a:solidFill>
-              <a:latin typeface="Courier New"/>
-              <a:cs typeface="Courier New"/>
-            </a:endParaRPr>
-          </a:p>
-          <a:p>
-            <a:endParaRPr lang="en-US" sz="1600" dirty="0">
-              <a:solidFill>
-                <a:srgbClr val="028009"/>
-              </a:solidFill>
-              <a:latin typeface="Courier New"/>
-              <a:ea typeface="+mn-lt"/>
-              <a:cs typeface="Courier New"/>
-            </a:endParaRPr>
-          </a:p>
-          <a:p>
-            <a:r>
-              <a:rPr lang="en-US" sz="1600" dirty="0">
-                <a:solidFill>
-                  <a:srgbClr val="028009"/>
-                </a:solidFill>
-                <a:latin typeface="Courier New"/>
-                <a:cs typeface="Courier New"/>
-              </a:rPr>
-              <a:t>    </a:t>
-            </a:r>
-            <a:endParaRPr lang="en-US"/>
-          </a:p>
-          <a:p>
-            <a:endParaRPr lang="en-US" sz="1600" dirty="0">
-              <a:solidFill>
-                <a:srgbClr val="028009"/>
-              </a:solidFill>
-              <a:latin typeface="Courier New"/>
-              <a:cs typeface="Courier New"/>
-            </a:endParaRPr>
-          </a:p>
-          <a:p>
-            <a:endParaRPr lang="en-US">
-              <a:solidFill>
-                <a:srgbClr val="000000"/>
-              </a:solidFill>
-              <a:latin typeface="Calibri" panose="020F0502020204030204"/>
-              <a:cs typeface="Calibri" panose="020F0502020204030204"/>
-            </a:endParaRPr>
-          </a:p>
-          <a:p>
-            <a:endParaRPr lang="en-US" dirty="0">
-              <a:solidFill>
-                <a:srgbClr val="000000"/>
-              </a:solidFill>
-              <a:latin typeface="Calibri"/>
-              <a:cs typeface="Calibri"/>
-            </a:endParaRPr>
-          </a:p>
-          <a:p>
-            <a:r>
-              <a:rPr lang="en-US" sz="1600" dirty="0">
-                <a:solidFill>
-                  <a:srgbClr val="028009"/>
-                </a:solidFill>
-                <a:latin typeface="Courier New"/>
-                <a:cs typeface="Courier New"/>
-              </a:rPr>
-              <a:t>        </a:t>
-            </a:r>
-          </a:p>
-          <a:p>
-            <a:r>
-              <a:rPr lang="en-US" sz="1600" dirty="0">
-                <a:solidFill>
-                  <a:srgbClr val="028009"/>
-                </a:solidFill>
-                <a:latin typeface="Courier New"/>
-                <a:cs typeface="Courier New"/>
-              </a:rPr>
-              <a:t>   </a:t>
-            </a:r>
-            <a:endParaRPr lang="en-US">
-              <a:cs typeface="Calibri" panose="020F0502020204030204"/>
-            </a:endParaRPr>
-          </a:p>
-        </p:txBody>
-      </p:sp>
-    </p:spTree>
-    <p:extLst>
-      <p:ext uri="{BB962C8B-B14F-4D97-AF65-F5344CB8AC3E}">
-        <p14:creationId xmlns:p14="http://schemas.microsoft.com/office/powerpoint/2010/main" val="2754488808"/>
-      </p:ext>
-    </p:extLst>
-  </p:cSld>
-  <p:clrMapOvr>
-    <a:masterClrMapping/>
-  </p:clrMapOvr>
-</p:sld>
-</file>
-
 <file path=ppt/slides/slide13.xml><?xml version="1.0" encoding="utf-8"?>
 <p:sld xmlns:a="http://schemas.openxmlformats.org/drawingml/2006/main" xmlns:r="http://schemas.openxmlformats.org/officeDocument/2006/relationships" xmlns:p="http://schemas.openxmlformats.org/presentationml/2006/main">
   <p:cSld>
@@ -4377,14 +4918,23 @@
           <a:lstStyle/>
           <a:p>
             <a:r>
-              <a:rPr lang="en-US">
+              <a:rPr lang="en-US" dirty="0">
                 <a:cs typeface="Calibri Light"/>
               </a:rPr>
-              <a:t>This ensure only the functionality to meet the requirement is added.</a:t>
-            </a:r>
-            <a:endParaRPr lang="en-US" dirty="0">
-              <a:cs typeface="Calibri Light"/>
-            </a:endParaRPr>
+              <a:t>This </a:t>
+            </a:r>
+            <a:r>
+              <a:rPr lang="en-US" dirty="0" smtClean="0">
+                <a:cs typeface="Calibri Light"/>
+              </a:rPr>
+              <a:t>ensures </a:t>
+            </a:r>
+            <a:r>
+              <a:rPr lang="en-US" dirty="0">
+                <a:cs typeface="Calibri Light"/>
+              </a:rPr>
+              <a:t>only the functionality to meet the requirement is added.</a:t>
+            </a:r>
           </a:p>
         </p:txBody>
       </p:sp>
@@ -4573,22 +5123,12 @@
             </a:endParaRPr>
           </a:p>
           <a:p>
-            <a:r>
-              <a:rPr lang="en-US" sz="1600">
-                <a:solidFill>
-                  <a:srgbClr val="028009"/>
-                </a:solidFill>
-                <a:latin typeface="Courier New"/>
-                <a:cs typeface="Courier New"/>
-              </a:rPr>
-              <a:t>assert(sum(0,1) == 1)</a:t>
-            </a:r>
-            <a:endParaRPr lang="en-US">
+            <a:endParaRPr lang="en-US" sz="1600" dirty="0">
               <a:solidFill>
-                <a:srgbClr val="000000"/>
+                <a:srgbClr val="028009"/>
               </a:solidFill>
-              <a:latin typeface="Calibri" panose="020F0502020204030204"/>
-              <a:cs typeface="Calibri" panose="020F0502020204030204"/>
+              <a:latin typeface="Courier New"/>
+              <a:cs typeface="Courier New"/>
             </a:endParaRPr>
           </a:p>
           <a:p>
@@ -4662,7 +5202,7 @@
         <p:spPr>
           <a:xfrm>
             <a:off x="4771280" y="2105178"/>
-            <a:ext cx="3715586" cy="3046988"/>
+            <a:ext cx="3715586" cy="3108543"/>
           </a:xfrm>
           <a:prstGeom prst="rect">
             <a:avLst/>
@@ -4803,7 +5343,7 @@
           </a:p>
           <a:p>
             <a:r>
-              <a:rPr lang="en-US" sz="1600" strike="sngStrike">
+              <a:rPr lang="en-US" sz="1600">
                 <a:solidFill>
                   <a:srgbClr val="028009"/>
                 </a:solidFill>
@@ -4812,7 +5352,7 @@
               </a:rPr>
               <a:t>def sum(a):</a:t>
             </a:r>
-            <a:endParaRPr lang="en-US" strike="sngStrike">
+            <a:endParaRPr lang="en-US">
               <a:solidFill>
                 <a:srgbClr val="000000"/>
               </a:solidFill>
@@ -4822,7 +5362,7 @@
           </a:p>
           <a:p>
             <a:r>
-              <a:rPr lang="en-US" sz="1600" strike="sngStrike">
+              <a:rPr lang="en-US" sz="1600">
                 <a:solidFill>
                   <a:srgbClr val="028009"/>
                 </a:solidFill>
@@ -4831,7 +5371,7 @@
               </a:rPr>
               <a:t>    return a</a:t>
             </a:r>
-            <a:endParaRPr lang="en-US" strike="sngStrike">
+            <a:endParaRPr lang="en-US">
               <a:cs typeface="Calibri"/>
             </a:endParaRPr>
           </a:p>
@@ -4845,31 +5385,25 @@
             </a:endParaRPr>
           </a:p>
           <a:p>
-            <a:r>
-              <a:rPr lang="en-US" sz="1600">
+            <a:endParaRPr lang="en-US" sz="1600" dirty="0">
+              <a:solidFill>
+                <a:srgbClr val="028009"/>
+              </a:solidFill>
+              <a:latin typeface="Courier New"/>
+              <a:ea typeface="+mn-lt"/>
+              <a:cs typeface="Courier New"/>
+            </a:endParaRPr>
+          </a:p>
+          <a:p>
+            <a:r>
+              <a:rPr lang="en-US" sz="1600" dirty="0">
                 <a:solidFill>
                   <a:srgbClr val="028009"/>
                 </a:solidFill>
                 <a:latin typeface="Courier New"/>
                 <a:cs typeface="Courier New"/>
               </a:rPr>
-              <a:t>def sum(a,b):</a:t>
-            </a:r>
-            <a:endParaRPr lang="en-US" sz="1600">
-              <a:ea typeface="+mn-lt"/>
-              <a:cs typeface="+mn-lt"/>
-            </a:endParaRPr>
-          </a:p>
-          <a:p>
-            <a:r>
-              <a:rPr lang="en-US" sz="1600">
-                <a:solidFill>
-                  <a:srgbClr val="028009"/>
-                </a:solidFill>
-                <a:latin typeface="Courier New"/>
-                <a:cs typeface="Courier New"/>
-              </a:rPr>
-              <a:t>    return a + b</a:t>
+              <a:t>    </a:t>
             </a:r>
             <a:endParaRPr lang="en-US"/>
           </a:p>
@@ -4883,39 +5417,48 @@
             </a:endParaRPr>
           </a:p>
           <a:p>
-            <a:endParaRPr lang="en-US" sz="1600" dirty="0">
+            <a:endParaRPr lang="en-US">
               <a:solidFill>
-                <a:srgbClr val="028009"/>
+                <a:srgbClr val="000000"/>
               </a:solidFill>
-              <a:latin typeface="Courier New"/>
-              <a:cs typeface="Courier New"/>
-            </a:endParaRPr>
-          </a:p>
-          <a:p>
-            <a:endParaRPr lang="en-US" sz="1600" dirty="0">
+              <a:latin typeface="Calibri" panose="020F0502020204030204"/>
+              <a:cs typeface="Calibri" panose="020F0502020204030204"/>
+            </a:endParaRPr>
+          </a:p>
+          <a:p>
+            <a:endParaRPr lang="en-US" dirty="0">
               <a:solidFill>
-                <a:srgbClr val="028009"/>
+                <a:srgbClr val="000000"/>
               </a:solidFill>
-              <a:latin typeface="Courier New"/>
-              <a:cs typeface="Courier New"/>
-            </a:endParaRPr>
-          </a:p>
-          <a:p>
-            <a:endParaRPr lang="en-US" sz="1600" dirty="0">
-              <a:solidFill>
-                <a:srgbClr val="028009"/>
-              </a:solidFill>
-              <a:latin typeface="Courier New"/>
-              <a:cs typeface="Courier New"/>
-            </a:endParaRPr>
-          </a:p>
-          <a:p>
-            <a:endParaRPr lang="en-US" sz="1600" dirty="0">
-              <a:solidFill>
-                <a:srgbClr val="028009"/>
-              </a:solidFill>
-              <a:latin typeface="Courier New"/>
-              <a:cs typeface="Courier New"/>
+              <a:latin typeface="Calibri"/>
+              <a:cs typeface="Calibri"/>
+            </a:endParaRPr>
+          </a:p>
+          <a:p>
+            <a:r>
+              <a:rPr lang="en-US" sz="1600" dirty="0">
+                <a:solidFill>
+                  <a:srgbClr val="028009"/>
+                </a:solidFill>
+                <a:latin typeface="Courier New"/>
+                <a:cs typeface="Courier New"/>
+              </a:rPr>
+              <a:t>        </a:t>
+            </a:r>
+          </a:p>
+          <a:p>
+            <a:r>
+              <a:rPr lang="en-US" sz="1600" dirty="0">
+                <a:solidFill>
+                  <a:srgbClr val="028009"/>
+                </a:solidFill>
+                <a:latin typeface="Courier New"/>
+                <a:cs typeface="Courier New"/>
+              </a:rPr>
+              <a:t>   </a:t>
+            </a:r>
+            <a:endParaRPr lang="en-US">
+              <a:cs typeface="Calibri" panose="020F0502020204030204"/>
             </a:endParaRPr>
           </a:p>
         </p:txBody>
@@ -4923,7 +5466,7 @@
     </p:spTree>
     <p:extLst>
       <p:ext uri="{BB962C8B-B14F-4D97-AF65-F5344CB8AC3E}">
-        <p14:creationId xmlns:p14="http://schemas.microsoft.com/office/powerpoint/2010/main" val="352606728"/>
+        <p14:creationId xmlns:p14="http://schemas.microsoft.com/office/powerpoint/2010/main" val="2754488808"/>
       </p:ext>
     </p:extLst>
   </p:cSld>
@@ -4979,14 +5522,23 @@
           <a:lstStyle/>
           <a:p>
             <a:r>
-              <a:rPr lang="en-US">
+              <a:rPr lang="en-US" dirty="0">
                 <a:cs typeface="Calibri Light"/>
               </a:rPr>
-              <a:t>This ensure only the functionality to meet the requirement is added.</a:t>
-            </a:r>
-            <a:endParaRPr lang="en-US" dirty="0">
-              <a:cs typeface="Calibri Light"/>
-            </a:endParaRPr>
+              <a:t>This </a:t>
+            </a:r>
+            <a:r>
+              <a:rPr lang="en-US" dirty="0" smtClean="0">
+                <a:cs typeface="Calibri Light"/>
+              </a:rPr>
+              <a:t>ensures </a:t>
+            </a:r>
+            <a:r>
+              <a:rPr lang="en-US" dirty="0">
+                <a:cs typeface="Calibri Light"/>
+              </a:rPr>
+              <a:t>only the functionality to meet the requirement is added.</a:t>
+            </a:r>
           </a:p>
         </p:txBody>
       </p:sp>
@@ -5212,16 +5764,13 @@
             </a:endParaRPr>
           </a:p>
           <a:p>
-            <a:r>
-              <a:rPr lang="en-US" sz="1600">
-                <a:solidFill>
-                  <a:srgbClr val="028009"/>
-                </a:solidFill>
-                <a:latin typeface="Courier New"/>
-                <a:cs typeface="Courier New"/>
-              </a:rPr>
-              <a:t>assert(sum(0,1,2)) = 3</a:t>
-            </a:r>
+            <a:endParaRPr lang="en-US" sz="1600" dirty="0">
+              <a:solidFill>
+                <a:srgbClr val="028009"/>
+              </a:solidFill>
+              <a:latin typeface="Courier New"/>
+              <a:cs typeface="Courier New"/>
+            </a:endParaRPr>
           </a:p>
           <a:p>
             <a:endParaRPr lang="en-US" sz="1600" dirty="0">
@@ -5441,44 +5990,6 @@
             </a:endParaRPr>
           </a:p>
           <a:p>
-            <a:endParaRPr lang="en-US" sz="1600" strike="sngStrike" dirty="0">
-              <a:solidFill>
-                <a:srgbClr val="028009"/>
-              </a:solidFill>
-              <a:latin typeface="Courier New"/>
-              <a:cs typeface="Courier New"/>
-            </a:endParaRPr>
-          </a:p>
-          <a:p>
-            <a:r>
-              <a:rPr lang="en-US" sz="1600" strike="sngStrike">
-                <a:solidFill>
-                  <a:srgbClr val="028009"/>
-                </a:solidFill>
-                <a:latin typeface="Courier New"/>
-                <a:cs typeface="Courier New"/>
-              </a:rPr>
-              <a:t>def sum(a,b):</a:t>
-            </a:r>
-            <a:endParaRPr lang="en-US" sz="1600" strike="sngStrike">
-              <a:ea typeface="+mn-lt"/>
-              <a:cs typeface="+mn-lt"/>
-            </a:endParaRPr>
-          </a:p>
-          <a:p>
-            <a:r>
-              <a:rPr lang="en-US" sz="1600" strike="sngStrike">
-                <a:solidFill>
-                  <a:srgbClr val="028009"/>
-                </a:solidFill>
-                <a:latin typeface="Courier New"/>
-                <a:cs typeface="Courier New"/>
-              </a:rPr>
-              <a:t>    return a + b</a:t>
-            </a:r>
-            <a:endParaRPr lang="en-US" strike="sngStrike"/>
-          </a:p>
-          <a:p>
             <a:endParaRPr lang="en-US" sz="1600" dirty="0">
               <a:solidFill>
                 <a:srgbClr val="028009"/>
@@ -5496,8 +6007,12 @@
                 <a:latin typeface="Courier New"/>
                 <a:cs typeface="Courier New"/>
               </a:rPr>
-              <a:t>def sum(*args):</a:t>
-            </a:r>
+              <a:t>def sum(a,b):</a:t>
+            </a:r>
+            <a:endParaRPr lang="en-US" sz="1600">
+              <a:ea typeface="+mn-lt"/>
+              <a:cs typeface="+mn-lt"/>
+            </a:endParaRPr>
           </a:p>
           <a:p>
             <a:r>
@@ -5508,58 +6023,61 @@
                 <a:latin typeface="Courier New"/>
                 <a:cs typeface="Courier New"/>
               </a:rPr>
-              <a:t>   for item in args:</a:t>
-            </a:r>
-            <a:endParaRPr lang="en-US">
+              <a:t>    return a + b</a:t>
+            </a:r>
+            <a:endParaRPr lang="en-US"/>
+          </a:p>
+          <a:p>
+            <a:endParaRPr lang="en-US" sz="1600" dirty="0">
               <a:solidFill>
-                <a:srgbClr val="000000"/>
+                <a:srgbClr val="028009"/>
               </a:solidFill>
-              <a:latin typeface="Calibri" panose="020F0502020204030204"/>
-              <a:cs typeface="Calibri" panose="020F0502020204030204"/>
-            </a:endParaRPr>
-          </a:p>
-          <a:p>
-            <a:r>
-              <a:rPr lang="en-US" sz="1600" dirty="0">
-                <a:solidFill>
-                  <a:srgbClr val="028009"/>
-                </a:solidFill>
-                <a:latin typeface="Courier New"/>
-                <a:cs typeface="Courier New"/>
-              </a:rPr>
-              <a:t>        ans = </a:t>
-            </a:r>
-            <a:r>
-              <a:rPr lang="en-US" sz="1600">
-                <a:solidFill>
-                  <a:srgbClr val="028009"/>
-                </a:solidFill>
-                <a:latin typeface="Courier New"/>
-                <a:cs typeface="Courier New"/>
-              </a:rPr>
-              <a:t>ans + item</a:t>
-            </a:r>
-            <a:endParaRPr lang="en-US"/>
-          </a:p>
-          <a:p>
-            <a:r>
-              <a:rPr lang="en-US" sz="1600">
-                <a:solidFill>
-                  <a:srgbClr val="028009"/>
-                </a:solidFill>
-                <a:latin typeface="Courier New"/>
-                <a:cs typeface="Courier New"/>
-              </a:rPr>
-              <a:t>    return ans</a:t>
-            </a:r>
-            <a:endParaRPr lang="en-US"/>
+              <a:latin typeface="Courier New"/>
+              <a:cs typeface="Courier New"/>
+            </a:endParaRPr>
+          </a:p>
+          <a:p>
+            <a:endParaRPr lang="en-US" sz="1600" dirty="0">
+              <a:solidFill>
+                <a:srgbClr val="028009"/>
+              </a:solidFill>
+              <a:latin typeface="Courier New"/>
+              <a:cs typeface="Courier New"/>
+            </a:endParaRPr>
+          </a:p>
+          <a:p>
+            <a:endParaRPr lang="en-US" sz="1600" dirty="0">
+              <a:solidFill>
+                <a:srgbClr val="028009"/>
+              </a:solidFill>
+              <a:latin typeface="Courier New"/>
+              <a:cs typeface="Courier New"/>
+            </a:endParaRPr>
+          </a:p>
+          <a:p>
+            <a:endParaRPr lang="en-US" sz="1600" dirty="0">
+              <a:solidFill>
+                <a:srgbClr val="028009"/>
+              </a:solidFill>
+              <a:latin typeface="Courier New"/>
+              <a:cs typeface="Courier New"/>
+            </a:endParaRPr>
+          </a:p>
+          <a:p>
+            <a:endParaRPr lang="en-US" sz="1600" dirty="0">
+              <a:solidFill>
+                <a:srgbClr val="028009"/>
+              </a:solidFill>
+              <a:latin typeface="Courier New"/>
+              <a:cs typeface="Courier New"/>
+            </a:endParaRPr>
           </a:p>
         </p:txBody>
       </p:sp>
     </p:spTree>
     <p:extLst>
       <p:ext uri="{BB962C8B-B14F-4D97-AF65-F5344CB8AC3E}">
-        <p14:creationId xmlns:p14="http://schemas.microsoft.com/office/powerpoint/2010/main" val="4074988792"/>
+        <p14:creationId xmlns:p14="http://schemas.microsoft.com/office/powerpoint/2010/main" val="352606728"/>
       </p:ext>
     </p:extLst>
   </p:cSld>
@@ -5610,7 +6128,7 @@
         </p:spPr>
         <p:txBody>
           <a:bodyPr>
-            <a:normAutofit fontScale="90000"/>
+            <a:normAutofit/>
           </a:bodyPr>
           <a:lstStyle/>
           <a:p>
@@ -5618,24 +6136,785 @@
               <a:rPr lang="en-US" dirty="0">
                 <a:cs typeface="Calibri Light"/>
               </a:rPr>
-              <a:t>This can be a time-consuming way to develop, but it helps ensure that every part of a function has </a:t>
-            </a:r>
-            <a:r>
-              <a:rPr lang="en-US">
+              <a:t>This </a:t>
+            </a:r>
+            <a:r>
+              <a:rPr lang="en-US" dirty="0" smtClean="0">
                 <a:cs typeface="Calibri Light"/>
               </a:rPr>
-              <a:t>test coverage and serves some use case.</a:t>
+              <a:t>ensures </a:t>
+            </a:r>
+            <a:r>
+              <a:rPr lang="en-US" dirty="0">
+                <a:cs typeface="Calibri Light"/>
+              </a:rPr>
+              <a:t>only the functionality to meet the requirement is added.</a:t>
+            </a:r>
+          </a:p>
+        </p:txBody>
+      </p:sp>
+      <p:sp>
+        <p:nvSpPr>
+          <p:cNvPr id="4" name="Rectangle 3">
+            <a:extLst>
+              <a:ext uri="{FF2B5EF4-FFF2-40B4-BE49-F238E27FC236}">
+                <a16:creationId xmlns:a16="http://schemas.microsoft.com/office/drawing/2014/main" id="{0259DDC2-7A72-4E1D-8B27-40FE6A613D24}"/>
+              </a:ext>
+            </a:extLst>
+          </p:cNvPr>
+          <p:cNvSpPr/>
+          <p:nvPr/>
+        </p:nvSpPr>
+        <p:spPr>
+          <a:xfrm>
+            <a:off x="961282" y="2105179"/>
+            <a:ext cx="3297715" cy="3046988"/>
+          </a:xfrm>
+          <a:prstGeom prst="rect">
+            <a:avLst/>
+          </a:prstGeom>
+          <a:solidFill>
+            <a:schemeClr val="accent4">
+              <a:lumMod val="20000"/>
+              <a:lumOff val="80000"/>
+            </a:schemeClr>
+          </a:solidFill>
+        </p:spPr>
+        <p:txBody>
+          <a:bodyPr wrap="square" lIns="91440" tIns="45720" rIns="91440" bIns="45720" anchor="t">
+            <a:spAutoFit/>
+          </a:bodyPr>
+          <a:lstStyle>
+            <a:defPPr>
+              <a:defRPr lang="en-US"/>
+            </a:defPPr>
+            <a:lvl1pPr marL="0" algn="l" defTabSz="914400" rtl="0" eaLnBrk="1" latinLnBrk="0" hangingPunct="1">
+              <a:defRPr sz="1800" kern="1200">
+                <a:solidFill>
+                  <a:schemeClr val="tx1"/>
+                </a:solidFill>
+                <a:latin typeface="+mn-lt"/>
+                <a:ea typeface="+mn-ea"/>
+                <a:cs typeface="+mn-cs"/>
+              </a:defRPr>
+            </a:lvl1pPr>
+            <a:lvl2pPr marL="457200" algn="l" defTabSz="914400" rtl="0" eaLnBrk="1" latinLnBrk="0" hangingPunct="1">
+              <a:defRPr sz="1800" kern="1200">
+                <a:solidFill>
+                  <a:schemeClr val="tx1"/>
+                </a:solidFill>
+                <a:latin typeface="+mn-lt"/>
+                <a:ea typeface="+mn-ea"/>
+                <a:cs typeface="+mn-cs"/>
+              </a:defRPr>
+            </a:lvl2pPr>
+            <a:lvl3pPr marL="914400" algn="l" defTabSz="914400" rtl="0" eaLnBrk="1" latinLnBrk="0" hangingPunct="1">
+              <a:defRPr sz="1800" kern="1200">
+                <a:solidFill>
+                  <a:schemeClr val="tx1"/>
+                </a:solidFill>
+                <a:latin typeface="+mn-lt"/>
+                <a:ea typeface="+mn-ea"/>
+                <a:cs typeface="+mn-cs"/>
+              </a:defRPr>
+            </a:lvl3pPr>
+            <a:lvl4pPr marL="1371600" algn="l" defTabSz="914400" rtl="0" eaLnBrk="1" latinLnBrk="0" hangingPunct="1">
+              <a:defRPr sz="1800" kern="1200">
+                <a:solidFill>
+                  <a:schemeClr val="tx1"/>
+                </a:solidFill>
+                <a:latin typeface="+mn-lt"/>
+                <a:ea typeface="+mn-ea"/>
+                <a:cs typeface="+mn-cs"/>
+              </a:defRPr>
+            </a:lvl4pPr>
+            <a:lvl5pPr marL="1828800" algn="l" defTabSz="914400" rtl="0" eaLnBrk="1" latinLnBrk="0" hangingPunct="1">
+              <a:defRPr sz="1800" kern="1200">
+                <a:solidFill>
+                  <a:schemeClr val="tx1"/>
+                </a:solidFill>
+                <a:latin typeface="+mn-lt"/>
+                <a:ea typeface="+mn-ea"/>
+                <a:cs typeface="+mn-cs"/>
+              </a:defRPr>
+            </a:lvl5pPr>
+            <a:lvl6pPr marL="2286000" algn="l" defTabSz="914400" rtl="0" eaLnBrk="1" latinLnBrk="0" hangingPunct="1">
+              <a:defRPr sz="1800" kern="1200">
+                <a:solidFill>
+                  <a:schemeClr val="tx1"/>
+                </a:solidFill>
+                <a:latin typeface="+mn-lt"/>
+                <a:ea typeface="+mn-ea"/>
+                <a:cs typeface="+mn-cs"/>
+              </a:defRPr>
+            </a:lvl6pPr>
+            <a:lvl7pPr marL="2743200" algn="l" defTabSz="914400" rtl="0" eaLnBrk="1" latinLnBrk="0" hangingPunct="1">
+              <a:defRPr sz="1800" kern="1200">
+                <a:solidFill>
+                  <a:schemeClr val="tx1"/>
+                </a:solidFill>
+                <a:latin typeface="+mn-lt"/>
+                <a:ea typeface="+mn-ea"/>
+                <a:cs typeface="+mn-cs"/>
+              </a:defRPr>
+            </a:lvl7pPr>
+            <a:lvl8pPr marL="3200400" algn="l" defTabSz="914400" rtl="0" eaLnBrk="1" latinLnBrk="0" hangingPunct="1">
+              <a:defRPr sz="1800" kern="1200">
+                <a:solidFill>
+                  <a:schemeClr val="tx1"/>
+                </a:solidFill>
+                <a:latin typeface="+mn-lt"/>
+                <a:ea typeface="+mn-ea"/>
+                <a:cs typeface="+mn-cs"/>
+              </a:defRPr>
+            </a:lvl8pPr>
+            <a:lvl9pPr marL="3657600" algn="l" defTabSz="914400" rtl="0" eaLnBrk="1" latinLnBrk="0" hangingPunct="1">
+              <a:defRPr sz="1800" kern="1200">
+                <a:solidFill>
+                  <a:schemeClr val="tx1"/>
+                </a:solidFill>
+                <a:latin typeface="+mn-lt"/>
+                <a:ea typeface="+mn-ea"/>
+                <a:cs typeface="+mn-cs"/>
+              </a:defRPr>
+            </a:lvl9pPr>
+          </a:lstStyle>
+          <a:p>
+            <a:r>
+              <a:rPr lang="en-US" sz="1600">
+                <a:solidFill>
+                  <a:srgbClr val="028009"/>
+                </a:solidFill>
+                <a:latin typeface="Courier New"/>
+                <a:cs typeface="Courier New"/>
+              </a:rPr>
+              <a:t>% test cases</a:t>
+            </a:r>
+            <a:endParaRPr lang="en-US" sz="1600" dirty="0">
+              <a:solidFill>
+                <a:srgbClr val="028009"/>
+              </a:solidFill>
+              <a:latin typeface="Courier New"/>
+              <a:cs typeface="Courier New"/>
+            </a:endParaRPr>
+          </a:p>
+          <a:p>
+            <a:endParaRPr lang="en-US" sz="1600" dirty="0">
+              <a:solidFill>
+                <a:srgbClr val="028009"/>
+              </a:solidFill>
+              <a:latin typeface="Courier New"/>
+              <a:cs typeface="Courier New"/>
+            </a:endParaRPr>
+          </a:p>
+          <a:p>
+            <a:r>
+              <a:rPr lang="en-US" sz="1600">
+                <a:solidFill>
+                  <a:srgbClr val="028009"/>
+                </a:solidFill>
+                <a:latin typeface="Courier New"/>
+                <a:cs typeface="Courier New"/>
+              </a:rPr>
+              <a:t>assert(sum(0) == 0)</a:t>
+            </a:r>
+          </a:p>
+          <a:p>
+            <a:endParaRPr lang="en-US" sz="1600" dirty="0">
+              <a:solidFill>
+                <a:srgbClr val="028009"/>
+              </a:solidFill>
+              <a:latin typeface="Courier New"/>
+              <a:cs typeface="Courier New"/>
+            </a:endParaRPr>
+          </a:p>
+          <a:p>
+            <a:endParaRPr lang="en-US" sz="1600" dirty="0">
+              <a:solidFill>
+                <a:srgbClr val="028009"/>
+              </a:solidFill>
+              <a:latin typeface="Courier New"/>
+              <a:cs typeface="Courier New"/>
+            </a:endParaRPr>
+          </a:p>
+          <a:p>
+            <a:r>
+              <a:rPr lang="en-US" sz="1600">
+                <a:solidFill>
+                  <a:srgbClr val="028009"/>
+                </a:solidFill>
+                <a:latin typeface="Courier New"/>
+                <a:cs typeface="Courier New"/>
+              </a:rPr>
+              <a:t>assert(sum(0,1) == 1)</a:t>
+            </a:r>
+            <a:endParaRPr lang="en-US">
+              <a:solidFill>
+                <a:srgbClr val="000000"/>
+              </a:solidFill>
+              <a:latin typeface="Calibri" panose="020F0502020204030204"/>
+              <a:cs typeface="Calibri" panose="020F0502020204030204"/>
+            </a:endParaRPr>
+          </a:p>
+          <a:p>
+            <a:endParaRPr lang="en-US" sz="1600" dirty="0">
+              <a:solidFill>
+                <a:srgbClr val="028009"/>
+              </a:solidFill>
+              <a:latin typeface="Courier New"/>
+              <a:cs typeface="Courier New"/>
+            </a:endParaRPr>
+          </a:p>
+          <a:p>
+            <a:endParaRPr lang="en-US" sz="1600" dirty="0">
+              <a:solidFill>
+                <a:srgbClr val="028009"/>
+              </a:solidFill>
+              <a:latin typeface="Courier New"/>
+              <a:cs typeface="Courier New"/>
+            </a:endParaRPr>
+          </a:p>
+          <a:p>
+            <a:r>
+              <a:rPr lang="en-US" sz="1600">
+                <a:solidFill>
+                  <a:srgbClr val="028009"/>
+                </a:solidFill>
+                <a:latin typeface="Courier New"/>
+                <a:cs typeface="Courier New"/>
+              </a:rPr>
+              <a:t>assert(sum(0,1,2)) = 3</a:t>
+            </a:r>
+          </a:p>
+          <a:p>
+            <a:endParaRPr lang="en-US" sz="1600" dirty="0">
+              <a:solidFill>
+                <a:srgbClr val="028009"/>
+              </a:solidFill>
+              <a:latin typeface="Courier New"/>
+              <a:cs typeface="Courier New"/>
+            </a:endParaRPr>
+          </a:p>
+          <a:p>
+            <a:endParaRPr lang="en-US" sz="1600" dirty="0">
+              <a:solidFill>
+                <a:srgbClr val="028009"/>
+              </a:solidFill>
+              <a:latin typeface="Courier New"/>
+              <a:cs typeface="Courier New"/>
+            </a:endParaRPr>
+          </a:p>
+          <a:p>
+            <a:endParaRPr lang="en-US" sz="1600" dirty="0">
+              <a:solidFill>
+                <a:srgbClr val="028009"/>
+              </a:solidFill>
+              <a:latin typeface="Courier New"/>
+              <a:cs typeface="Courier New"/>
+            </a:endParaRPr>
+          </a:p>
+        </p:txBody>
+      </p:sp>
+      <p:sp>
+        <p:nvSpPr>
+          <p:cNvPr id="6" name="Rectangle 5">
+            <a:extLst>
+              <a:ext uri="{FF2B5EF4-FFF2-40B4-BE49-F238E27FC236}">
+                <a16:creationId xmlns:a16="http://schemas.microsoft.com/office/drawing/2014/main" id="{4A4F257F-B2B8-4812-9183-DDC0FC2C8713}"/>
+              </a:ext>
+            </a:extLst>
+          </p:cNvPr>
+          <p:cNvSpPr/>
+          <p:nvPr/>
+        </p:nvSpPr>
+        <p:spPr>
+          <a:xfrm>
+            <a:off x="4771280" y="2105178"/>
+            <a:ext cx="3715586" cy="3293209"/>
+          </a:xfrm>
+          <a:prstGeom prst="rect">
+            <a:avLst/>
+          </a:prstGeom>
+          <a:solidFill>
+            <a:schemeClr val="accent4">
+              <a:lumMod val="20000"/>
+              <a:lumOff val="80000"/>
+            </a:schemeClr>
+          </a:solidFill>
+        </p:spPr>
+        <p:txBody>
+          <a:bodyPr wrap="square" lIns="91440" tIns="45720" rIns="91440" bIns="45720" anchor="t">
+            <a:spAutoFit/>
+          </a:bodyPr>
+          <a:lstStyle>
+            <a:defPPr>
+              <a:defRPr lang="en-US"/>
+            </a:defPPr>
+            <a:lvl1pPr marL="0" algn="l" defTabSz="914400" rtl="0" eaLnBrk="1" latinLnBrk="0" hangingPunct="1">
+              <a:defRPr sz="1800" kern="1200">
+                <a:solidFill>
+                  <a:schemeClr val="tx1"/>
+                </a:solidFill>
+                <a:latin typeface="+mn-lt"/>
+                <a:ea typeface="+mn-ea"/>
+                <a:cs typeface="+mn-cs"/>
+              </a:defRPr>
+            </a:lvl1pPr>
+            <a:lvl2pPr marL="457200" algn="l" defTabSz="914400" rtl="0" eaLnBrk="1" latinLnBrk="0" hangingPunct="1">
+              <a:defRPr sz="1800" kern="1200">
+                <a:solidFill>
+                  <a:schemeClr val="tx1"/>
+                </a:solidFill>
+                <a:latin typeface="+mn-lt"/>
+                <a:ea typeface="+mn-ea"/>
+                <a:cs typeface="+mn-cs"/>
+              </a:defRPr>
+            </a:lvl2pPr>
+            <a:lvl3pPr marL="914400" algn="l" defTabSz="914400" rtl="0" eaLnBrk="1" latinLnBrk="0" hangingPunct="1">
+              <a:defRPr sz="1800" kern="1200">
+                <a:solidFill>
+                  <a:schemeClr val="tx1"/>
+                </a:solidFill>
+                <a:latin typeface="+mn-lt"/>
+                <a:ea typeface="+mn-ea"/>
+                <a:cs typeface="+mn-cs"/>
+              </a:defRPr>
+            </a:lvl3pPr>
+            <a:lvl4pPr marL="1371600" algn="l" defTabSz="914400" rtl="0" eaLnBrk="1" latinLnBrk="0" hangingPunct="1">
+              <a:defRPr sz="1800" kern="1200">
+                <a:solidFill>
+                  <a:schemeClr val="tx1"/>
+                </a:solidFill>
+                <a:latin typeface="+mn-lt"/>
+                <a:ea typeface="+mn-ea"/>
+                <a:cs typeface="+mn-cs"/>
+              </a:defRPr>
+            </a:lvl4pPr>
+            <a:lvl5pPr marL="1828800" algn="l" defTabSz="914400" rtl="0" eaLnBrk="1" latinLnBrk="0" hangingPunct="1">
+              <a:defRPr sz="1800" kern="1200">
+                <a:solidFill>
+                  <a:schemeClr val="tx1"/>
+                </a:solidFill>
+                <a:latin typeface="+mn-lt"/>
+                <a:ea typeface="+mn-ea"/>
+                <a:cs typeface="+mn-cs"/>
+              </a:defRPr>
+            </a:lvl5pPr>
+            <a:lvl6pPr marL="2286000" algn="l" defTabSz="914400" rtl="0" eaLnBrk="1" latinLnBrk="0" hangingPunct="1">
+              <a:defRPr sz="1800" kern="1200">
+                <a:solidFill>
+                  <a:schemeClr val="tx1"/>
+                </a:solidFill>
+                <a:latin typeface="+mn-lt"/>
+                <a:ea typeface="+mn-ea"/>
+                <a:cs typeface="+mn-cs"/>
+              </a:defRPr>
+            </a:lvl6pPr>
+            <a:lvl7pPr marL="2743200" algn="l" defTabSz="914400" rtl="0" eaLnBrk="1" latinLnBrk="0" hangingPunct="1">
+              <a:defRPr sz="1800" kern="1200">
+                <a:solidFill>
+                  <a:schemeClr val="tx1"/>
+                </a:solidFill>
+                <a:latin typeface="+mn-lt"/>
+                <a:ea typeface="+mn-ea"/>
+                <a:cs typeface="+mn-cs"/>
+              </a:defRPr>
+            </a:lvl7pPr>
+            <a:lvl8pPr marL="3200400" algn="l" defTabSz="914400" rtl="0" eaLnBrk="1" latinLnBrk="0" hangingPunct="1">
+              <a:defRPr sz="1800" kern="1200">
+                <a:solidFill>
+                  <a:schemeClr val="tx1"/>
+                </a:solidFill>
+                <a:latin typeface="+mn-lt"/>
+                <a:ea typeface="+mn-ea"/>
+                <a:cs typeface="+mn-cs"/>
+              </a:defRPr>
+            </a:lvl8pPr>
+            <a:lvl9pPr marL="3657600" algn="l" defTabSz="914400" rtl="0" eaLnBrk="1" latinLnBrk="0" hangingPunct="1">
+              <a:defRPr sz="1800" kern="1200">
+                <a:solidFill>
+                  <a:schemeClr val="tx1"/>
+                </a:solidFill>
+                <a:latin typeface="+mn-lt"/>
+                <a:ea typeface="+mn-ea"/>
+                <a:cs typeface="+mn-cs"/>
+              </a:defRPr>
+            </a:lvl9pPr>
+          </a:lstStyle>
+          <a:p>
+            <a:r>
+              <a:rPr lang="en-US" sz="1600" dirty="0">
+                <a:solidFill>
+                  <a:srgbClr val="028009"/>
+                </a:solidFill>
+                <a:latin typeface="Courier New"/>
+                <a:cs typeface="Courier New"/>
+              </a:rPr>
+              <a:t>% a function sums inputs</a:t>
+            </a:r>
+          </a:p>
+          <a:p>
+            <a:endParaRPr lang="en-US" sz="1600" dirty="0">
+              <a:solidFill>
+                <a:srgbClr val="028009"/>
+              </a:solidFill>
+              <a:latin typeface="Courier New"/>
+              <a:cs typeface="Courier New"/>
+            </a:endParaRPr>
+          </a:p>
+          <a:p>
+            <a:r>
+              <a:rPr lang="en-US" sz="1600" strike="sngStrike" dirty="0" err="1">
+                <a:solidFill>
+                  <a:srgbClr val="028009"/>
+                </a:solidFill>
+                <a:latin typeface="Courier New"/>
+                <a:cs typeface="Courier New"/>
+              </a:rPr>
+              <a:t>def</a:t>
+            </a:r>
+            <a:r>
+              <a:rPr lang="en-US" sz="1600" strike="sngStrike" dirty="0">
+                <a:solidFill>
+                  <a:srgbClr val="028009"/>
+                </a:solidFill>
+                <a:latin typeface="Courier New"/>
+                <a:cs typeface="Courier New"/>
+              </a:rPr>
+              <a:t> sum(a):</a:t>
+            </a:r>
+            <a:endParaRPr lang="en-US" strike="sngStrike" dirty="0">
+              <a:solidFill>
+                <a:srgbClr val="000000"/>
+              </a:solidFill>
+              <a:latin typeface="Calibri" panose="020F0502020204030204"/>
+              <a:cs typeface="Calibri" panose="020F0502020204030204"/>
+            </a:endParaRPr>
+          </a:p>
+          <a:p>
+            <a:r>
+              <a:rPr lang="en-US" sz="1600" strike="sngStrike" dirty="0">
+                <a:solidFill>
+                  <a:srgbClr val="028009"/>
+                </a:solidFill>
+                <a:latin typeface="Courier New"/>
+                <a:cs typeface="Courier New"/>
+              </a:rPr>
+              <a:t>    return a</a:t>
+            </a:r>
+            <a:endParaRPr lang="en-US" strike="sngStrike" dirty="0">
+              <a:cs typeface="Calibri"/>
+            </a:endParaRPr>
+          </a:p>
+          <a:p>
+            <a:endParaRPr lang="en-US" sz="1600" strike="sngStrike" dirty="0">
+              <a:solidFill>
+                <a:srgbClr val="028009"/>
+              </a:solidFill>
+              <a:latin typeface="Courier New"/>
+              <a:cs typeface="Courier New"/>
+            </a:endParaRPr>
+          </a:p>
+          <a:p>
+            <a:r>
+              <a:rPr lang="en-US" sz="1600" strike="sngStrike" dirty="0" err="1">
+                <a:solidFill>
+                  <a:srgbClr val="028009"/>
+                </a:solidFill>
+                <a:latin typeface="Courier New"/>
+                <a:cs typeface="Courier New"/>
+              </a:rPr>
+              <a:t>def</a:t>
+            </a:r>
+            <a:r>
+              <a:rPr lang="en-US" sz="1600" strike="sngStrike" dirty="0">
+                <a:solidFill>
+                  <a:srgbClr val="028009"/>
+                </a:solidFill>
+                <a:latin typeface="Courier New"/>
+                <a:cs typeface="Courier New"/>
+              </a:rPr>
+              <a:t> sum(</a:t>
+            </a:r>
+            <a:r>
+              <a:rPr lang="en-US" sz="1600" strike="sngStrike" dirty="0" err="1">
+                <a:solidFill>
+                  <a:srgbClr val="028009"/>
+                </a:solidFill>
+                <a:latin typeface="Courier New"/>
+                <a:cs typeface="Courier New"/>
+              </a:rPr>
+              <a:t>a,b</a:t>
+            </a:r>
+            <a:r>
+              <a:rPr lang="en-US" sz="1600" strike="sngStrike" dirty="0">
+                <a:solidFill>
+                  <a:srgbClr val="028009"/>
+                </a:solidFill>
+                <a:latin typeface="Courier New"/>
+                <a:cs typeface="Courier New"/>
+              </a:rPr>
+              <a:t>):</a:t>
+            </a:r>
+            <a:endParaRPr lang="en-US" sz="1600" strike="sngStrike" dirty="0">
+              <a:ea typeface="+mn-lt"/>
+              <a:cs typeface="+mn-lt"/>
+            </a:endParaRPr>
+          </a:p>
+          <a:p>
+            <a:r>
+              <a:rPr lang="en-US" sz="1600" strike="sngStrike" dirty="0">
+                <a:solidFill>
+                  <a:srgbClr val="028009"/>
+                </a:solidFill>
+                <a:latin typeface="Courier New"/>
+                <a:cs typeface="Courier New"/>
+              </a:rPr>
+              <a:t>    return a + b</a:t>
+            </a:r>
+            <a:endParaRPr lang="en-US" strike="sngStrike" dirty="0"/>
+          </a:p>
+          <a:p>
+            <a:endParaRPr lang="en-US" sz="1600" dirty="0">
+              <a:solidFill>
+                <a:srgbClr val="028009"/>
+              </a:solidFill>
+              <a:latin typeface="Courier New"/>
+              <a:cs typeface="Courier New"/>
+            </a:endParaRPr>
+          </a:p>
+          <a:p>
+            <a:r>
+              <a:rPr lang="en-US" sz="1600" dirty="0" err="1">
+                <a:solidFill>
+                  <a:srgbClr val="028009"/>
+                </a:solidFill>
+                <a:latin typeface="Courier New"/>
+                <a:cs typeface="Courier New"/>
+              </a:rPr>
+              <a:t>def</a:t>
+            </a:r>
+            <a:r>
+              <a:rPr lang="en-US" sz="1600" dirty="0">
+                <a:solidFill>
+                  <a:srgbClr val="028009"/>
+                </a:solidFill>
+                <a:latin typeface="Courier New"/>
+                <a:cs typeface="Courier New"/>
+              </a:rPr>
+              <a:t> sum(*</a:t>
+            </a:r>
+            <a:r>
+              <a:rPr lang="en-US" sz="1600" dirty="0" err="1">
+                <a:solidFill>
+                  <a:srgbClr val="028009"/>
+                </a:solidFill>
+                <a:latin typeface="Courier New"/>
+                <a:cs typeface="Courier New"/>
+              </a:rPr>
+              <a:t>args</a:t>
+            </a:r>
+            <a:r>
+              <a:rPr lang="en-US" sz="1600" dirty="0" smtClean="0">
+                <a:solidFill>
+                  <a:srgbClr val="028009"/>
+                </a:solidFill>
+                <a:latin typeface="Courier New"/>
+                <a:cs typeface="Courier New"/>
+              </a:rPr>
+              <a:t>):</a:t>
+            </a:r>
+          </a:p>
+          <a:p>
+            <a:r>
+              <a:rPr lang="en-US" sz="1600" dirty="0">
+                <a:solidFill>
+                  <a:srgbClr val="028009"/>
+                </a:solidFill>
+                <a:latin typeface="Courier New"/>
+                <a:cs typeface="Courier New"/>
+              </a:rPr>
+              <a:t> </a:t>
+            </a:r>
+            <a:r>
+              <a:rPr lang="en-US" sz="1600" dirty="0" smtClean="0">
+                <a:solidFill>
+                  <a:srgbClr val="028009"/>
+                </a:solidFill>
+                <a:latin typeface="Courier New"/>
+                <a:cs typeface="Courier New"/>
+              </a:rPr>
+              <a:t>  </a:t>
+            </a:r>
+            <a:r>
+              <a:rPr lang="en-US" sz="1600" dirty="0" err="1" smtClean="0">
+                <a:solidFill>
+                  <a:srgbClr val="028009"/>
+                </a:solidFill>
+                <a:latin typeface="Courier New"/>
+                <a:cs typeface="Courier New"/>
+              </a:rPr>
+              <a:t>ans</a:t>
+            </a:r>
+            <a:r>
+              <a:rPr lang="en-US" sz="1600" dirty="0" smtClean="0">
+                <a:solidFill>
+                  <a:srgbClr val="028009"/>
+                </a:solidFill>
+                <a:latin typeface="Courier New"/>
+                <a:cs typeface="Courier New"/>
+              </a:rPr>
+              <a:t> = 0</a:t>
+            </a:r>
+            <a:endParaRPr lang="en-US" sz="1600" dirty="0">
+              <a:solidFill>
+                <a:srgbClr val="028009"/>
+              </a:solidFill>
+              <a:latin typeface="Courier New"/>
+              <a:cs typeface="Courier New"/>
+            </a:endParaRPr>
+          </a:p>
+          <a:p>
+            <a:r>
+              <a:rPr lang="en-US" sz="1600" dirty="0">
+                <a:solidFill>
+                  <a:srgbClr val="028009"/>
+                </a:solidFill>
+                <a:latin typeface="Courier New"/>
+                <a:cs typeface="Courier New"/>
+              </a:rPr>
+              <a:t>   for </a:t>
+            </a:r>
+            <a:r>
+              <a:rPr lang="en-US" sz="1600" dirty="0" err="1" smtClean="0">
+                <a:solidFill>
+                  <a:srgbClr val="028009"/>
+                </a:solidFill>
+                <a:latin typeface="Courier New"/>
+                <a:cs typeface="Courier New"/>
+              </a:rPr>
+              <a:t>arg</a:t>
+            </a:r>
+            <a:r>
+              <a:rPr lang="en-US" sz="1600" dirty="0" smtClean="0">
+                <a:solidFill>
+                  <a:srgbClr val="028009"/>
+                </a:solidFill>
+                <a:latin typeface="Courier New"/>
+                <a:cs typeface="Courier New"/>
+              </a:rPr>
+              <a:t> </a:t>
+            </a:r>
+            <a:r>
+              <a:rPr lang="en-US" sz="1600" dirty="0">
+                <a:solidFill>
+                  <a:srgbClr val="028009"/>
+                </a:solidFill>
+                <a:latin typeface="Courier New"/>
+                <a:cs typeface="Courier New"/>
+              </a:rPr>
+              <a:t>in </a:t>
+            </a:r>
+            <a:r>
+              <a:rPr lang="en-US" sz="1600" dirty="0" err="1">
+                <a:solidFill>
+                  <a:srgbClr val="028009"/>
+                </a:solidFill>
+                <a:latin typeface="Courier New"/>
+                <a:cs typeface="Courier New"/>
+              </a:rPr>
+              <a:t>args</a:t>
+            </a:r>
+            <a:r>
+              <a:rPr lang="en-US" sz="1600" dirty="0">
+                <a:solidFill>
+                  <a:srgbClr val="028009"/>
+                </a:solidFill>
+                <a:latin typeface="Courier New"/>
+                <a:cs typeface="Courier New"/>
+              </a:rPr>
+              <a:t>:</a:t>
             </a:r>
             <a:endParaRPr lang="en-US" dirty="0">
-              <a:cs typeface="Calibri Light" panose="020F0302020204030204"/>
-            </a:endParaRPr>
+              <a:solidFill>
+                <a:srgbClr val="000000"/>
+              </a:solidFill>
+              <a:latin typeface="Calibri" panose="020F0502020204030204"/>
+              <a:cs typeface="Calibri" panose="020F0502020204030204"/>
+            </a:endParaRPr>
+          </a:p>
+          <a:p>
+            <a:r>
+              <a:rPr lang="en-US" sz="1600" dirty="0">
+                <a:solidFill>
+                  <a:srgbClr val="028009"/>
+                </a:solidFill>
+                <a:latin typeface="Courier New"/>
+                <a:cs typeface="Courier New"/>
+              </a:rPr>
+              <a:t>        ans = </a:t>
+            </a:r>
+            <a:r>
+              <a:rPr lang="en-US" sz="1600" dirty="0" err="1">
+                <a:solidFill>
+                  <a:srgbClr val="028009"/>
+                </a:solidFill>
+                <a:latin typeface="Courier New"/>
+                <a:cs typeface="Courier New"/>
+              </a:rPr>
+              <a:t>ans</a:t>
+            </a:r>
+            <a:r>
+              <a:rPr lang="en-US" sz="1600" dirty="0">
+                <a:solidFill>
+                  <a:srgbClr val="028009"/>
+                </a:solidFill>
+                <a:latin typeface="Courier New"/>
+                <a:cs typeface="Courier New"/>
+              </a:rPr>
+              <a:t> + </a:t>
+            </a:r>
+            <a:r>
+              <a:rPr lang="en-US" sz="1600" dirty="0" err="1" smtClean="0">
+                <a:solidFill>
+                  <a:srgbClr val="028009"/>
+                </a:solidFill>
+                <a:latin typeface="Courier New"/>
+                <a:cs typeface="Courier New"/>
+              </a:rPr>
+              <a:t>arg</a:t>
+            </a:r>
+            <a:endParaRPr lang="en-US" dirty="0"/>
+          </a:p>
+          <a:p>
+            <a:r>
+              <a:rPr lang="en-US" sz="1600" dirty="0">
+                <a:solidFill>
+                  <a:srgbClr val="028009"/>
+                </a:solidFill>
+                <a:latin typeface="Courier New"/>
+                <a:cs typeface="Courier New"/>
+              </a:rPr>
+              <a:t>    return </a:t>
+            </a:r>
+            <a:r>
+              <a:rPr lang="en-US" sz="1600" dirty="0" err="1">
+                <a:solidFill>
+                  <a:srgbClr val="028009"/>
+                </a:solidFill>
+                <a:latin typeface="Courier New"/>
+                <a:cs typeface="Courier New"/>
+              </a:rPr>
+              <a:t>ans</a:t>
+            </a:r>
+            <a:endParaRPr lang="en-US" dirty="0"/>
           </a:p>
         </p:txBody>
       </p:sp>
     </p:spTree>
     <p:extLst>
       <p:ext uri="{BB962C8B-B14F-4D97-AF65-F5344CB8AC3E}">
-        <p14:creationId xmlns:p14="http://schemas.microsoft.com/office/powerpoint/2010/main" val="2115083606"/>
+        <p14:creationId xmlns:p14="http://schemas.microsoft.com/office/powerpoint/2010/main" val="4074988792"/>
       </p:ext>
     </p:extLst>
   </p:cSld>
@@ -5667,6 +6946,82 @@
           <p:cNvPr id="2" name="Title 1">
             <a:extLst>
               <a:ext uri="{FF2B5EF4-FFF2-40B4-BE49-F238E27FC236}">
+                <a16:creationId xmlns:a16="http://schemas.microsoft.com/office/drawing/2014/main" id="{123B350A-1FD7-43CB-ABD9-32E48AAB11FE}"/>
+              </a:ext>
+            </a:extLst>
+          </p:cNvPr>
+          <p:cNvSpPr>
+            <a:spLocks noGrp="1"/>
+          </p:cNvSpPr>
+          <p:nvPr>
+            <p:ph type="title"/>
+          </p:nvPr>
+        </p:nvSpPr>
+        <p:spPr>
+          <a:xfrm>
+            <a:off x="838200" y="477551"/>
+            <a:ext cx="10515600" cy="1325563"/>
+          </a:xfrm>
+        </p:spPr>
+        <p:txBody>
+          <a:bodyPr>
+            <a:normAutofit fontScale="90000"/>
+          </a:bodyPr>
+          <a:lstStyle/>
+          <a:p>
+            <a:r>
+              <a:rPr lang="en-US" dirty="0">
+                <a:cs typeface="Calibri Light"/>
+              </a:rPr>
+              <a:t>This can be a time-consuming way to develop, but it helps ensure that every part of a function has </a:t>
+            </a:r>
+            <a:r>
+              <a:rPr lang="en-US">
+                <a:cs typeface="Calibri Light"/>
+              </a:rPr>
+              <a:t>test coverage and serves some use case.</a:t>
+            </a:r>
+            <a:endParaRPr lang="en-US" dirty="0">
+              <a:cs typeface="Calibri Light" panose="020F0302020204030204"/>
+            </a:endParaRPr>
+          </a:p>
+        </p:txBody>
+      </p:sp>
+    </p:spTree>
+    <p:extLst>
+      <p:ext uri="{BB962C8B-B14F-4D97-AF65-F5344CB8AC3E}">
+        <p14:creationId xmlns:p14="http://schemas.microsoft.com/office/powerpoint/2010/main" val="2115083606"/>
+      </p:ext>
+    </p:extLst>
+  </p:cSld>
+  <p:clrMapOvr>
+    <a:masterClrMapping/>
+  </p:clrMapOvr>
+</p:sld>
+</file>
+
+<file path=ppt/slides/slide17.xml><?xml version="1.0" encoding="utf-8"?>
+<p:sld xmlns:a="http://schemas.openxmlformats.org/drawingml/2006/main" xmlns:r="http://schemas.openxmlformats.org/officeDocument/2006/relationships" xmlns:p="http://schemas.openxmlformats.org/presentationml/2006/main">
+  <p:cSld>
+    <p:spTree>
+      <p:nvGrpSpPr>
+        <p:cNvPr id="1" name=""/>
+        <p:cNvGrpSpPr/>
+        <p:nvPr/>
+      </p:nvGrpSpPr>
+      <p:grpSpPr>
+        <a:xfrm>
+          <a:off x="0" y="0"/>
+          <a:ext cx="0" cy="0"/>
+          <a:chOff x="0" y="0"/>
+          <a:chExt cx="0" cy="0"/>
+        </a:xfrm>
+      </p:grpSpPr>
+      <p:sp>
+        <p:nvSpPr>
+          <p:cNvPr id="2" name="Title 1">
+            <a:extLst>
+              <a:ext uri="{FF2B5EF4-FFF2-40B4-BE49-F238E27FC236}">
                 <a16:creationId xmlns:a16="http://schemas.microsoft.com/office/drawing/2014/main" id="{1E94DC94-9DB7-4625-8CAC-298C353AC845}"/>
               </a:ext>
             </a:extLst>
@@ -5681,17 +7036,35 @@
         <p:spPr/>
         <p:txBody>
           <a:bodyPr>
-            <a:normAutofit fontScale="90000"/>
+            <a:noAutofit/>
           </a:bodyPr>
           <a:lstStyle/>
           <a:p>
             <a:r>
-              <a:rPr lang="en-US" dirty="0">
+              <a:rPr lang="en-US" sz="3600" dirty="0">
                 <a:cs typeface="Calibri Light"/>
               </a:rPr>
-              <a:t>Environment variables can be used to flag large types of execution on or off (e.g. input sanitation, plotting, testing).</a:t>
-            </a:r>
-            <a:endParaRPr lang="en-US" dirty="0"/>
+              <a:t>Environment variables can be used to flag large types of execution on or off (e.g. input sanitation, plotting, testing</a:t>
+            </a:r>
+            <a:r>
+              <a:rPr lang="en-US" sz="3600" dirty="0" smtClean="0">
+                <a:cs typeface="Calibri Light"/>
+              </a:rPr>
+              <a:t>).  This is done the same in </a:t>
+            </a:r>
+            <a:r>
+              <a:rPr lang="en-US" sz="3600" dirty="0" err="1" smtClean="0">
+                <a:cs typeface="Calibri Light"/>
+              </a:rPr>
+              <a:t>Matlab</a:t>
+            </a:r>
+            <a:r>
+              <a:rPr lang="en-US" sz="3600" dirty="0" smtClean="0">
+                <a:cs typeface="Calibri Light"/>
+              </a:rPr>
+              <a:t> regardless of OS so our code can be platform agnostic.</a:t>
+            </a:r>
+            <a:endParaRPr lang="en-US" sz="3600" dirty="0"/>
           </a:p>
         </p:txBody>
       </p:sp>
@@ -5709,7 +7082,7 @@
         </p:nvSpPr>
         <p:spPr>
           <a:xfrm>
-            <a:off x="1678758" y="2184023"/>
+            <a:off x="1626312" y="4137514"/>
             <a:ext cx="8939375" cy="338554"/>
           </a:xfrm>
           <a:prstGeom prst="rect">
@@ -5893,7 +7266,7 @@
     </p:spTree>
     <p:extLst>
       <p:ext uri="{BB962C8B-B14F-4D97-AF65-F5344CB8AC3E}">
-        <p14:creationId xmlns:p14="http://schemas.microsoft.com/office/powerpoint/2010/main" val="1890316357"/>
+        <p14:creationId xmlns:p14="http://schemas.microsoft.com/office/powerpoint/2010/main" val="866346485"/>
       </p:ext>
     </p:extLst>
   </p:cSld>
@@ -5903,7 +7276,7 @@
 </p:sld>
 </file>
 
-<file path=ppt/slides/slide17.xml><?xml version="1.0" encoding="utf-8"?>
+<file path=ppt/slides/slide18.xml><?xml version="1.0" encoding="utf-8"?>
 <p:sld xmlns:a="http://schemas.openxmlformats.org/drawingml/2006/main" xmlns:r="http://schemas.openxmlformats.org/officeDocument/2006/relationships" xmlns:p="http://schemas.openxmlformats.org/presentationml/2006/main">
   <p:cSld>
     <p:spTree>
@@ -6460,152 +7833,7 @@
     </p:spTree>
     <p:extLst>
       <p:ext uri="{BB962C8B-B14F-4D97-AF65-F5344CB8AC3E}">
-        <p14:creationId xmlns:p14="http://schemas.microsoft.com/office/powerpoint/2010/main" val="3905549907"/>
-      </p:ext>
-    </p:extLst>
-  </p:cSld>
-  <p:clrMapOvr>
-    <a:masterClrMapping/>
-  </p:clrMapOvr>
-</p:sld>
-</file>
-
-<file path=ppt/slides/slide18.xml><?xml version="1.0" encoding="utf-8"?>
-<p:sld xmlns:a="http://schemas.openxmlformats.org/drawingml/2006/main" xmlns:r="http://schemas.openxmlformats.org/officeDocument/2006/relationships" xmlns:p="http://schemas.openxmlformats.org/presentationml/2006/main">
-  <p:cSld>
-    <p:spTree>
-      <p:nvGrpSpPr>
-        <p:cNvPr id="1" name=""/>
-        <p:cNvGrpSpPr/>
-        <p:nvPr/>
-      </p:nvGrpSpPr>
-      <p:grpSpPr>
-        <a:xfrm>
-          <a:off x="0" y="0"/>
-          <a:ext cx="0" cy="0"/>
-          <a:chOff x="0" y="0"/>
-          <a:chExt cx="0" cy="0"/>
-        </a:xfrm>
-      </p:grpSpPr>
-      <p:sp>
-        <p:nvSpPr>
-          <p:cNvPr id="2" name="Title 1">
-            <a:extLst>
-              <a:ext uri="{FF2B5EF4-FFF2-40B4-BE49-F238E27FC236}">
-                <a16:creationId xmlns:a16="http://schemas.microsoft.com/office/drawing/2014/main" id="{B2022B53-A77F-4A0C-B8BD-5660F173895E}"/>
-              </a:ext>
-            </a:extLst>
-          </p:cNvPr>
-          <p:cNvSpPr>
-            <a:spLocks noGrp="1"/>
-          </p:cNvSpPr>
-          <p:nvPr>
-            <p:ph type="title"/>
-          </p:nvPr>
-        </p:nvSpPr>
-        <p:spPr/>
-        <p:txBody>
-          <a:bodyPr>
-            <a:normAutofit fontScale="90000"/>
-          </a:bodyPr>
-          <a:lstStyle/>
-          <a:p>
-            <a:r>
-              <a:rPr lang="en-US" dirty="0">
-                <a:cs typeface="Calibri Light"/>
-              </a:rPr>
-              <a:t>Environment variables can be set in </a:t>
-            </a:r>
-            <a:r>
-              <a:rPr lang="en-US" dirty="0">
-                <a:latin typeface="Courier New"/>
-                <a:cs typeface="Calibri Light"/>
-              </a:rPr>
-              <a:t>~/.</a:t>
-            </a:r>
-            <a:r>
-              <a:rPr lang="en-US" dirty="0" err="1">
-                <a:latin typeface="Courier New"/>
-                <a:cs typeface="Calibri Light"/>
-              </a:rPr>
-              <a:t>bashrc</a:t>
-            </a:r>
-            <a:r>
-              <a:rPr lang="en-US" dirty="0">
-                <a:cs typeface="Calibri Light"/>
-              </a:rPr>
-              <a:t> in Linux by adding a line to set the variable at each new terminal session.</a:t>
-            </a:r>
-            <a:endParaRPr lang="en-US" dirty="0"/>
-          </a:p>
-        </p:txBody>
-      </p:sp>
-      <p:sp>
-        <p:nvSpPr>
-          <p:cNvPr id="3" name="Content Placeholder 2">
-            <a:extLst>
-              <a:ext uri="{FF2B5EF4-FFF2-40B4-BE49-F238E27FC236}">
-                <a16:creationId xmlns:a16="http://schemas.microsoft.com/office/drawing/2014/main" id="{8DF33793-26D3-49F8-84B6-88B2C461D5BC}"/>
-              </a:ext>
-            </a:extLst>
-          </p:cNvPr>
-          <p:cNvSpPr>
-            <a:spLocks noGrp="1"/>
-          </p:cNvSpPr>
-          <p:nvPr>
-            <p:ph idx="1"/>
-          </p:nvPr>
-        </p:nvSpPr>
-        <p:spPr>
-          <a:xfrm>
-            <a:off x="3096657" y="3156829"/>
-            <a:ext cx="6081312" cy="541339"/>
-          </a:xfrm>
-          <a:solidFill>
-            <a:schemeClr val="tx1"/>
-          </a:solidFill>
-        </p:spPr>
-        <p:txBody>
-          <a:bodyPr vert="horz" lIns="91440" tIns="45720" rIns="91440" bIns="45720" rtlCol="0" anchor="t">
-            <a:normAutofit/>
-          </a:bodyPr>
-          <a:lstStyle/>
-          <a:p>
-            <a:pPr marL="0" indent="0">
-              <a:buNone/>
-            </a:pPr>
-            <a:r>
-              <a:rPr lang="en-US" dirty="0">
-                <a:solidFill>
-                  <a:schemeClr val="bg1"/>
-                </a:solidFill>
-                <a:latin typeface="Consolas"/>
-              </a:rPr>
-              <a:t>export VAR_NAME=</a:t>
-            </a:r>
-            <a:r>
-              <a:rPr lang="en-US" dirty="0" err="1">
-                <a:solidFill>
-                  <a:schemeClr val="bg1"/>
-                </a:solidFill>
-                <a:latin typeface="Consolas"/>
-              </a:rPr>
-              <a:t>variable_value</a:t>
-            </a:r>
-            <a:endParaRPr lang="en-US" dirty="0" err="1">
-              <a:solidFill>
-                <a:schemeClr val="bg1"/>
-              </a:solidFill>
-              <a:latin typeface="Consolas"/>
-              <a:cs typeface="Calibri" panose="020F0502020204030204"/>
-            </a:endParaRPr>
-          </a:p>
-        </p:txBody>
-      </p:sp>
-    </p:spTree>
-    <p:extLst>
-      <p:ext uri="{BB962C8B-B14F-4D97-AF65-F5344CB8AC3E}">
-        <p14:creationId xmlns:p14="http://schemas.microsoft.com/office/powerpoint/2010/main" val="2367444021"/>
+        <p14:creationId xmlns:p14="http://schemas.microsoft.com/office/powerpoint/2010/main" val="1454753691"/>
       </p:ext>
     </p:extLst>
   </p:cSld>
@@ -6637,7 +7865,7 @@
           <p:cNvPr id="2" name="Title 1">
             <a:extLst>
               <a:ext uri="{FF2B5EF4-FFF2-40B4-BE49-F238E27FC236}">
-                <a16:creationId xmlns:a16="http://schemas.microsoft.com/office/drawing/2014/main" id="{BCA305F7-91A0-40CA-B786-E2BD60DB8BB9}"/>
+                <a16:creationId xmlns:a16="http://schemas.microsoft.com/office/drawing/2014/main" id="{B2022B53-A77F-4A0C-B8BD-5660F173895E}"/>
               </a:ext>
             </a:extLst>
           </p:cNvPr>
@@ -6650,52 +7878,107 @@
         </p:nvSpPr>
         <p:spPr/>
         <p:txBody>
-          <a:bodyPr/>
+          <a:bodyPr>
+            <a:normAutofit fontScale="90000"/>
+          </a:bodyPr>
           <a:lstStyle/>
           <a:p>
             <a:r>
-              <a:rPr lang="en-US">
+              <a:rPr lang="en-US" dirty="0">
                 <a:cs typeface="Calibri Light"/>
               </a:rPr>
-              <a:t>Time profiling may be helpful for identifying "long poles in the tent".</a:t>
-            </a:r>
-            <a:endParaRPr lang="en-US"/>
-          </a:p>
-        </p:txBody>
-      </p:sp>
-      <p:pic>
-        <p:nvPicPr>
-          <p:cNvPr id="4" name="Picture 4" descr="Table&#10;&#10;Description automatically generated">
+              <a:t>Environment variables can be set in </a:t>
+            </a:r>
+            <a:r>
+              <a:rPr lang="en-US" dirty="0">
+                <a:latin typeface="Courier New"/>
+                <a:cs typeface="Calibri Light"/>
+              </a:rPr>
+              <a:t>~/.</a:t>
+            </a:r>
+            <a:r>
+              <a:rPr lang="en-US" dirty="0" err="1">
+                <a:latin typeface="Courier New"/>
+                <a:cs typeface="Calibri Light"/>
+              </a:rPr>
+              <a:t>bashrc</a:t>
+            </a:r>
+            <a:r>
+              <a:rPr lang="en-US" dirty="0">
+                <a:cs typeface="Calibri Light"/>
+              </a:rPr>
+              <a:t> in Linux by adding a line to set the variable at each new terminal session.</a:t>
+            </a:r>
+            <a:endParaRPr lang="en-US" dirty="0"/>
+          </a:p>
+        </p:txBody>
+      </p:sp>
+      <p:sp>
+        <p:nvSpPr>
+          <p:cNvPr id="3" name="Content Placeholder 2">
             <a:extLst>
               <a:ext uri="{FF2B5EF4-FFF2-40B4-BE49-F238E27FC236}">
-                <a16:creationId xmlns:a16="http://schemas.microsoft.com/office/drawing/2014/main" id="{BEBC6E6C-3B4E-4427-BC24-48A2C4019217}"/>
+                <a16:creationId xmlns:a16="http://schemas.microsoft.com/office/drawing/2014/main" id="{8DF33793-26D3-49F8-84B6-88B2C461D5BC}"/>
               </a:ext>
             </a:extLst>
           </p:cNvPr>
-          <p:cNvPicPr>
-            <a:picLocks noGrp="1" noChangeAspect="1"/>
-          </p:cNvPicPr>
+          <p:cNvSpPr>
+            <a:spLocks noGrp="1"/>
+          </p:cNvSpPr>
           <p:nvPr>
             <p:ph idx="1"/>
           </p:nvPr>
-        </p:nvPicPr>
-        <p:blipFill>
-          <a:blip r:embed="rId2"/>
-          <a:stretch>
-            <a:fillRect/>
-          </a:stretch>
-        </p:blipFill>
+        </p:nvSpPr>
         <p:spPr>
           <a:xfrm>
-            <a:off x="2452222" y="1825625"/>
-            <a:ext cx="7287556" cy="4351338"/>
+            <a:off x="3096657" y="3156829"/>
+            <a:ext cx="6081312" cy="541339"/>
           </a:xfrm>
+          <a:solidFill>
+            <a:schemeClr val="tx1"/>
+          </a:solidFill>
         </p:spPr>
-      </p:pic>
+        <p:txBody>
+          <a:bodyPr vert="horz" lIns="91440" tIns="45720" rIns="91440" bIns="45720" rtlCol="0" anchor="t">
+            <a:normAutofit/>
+          </a:bodyPr>
+          <a:lstStyle/>
+          <a:p>
+            <a:pPr marL="0" indent="0">
+              <a:buNone/>
+            </a:pPr>
+            <a:r>
+              <a:rPr lang="en-US" dirty="0">
+                <a:solidFill>
+                  <a:schemeClr val="bg1"/>
+                </a:solidFill>
+                <a:latin typeface="Consolas"/>
+              </a:rPr>
+              <a:t>export VAR_NAME=</a:t>
+            </a:r>
+            <a:r>
+              <a:rPr lang="en-US" dirty="0" err="1">
+                <a:solidFill>
+                  <a:schemeClr val="bg1"/>
+                </a:solidFill>
+                <a:latin typeface="Consolas"/>
+              </a:rPr>
+              <a:t>variable_value</a:t>
+            </a:r>
+            <a:endParaRPr lang="en-US" dirty="0" err="1">
+              <a:solidFill>
+                <a:schemeClr val="bg1"/>
+              </a:solidFill>
+              <a:latin typeface="Consolas"/>
+              <a:cs typeface="Calibri" panose="020F0502020204030204"/>
+            </a:endParaRPr>
+          </a:p>
+        </p:txBody>
+      </p:sp>
     </p:spTree>
     <p:extLst>
       <p:ext uri="{BB962C8B-B14F-4D97-AF65-F5344CB8AC3E}">
-        <p14:creationId xmlns:p14="http://schemas.microsoft.com/office/powerpoint/2010/main" val="1318835934"/>
+        <p14:creationId xmlns:p14="http://schemas.microsoft.com/office/powerpoint/2010/main" val="2705680341"/>
       </p:ext>
     </p:extLst>
   </p:cSld>
@@ -6796,6 +8079,185 @@
     <p:extLst>
       <p:ext uri="{BB962C8B-B14F-4D97-AF65-F5344CB8AC3E}">
         <p14:creationId xmlns:p14="http://schemas.microsoft.com/office/powerpoint/2010/main" val="1122463942"/>
+      </p:ext>
+    </p:extLst>
+  </p:cSld>
+  <p:clrMapOvr>
+    <a:masterClrMapping/>
+  </p:clrMapOvr>
+</p:sld>
+</file>
+
+<file path=ppt/slides/slide20.xml><?xml version="1.0" encoding="utf-8"?>
+<p:sld xmlns:a="http://schemas.openxmlformats.org/drawingml/2006/main" xmlns:r="http://schemas.openxmlformats.org/officeDocument/2006/relationships" xmlns:p="http://schemas.openxmlformats.org/presentationml/2006/main">
+  <p:cSld>
+    <p:spTree>
+      <p:nvGrpSpPr>
+        <p:cNvPr id="1" name=""/>
+        <p:cNvGrpSpPr/>
+        <p:nvPr/>
+      </p:nvGrpSpPr>
+      <p:grpSpPr>
+        <a:xfrm>
+          <a:off x="0" y="0"/>
+          <a:ext cx="0" cy="0"/>
+          <a:chOff x="0" y="0"/>
+          <a:chExt cx="0" cy="0"/>
+        </a:xfrm>
+      </p:grpSpPr>
+      <p:sp>
+        <p:nvSpPr>
+          <p:cNvPr id="2" name="Title 1"/>
+          <p:cNvSpPr>
+            <a:spLocks noGrp="1"/>
+          </p:cNvSpPr>
+          <p:nvPr>
+            <p:ph type="title"/>
+          </p:nvPr>
+        </p:nvSpPr>
+        <p:spPr/>
+        <p:txBody>
+          <a:bodyPr/>
+          <a:lstStyle/>
+          <a:p>
+            <a:r>
+              <a:rPr lang="en-US" dirty="0" smtClean="0"/>
+              <a:t>Performance profiling of the Geometry library.</a:t>
+            </a:r>
+            <a:endParaRPr lang="en-US" dirty="0"/>
+          </a:p>
+        </p:txBody>
+      </p:sp>
+      <p:pic>
+        <p:nvPicPr>
+          <p:cNvPr id="4" name="Picture 3"/>
+          <p:cNvPicPr>
+            <a:picLocks noChangeAspect="1"/>
+          </p:cNvPicPr>
+          <p:nvPr/>
+        </p:nvPicPr>
+        <p:blipFill>
+          <a:blip r:embed="rId2"/>
+          <a:stretch>
+            <a:fillRect/>
+          </a:stretch>
+        </p:blipFill>
+        <p:spPr>
+          <a:xfrm>
+            <a:off x="2527069" y="1825625"/>
+            <a:ext cx="7143312" cy="4598902"/>
+          </a:xfrm>
+          <a:prstGeom prst="rect">
+            <a:avLst/>
+          </a:prstGeom>
+        </p:spPr>
+      </p:pic>
+    </p:spTree>
+    <p:extLst>
+      <p:ext uri="{BB962C8B-B14F-4D97-AF65-F5344CB8AC3E}">
+        <p14:creationId xmlns:p14="http://schemas.microsoft.com/office/powerpoint/2010/main" val="1701966811"/>
+      </p:ext>
+    </p:extLst>
+  </p:cSld>
+  <p:clrMapOvr>
+    <a:masterClrMapping/>
+  </p:clrMapOvr>
+</p:sld>
+</file>
+
+<file path=ppt/slides/slide21.xml><?xml version="1.0" encoding="utf-8"?>
+<p:sld xmlns:a="http://schemas.openxmlformats.org/drawingml/2006/main" xmlns:r="http://schemas.openxmlformats.org/officeDocument/2006/relationships" xmlns:p="http://schemas.openxmlformats.org/presentationml/2006/main">
+  <p:cSld>
+    <p:spTree>
+      <p:nvGrpSpPr>
+        <p:cNvPr id="1" name=""/>
+        <p:cNvGrpSpPr/>
+        <p:nvPr/>
+      </p:nvGrpSpPr>
+      <p:grpSpPr>
+        <a:xfrm>
+          <a:off x="0" y="0"/>
+          <a:ext cx="0" cy="0"/>
+          <a:chOff x="0" y="0"/>
+          <a:chExt cx="0" cy="0"/>
+        </a:xfrm>
+      </p:grpSpPr>
+      <p:sp>
+        <p:nvSpPr>
+          <p:cNvPr id="2" name="Title 1">
+            <a:extLst>
+              <a:ext uri="{FF2B5EF4-FFF2-40B4-BE49-F238E27FC236}">
+                <a16:creationId xmlns:a16="http://schemas.microsoft.com/office/drawing/2014/main" id="{BCA305F7-91A0-40CA-B786-E2BD60DB8BB9}"/>
+              </a:ext>
+            </a:extLst>
+          </p:cNvPr>
+          <p:cNvSpPr>
+            <a:spLocks noGrp="1"/>
+          </p:cNvSpPr>
+          <p:nvPr>
+            <p:ph type="title"/>
+          </p:nvPr>
+        </p:nvSpPr>
+        <p:spPr/>
+        <p:txBody>
+          <a:bodyPr/>
+          <a:lstStyle/>
+          <a:p>
+            <a:r>
+              <a:rPr lang="en-US" dirty="0" smtClean="0">
+                <a:cs typeface="Calibri Light"/>
+              </a:rPr>
+              <a:t>Performance profiling of the </a:t>
+            </a:r>
+            <a:r>
+              <a:rPr lang="en-US" dirty="0" err="1" smtClean="0">
+                <a:cs typeface="Calibri Light"/>
+              </a:rPr>
+              <a:t>MapGen</a:t>
+            </a:r>
+            <a:r>
+              <a:rPr lang="en-US" dirty="0" smtClean="0">
+                <a:cs typeface="Calibri Light"/>
+              </a:rPr>
+              <a:t> library.</a:t>
+            </a:r>
+            <a:endParaRPr lang="en-US" dirty="0"/>
+          </a:p>
+        </p:txBody>
+      </p:sp>
+      <p:pic>
+        <p:nvPicPr>
+          <p:cNvPr id="4" name="Picture 4" descr="Table&#10;&#10;Description automatically generated">
+            <a:extLst>
+              <a:ext uri="{FF2B5EF4-FFF2-40B4-BE49-F238E27FC236}">
+                <a16:creationId xmlns:a16="http://schemas.microsoft.com/office/drawing/2014/main" id="{BEBC6E6C-3B4E-4427-BC24-48A2C4019217}"/>
+              </a:ext>
+            </a:extLst>
+          </p:cNvPr>
+          <p:cNvPicPr>
+            <a:picLocks noGrp="1" noChangeAspect="1"/>
+          </p:cNvPicPr>
+          <p:nvPr>
+            <p:ph idx="1"/>
+          </p:nvPr>
+        </p:nvPicPr>
+        <p:blipFill>
+          <a:blip r:embed="rId2"/>
+          <a:stretch>
+            <a:fillRect/>
+          </a:stretch>
+        </p:blipFill>
+        <p:spPr>
+          <a:xfrm>
+            <a:off x="2452222" y="1825625"/>
+            <a:ext cx="7287556" cy="4351338"/>
+          </a:xfrm>
+        </p:spPr>
+      </p:pic>
+    </p:spTree>
+    <p:extLst>
+      <p:ext uri="{BB962C8B-B14F-4D97-AF65-F5344CB8AC3E}">
+        <p14:creationId xmlns:p14="http://schemas.microsoft.com/office/powerpoint/2010/main" val="476161129"/>
       </p:ext>
     </p:extLst>
   </p:cSld>
@@ -7383,30 +8845,22 @@
         </p:nvSpPr>
         <p:spPr/>
         <p:txBody>
-          <a:bodyPr>
-            <a:noAutofit/>
-          </a:bodyPr>
+          <a:bodyPr/>
           <a:lstStyle/>
           <a:p>
             <a:r>
-              <a:rPr lang="en-US" sz="3200" dirty="0">
+              <a:rPr lang="en-US" dirty="0">
                 <a:cs typeface="Calibri Light"/>
               </a:rPr>
-              <a:t>Current implementation is based on binary assertions.  This is typical for simplicity.  For robustness, assertions pair well with rounding so that computational </a:t>
-            </a:r>
-            <a:r>
-              <a:rPr lang="en-US" sz="3200">
+              <a:t>Current implementation is based on binary </a:t>
+            </a:r>
+            <a:r>
+              <a:rPr lang="en-US">
                 <a:cs typeface="Calibri Light"/>
               </a:rPr>
-              <a:t>precision error does </a:t>
-            </a:r>
-            <a:r>
-              <a:rPr lang="en-US" sz="3200" dirty="0">
-                <a:cs typeface="Calibri Light"/>
-              </a:rPr>
-              <a:t>not cause the test to be “flakey” (inconsistent)</a:t>
-            </a:r>
-            <a:endParaRPr lang="en-US" sz="3200" dirty="0"/>
+              <a:t>assertions.  This is typical for simplicity.</a:t>
+            </a:r>
+            <a:endParaRPr lang="en-US"/>
           </a:p>
         </p:txBody>
       </p:sp>
@@ -8887,7 +10341,7 @@
         <p:spPr>
           <a:xfrm>
             <a:off x="1477475" y="1810211"/>
-            <a:ext cx="8939375" cy="338554"/>
+            <a:ext cx="8939375" cy="461665"/>
           </a:xfrm>
           <a:prstGeom prst="rect">
             <a:avLst/>
@@ -9000,7 +10454,7 @@
           </a:lstStyle>
           <a:p>
             <a:r>
-              <a:rPr lang="en-US" sz="1600" dirty="0">
+              <a:rPr lang="en-US" sz="1200" dirty="0">
                 <a:latin typeface="Courier New"/>
                 <a:ea typeface="+mn-lt"/>
                 <a:cs typeface="+mn-lt"/>
@@ -9008,22 +10462,47 @@
               <a:t>results = run(</a:t>
             </a:r>
             <a:r>
-              <a:rPr lang="en-US" sz="1600" dirty="0">
-                <a:latin typeface="Courier New"/>
-                <a:ea typeface="+mn-lt"/>
-                <a:cs typeface="Courier New"/>
-              </a:rPr>
-              <a:t>suite_geometry_circleCenterFrom3Points</a:t>
-            </a:r>
-            <a:r>
-              <a:rPr lang="en-US" sz="1600" dirty="0">
+              <a:rPr lang="en-US" sz="1200" dirty="0">
+                <a:solidFill>
+                  <a:srgbClr val="FF0000"/>
+                </a:solidFill>
+                <a:latin typeface="Courier New"/>
+                <a:ea typeface="+mn-lt"/>
+                <a:cs typeface="+mn-lt"/>
+              </a:rPr>
+              <a:t>'</a:t>
+            </a:r>
+            <a:r>
+              <a:rPr lang="en-US" sz="1200" dirty="0" err="1">
+                <a:solidFill>
+                  <a:srgbClr val="FF0000"/>
+                </a:solidFill>
+                <a:latin typeface="Courier New"/>
+                <a:ea typeface="+mn-lt"/>
+                <a:cs typeface="+mn-lt"/>
+              </a:rPr>
+              <a:t>script_test_fcn_geometry_findIntersectionOfSegments</a:t>
+            </a:r>
+            <a:r>
+              <a:rPr lang="en-US" sz="1200" dirty="0">
+                <a:solidFill>
+                  <a:srgbClr val="FF0000"/>
+                </a:solidFill>
+                <a:latin typeface="Courier New"/>
+                <a:ea typeface="+mn-lt"/>
+                <a:cs typeface="+mn-lt"/>
+              </a:rPr>
+              <a:t>/SimpleTest1_ASimpleIntersection'</a:t>
+            </a:r>
+            <a:r>
+              <a:rPr lang="en-US" sz="1200" dirty="0">
                 <a:latin typeface="Courier New"/>
                 <a:ea typeface="+mn-lt"/>
                 <a:cs typeface="+mn-lt"/>
               </a:rPr>
               <a:t>)</a:t>
             </a:r>
-            <a:endParaRPr lang="en-US" dirty="0">
+            <a:endParaRPr lang="en-US" sz="1400" dirty="0">
               <a:latin typeface="Courier New"/>
               <a:ea typeface="+mn-lt"/>
               <a:cs typeface="+mn-lt"/>
@@ -9045,8 +10524,8 @@
         </p:nvSpPr>
         <p:spPr>
           <a:xfrm>
-            <a:off x="1893393" y="3009002"/>
-            <a:ext cx="3597623" cy="2769989"/>
+            <a:off x="1627386" y="2468880"/>
+            <a:ext cx="8638832" cy="3970318"/>
           </a:xfrm>
           <a:prstGeom prst="rect">
             <a:avLst/>
@@ -9158,433 +10637,221 @@
           </a:lstStyle>
           <a:p>
             <a:r>
-              <a:rPr lang="en-US" sz="1200">
-                <a:latin typeface="Courier New"/>
-                <a:cs typeface="Courier New"/>
-              </a:rPr>
-              <a:t>&gt;&gt; </a:t>
-            </a:r>
-            <a:r>
-              <a:rPr lang="en-US" sz="1200">
-                <a:latin typeface="Courier New"/>
-                <a:ea typeface="+mn-lt"/>
-                <a:cs typeface="+mn-lt"/>
-              </a:rPr>
-              <a:t>suites = </a:t>
-            </a:r>
-            <a:endParaRPr lang="en-US" sz="1200">
+              <a:rPr lang="en-US" sz="1200" dirty="0">
+                <a:latin typeface="Courier New"/>
+                <a:cs typeface="Courier New"/>
+              </a:rPr>
+              <a:t>Simple intersection result: </a:t>
+            </a:r>
+          </a:p>
+          <a:p>
+            <a:r>
+              <a:rPr lang="en-US" sz="1200" dirty="0">
+                <a:latin typeface="Courier New"/>
+                <a:cs typeface="Courier New"/>
+              </a:rPr>
+              <a:t>.</a:t>
+            </a:r>
+          </a:p>
+          <a:p>
+            <a:r>
+              <a:rPr lang="en-US" sz="1200" dirty="0">
+                <a:latin typeface="Courier New"/>
+                <a:cs typeface="Courier New"/>
+              </a:rPr>
+              <a:t>Done </a:t>
+            </a:r>
+            <a:r>
+              <a:rPr lang="en-US" sz="1200" dirty="0" err="1">
+                <a:latin typeface="Courier New"/>
+                <a:cs typeface="Courier New"/>
+              </a:rPr>
+              <a:t>script_test_fcn_geometry_findIntersectionOfSegments</a:t>
+            </a:r>
+            <a:endParaRPr lang="en-US" sz="1200" dirty="0">
               <a:latin typeface="Courier New"/>
               <a:cs typeface="Courier New"/>
             </a:endParaRPr>
           </a:p>
           <a:p>
-            <a:endParaRPr lang="en-US" dirty="0">
+            <a:r>
+              <a:rPr lang="en-US" sz="1200" dirty="0">
+                <a:latin typeface="Courier New"/>
+                <a:cs typeface="Courier New"/>
+              </a:rPr>
+              <a:t>__________</a:t>
+            </a:r>
+          </a:p>
+          <a:p>
+            <a:endParaRPr lang="en-US" sz="1200" dirty="0">
               <a:latin typeface="Courier New"/>
               <a:cs typeface="Courier New"/>
             </a:endParaRPr>
           </a:p>
           <a:p>
-            <a:r>
-              <a:rPr lang="en-US" sz="1200">
-                <a:latin typeface="Courier New"/>
-                <a:ea typeface="+mn-lt"/>
-                <a:cs typeface="+mn-lt"/>
-              </a:rPr>
-              <a:t>  1×8 Test array with properties:</a:t>
-            </a:r>
-            <a:endParaRPr lang="en-US">
+            <a:endParaRPr lang="en-US" sz="1200" dirty="0">
               <a:latin typeface="Courier New"/>
               <a:cs typeface="Courier New"/>
             </a:endParaRPr>
           </a:p>
           <a:p>
-            <a:endParaRPr lang="en-US" dirty="0">
+            <a:r>
+              <a:rPr lang="en-US" sz="1200" dirty="0">
+                <a:latin typeface="Courier New"/>
+                <a:cs typeface="Courier New"/>
+              </a:rPr>
+              <a:t>results = </a:t>
+            </a:r>
+          </a:p>
+          <a:p>
+            <a:endParaRPr lang="en-US" sz="1200" dirty="0">
               <a:latin typeface="Courier New"/>
               <a:cs typeface="Courier New"/>
             </a:endParaRPr>
           </a:p>
           <a:p>
             <a:r>
-              <a:rPr lang="en-US" sz="1200">
-                <a:latin typeface="Courier New"/>
-                <a:ea typeface="+mn-lt"/>
-                <a:cs typeface="+mn-lt"/>
-              </a:rPr>
-              <a:t>    Name</a:t>
-            </a:r>
-            <a:endParaRPr lang="en-US">
+              <a:rPr lang="en-US" sz="1200" dirty="0">
+                <a:latin typeface="Courier New"/>
+                <a:cs typeface="Courier New"/>
+              </a:rPr>
+              <a:t>  </a:t>
+            </a:r>
+            <a:r>
+              <a:rPr lang="en-US" sz="1200" dirty="0" err="1">
+                <a:latin typeface="Courier New"/>
+                <a:cs typeface="Courier New"/>
+              </a:rPr>
+              <a:t>TestResult</a:t>
+            </a:r>
+            <a:r>
+              <a:rPr lang="en-US" sz="1200" dirty="0">
+                <a:latin typeface="Courier New"/>
+                <a:cs typeface="Courier New"/>
+              </a:rPr>
+              <a:t> with properties:</a:t>
+            </a:r>
+          </a:p>
+          <a:p>
+            <a:endParaRPr lang="en-US" sz="1200" dirty="0">
               <a:latin typeface="Courier New"/>
               <a:cs typeface="Courier New"/>
             </a:endParaRPr>
           </a:p>
           <a:p>
             <a:r>
-              <a:rPr lang="en-US" sz="1200">
-                <a:latin typeface="Courier New"/>
-                <a:ea typeface="+mn-lt"/>
-                <a:cs typeface="+mn-lt"/>
-              </a:rPr>
-              <a:t>    ProcedureName</a:t>
-            </a:r>
-            <a:endParaRPr lang="en-US">
+              <a:rPr lang="en-US" sz="1200" dirty="0">
+                <a:latin typeface="Courier New"/>
+                <a:cs typeface="Courier New"/>
+              </a:rPr>
+              <a:t>          Name: '</a:t>
+            </a:r>
+            <a:r>
+              <a:rPr lang="en-US" sz="1200" dirty="0" err="1">
+                <a:latin typeface="Courier New"/>
+                <a:cs typeface="Courier New"/>
+              </a:rPr>
+              <a:t>script_test_fcn_geometry_findIntersectionOfSegments</a:t>
+            </a:r>
+            <a:r>
+              <a:rPr lang="en-US" sz="1200" dirty="0">
+                <a:latin typeface="Courier New"/>
+                <a:cs typeface="Courier New"/>
+              </a:rPr>
+              <a:t>/SimpleTest1_ASimpleIntersection'</a:t>
+            </a:r>
+          </a:p>
+          <a:p>
+            <a:r>
+              <a:rPr lang="en-US" sz="1200" dirty="0">
+                <a:latin typeface="Courier New"/>
+                <a:cs typeface="Courier New"/>
+              </a:rPr>
+              <a:t>        Passed: 1</a:t>
+            </a:r>
+          </a:p>
+          <a:p>
+            <a:r>
+              <a:rPr lang="en-US" sz="1200" dirty="0">
+                <a:latin typeface="Courier New"/>
+                <a:cs typeface="Courier New"/>
+              </a:rPr>
+              <a:t>        Failed: 0</a:t>
+            </a:r>
+          </a:p>
+          <a:p>
+            <a:r>
+              <a:rPr lang="en-US" sz="1200" dirty="0">
+                <a:latin typeface="Courier New"/>
+                <a:cs typeface="Courier New"/>
+              </a:rPr>
+              <a:t>    Incomplete: 0</a:t>
+            </a:r>
+          </a:p>
+          <a:p>
+            <a:r>
+              <a:rPr lang="en-US" sz="1200" dirty="0">
+                <a:latin typeface="Courier New"/>
+                <a:cs typeface="Courier New"/>
+              </a:rPr>
+              <a:t>      Duration: 0.5964</a:t>
+            </a:r>
+          </a:p>
+          <a:p>
+            <a:r>
+              <a:rPr lang="en-US" sz="1200" dirty="0">
+                <a:latin typeface="Courier New"/>
+                <a:cs typeface="Courier New"/>
+              </a:rPr>
+              <a:t>       Details: [1×1 </a:t>
+            </a:r>
+            <a:r>
+              <a:rPr lang="en-US" sz="1200" dirty="0" err="1">
+                <a:latin typeface="Courier New"/>
+                <a:cs typeface="Courier New"/>
+              </a:rPr>
+              <a:t>struct</a:t>
+            </a:r>
+            <a:r>
+              <a:rPr lang="en-US" sz="1200" dirty="0">
+                <a:latin typeface="Courier New"/>
+                <a:cs typeface="Courier New"/>
+              </a:rPr>
+              <a:t>]</a:t>
+            </a:r>
+          </a:p>
+          <a:p>
+            <a:endParaRPr lang="en-US" sz="1200" dirty="0">
               <a:latin typeface="Courier New"/>
               <a:cs typeface="Courier New"/>
             </a:endParaRPr>
           </a:p>
           <a:p>
             <a:r>
-              <a:rPr lang="en-US" sz="1200">
-                <a:latin typeface="Courier New"/>
-                <a:ea typeface="+mn-lt"/>
-                <a:cs typeface="+mn-lt"/>
-              </a:rPr>
-              <a:t>    TestClass</a:t>
-            </a:r>
-            <a:endParaRPr lang="en-US">
-              <a:latin typeface="Courier New"/>
-              <a:cs typeface="Courier New"/>
-            </a:endParaRPr>
-          </a:p>
-          <a:p>
-            <a:r>
-              <a:rPr lang="en-US" sz="1200">
-                <a:latin typeface="Courier New"/>
-                <a:ea typeface="+mn-lt"/>
-                <a:cs typeface="+mn-lt"/>
-              </a:rPr>
-              <a:t>    BaseFolder</a:t>
-            </a:r>
-            <a:endParaRPr lang="en-US">
-              <a:latin typeface="Courier New"/>
-              <a:cs typeface="Courier New"/>
-            </a:endParaRPr>
-          </a:p>
-          <a:p>
-            <a:r>
-              <a:rPr lang="en-US" sz="1200">
-                <a:latin typeface="Courier New"/>
-                <a:ea typeface="+mn-lt"/>
-                <a:cs typeface="+mn-lt"/>
-              </a:rPr>
-              <a:t>    Parameterization</a:t>
-            </a:r>
-            <a:endParaRPr lang="en-US">
-              <a:latin typeface="Courier New"/>
-              <a:cs typeface="Courier New"/>
-            </a:endParaRPr>
-          </a:p>
-          <a:p>
-            <a:r>
-              <a:rPr lang="en-US" sz="1200">
-                <a:latin typeface="Courier New"/>
-                <a:ea typeface="+mn-lt"/>
-                <a:cs typeface="+mn-lt"/>
-              </a:rPr>
-              <a:t>    SharedTestFixtures</a:t>
-            </a:r>
-            <a:endParaRPr lang="en-US">
-              <a:latin typeface="Courier New"/>
-              <a:cs typeface="Courier New"/>
-            </a:endParaRPr>
-          </a:p>
-          <a:p>
-            <a:r>
-              <a:rPr lang="en-US" sz="1200">
-                <a:latin typeface="Courier New"/>
-                <a:ea typeface="+mn-lt"/>
-                <a:cs typeface="+mn-lt"/>
-              </a:rPr>
-              <a:t>    Tags</a:t>
-            </a:r>
-            <a:endParaRPr lang="en-US">
-              <a:latin typeface="Courier New"/>
-              <a:cs typeface="Courier New"/>
-            </a:endParaRPr>
-          </a:p>
-          <a:p>
-            <a:r>
-              <a:rPr lang="en-US">
-                <a:latin typeface="Courier New"/>
-                <a:cs typeface="Calibri" panose="020F0502020204030204"/>
-              </a:rPr>
-              <a:t>...</a:t>
-            </a:r>
-            <a:endParaRPr lang="en-US">
-              <a:latin typeface="Courier New"/>
-              <a:cs typeface="Courier New"/>
-            </a:endParaRPr>
-          </a:p>
-          <a:p>
-            <a:endParaRPr lang="en-US" sz="1200" dirty="0">
-              <a:latin typeface="Courier New"/>
-              <a:cs typeface="Calibri"/>
-            </a:endParaRPr>
-          </a:p>
-        </p:txBody>
-      </p:sp>
-      <p:sp>
-        <p:nvSpPr>
-          <p:cNvPr id="8" name="TextBox 1">
-            <a:extLst>
-              <a:ext uri="{FF2B5EF4-FFF2-40B4-BE49-F238E27FC236}">
-                <a16:creationId xmlns:a16="http://schemas.microsoft.com/office/drawing/2014/main" id="{2903AA75-02C1-4CE3-8C86-D622FE837ACB}"/>
-              </a:ext>
-            </a:extLst>
-          </p:cNvPr>
-          <p:cNvSpPr txBox="1"/>
-          <p:nvPr/>
-        </p:nvSpPr>
-        <p:spPr>
-          <a:xfrm>
-            <a:off x="6514554" y="2628001"/>
-            <a:ext cx="3597623" cy="3416320"/>
-          </a:xfrm>
-          <a:prstGeom prst="rect">
-            <a:avLst/>
-          </a:prstGeom>
-          <a:solidFill>
-            <a:schemeClr val="bg1">
-              <a:lumMod val="85000"/>
-            </a:schemeClr>
-          </a:solidFill>
-        </p:spPr>
-        <p:txBody>
-          <a:bodyPr wrap="square" lIns="91440" tIns="45720" rIns="91440" bIns="45720" rtlCol="0" anchor="t">
-            <a:spAutoFit/>
-          </a:bodyPr>
-          <a:lstStyle>
-            <a:defPPr>
-              <a:defRPr lang="en-US"/>
-            </a:defPPr>
-            <a:lvl1pPr marL="0" algn="l" defTabSz="914400" rtl="0" eaLnBrk="1" latinLnBrk="0" hangingPunct="1">
-              <a:defRPr sz="1800" kern="1200">
-                <a:solidFill>
-                  <a:schemeClr val="tx1"/>
-                </a:solidFill>
-                <a:latin typeface="+mn-lt"/>
-                <a:ea typeface="+mn-ea"/>
-                <a:cs typeface="+mn-cs"/>
-              </a:defRPr>
-            </a:lvl1pPr>
-            <a:lvl2pPr marL="457200" algn="l" defTabSz="914400" rtl="0" eaLnBrk="1" latinLnBrk="0" hangingPunct="1">
-              <a:defRPr sz="1800" kern="1200">
-                <a:solidFill>
-                  <a:schemeClr val="tx1"/>
-                </a:solidFill>
-                <a:latin typeface="+mn-lt"/>
-                <a:ea typeface="+mn-ea"/>
-                <a:cs typeface="+mn-cs"/>
-              </a:defRPr>
-            </a:lvl2pPr>
-            <a:lvl3pPr marL="914400" algn="l" defTabSz="914400" rtl="0" eaLnBrk="1" latinLnBrk="0" hangingPunct="1">
-              <a:defRPr sz="1800" kern="1200">
-                <a:solidFill>
-                  <a:schemeClr val="tx1"/>
-                </a:solidFill>
-                <a:latin typeface="+mn-lt"/>
-                <a:ea typeface="+mn-ea"/>
-                <a:cs typeface="+mn-cs"/>
-              </a:defRPr>
-            </a:lvl3pPr>
-            <a:lvl4pPr marL="1371600" algn="l" defTabSz="914400" rtl="0" eaLnBrk="1" latinLnBrk="0" hangingPunct="1">
-              <a:defRPr sz="1800" kern="1200">
-                <a:solidFill>
-                  <a:schemeClr val="tx1"/>
-                </a:solidFill>
-                <a:latin typeface="+mn-lt"/>
-                <a:ea typeface="+mn-ea"/>
-                <a:cs typeface="+mn-cs"/>
-              </a:defRPr>
-            </a:lvl4pPr>
-            <a:lvl5pPr marL="1828800" algn="l" defTabSz="914400" rtl="0" eaLnBrk="1" latinLnBrk="0" hangingPunct="1">
-              <a:defRPr sz="1800" kern="1200">
-                <a:solidFill>
-                  <a:schemeClr val="tx1"/>
-                </a:solidFill>
-                <a:latin typeface="+mn-lt"/>
-                <a:ea typeface="+mn-ea"/>
-                <a:cs typeface="+mn-cs"/>
-              </a:defRPr>
-            </a:lvl5pPr>
-            <a:lvl6pPr marL="2286000" algn="l" defTabSz="914400" rtl="0" eaLnBrk="1" latinLnBrk="0" hangingPunct="1">
-              <a:defRPr sz="1800" kern="1200">
-                <a:solidFill>
-                  <a:schemeClr val="tx1"/>
-                </a:solidFill>
-                <a:latin typeface="+mn-lt"/>
-                <a:ea typeface="+mn-ea"/>
-                <a:cs typeface="+mn-cs"/>
-              </a:defRPr>
-            </a:lvl6pPr>
-            <a:lvl7pPr marL="2743200" algn="l" defTabSz="914400" rtl="0" eaLnBrk="1" latinLnBrk="0" hangingPunct="1">
-              <a:defRPr sz="1800" kern="1200">
-                <a:solidFill>
-                  <a:schemeClr val="tx1"/>
-                </a:solidFill>
-                <a:latin typeface="+mn-lt"/>
-                <a:ea typeface="+mn-ea"/>
-                <a:cs typeface="+mn-cs"/>
-              </a:defRPr>
-            </a:lvl7pPr>
-            <a:lvl8pPr marL="3200400" algn="l" defTabSz="914400" rtl="0" eaLnBrk="1" latinLnBrk="0" hangingPunct="1">
-              <a:defRPr sz="1800" kern="1200">
-                <a:solidFill>
-                  <a:schemeClr val="tx1"/>
-                </a:solidFill>
-                <a:latin typeface="+mn-lt"/>
-                <a:ea typeface="+mn-ea"/>
-                <a:cs typeface="+mn-cs"/>
-              </a:defRPr>
-            </a:lvl8pPr>
-            <a:lvl9pPr marL="3657600" algn="l" defTabSz="914400" rtl="0" eaLnBrk="1" latinLnBrk="0" hangingPunct="1">
-              <a:defRPr sz="1800" kern="1200">
-                <a:solidFill>
-                  <a:schemeClr val="tx1"/>
-                </a:solidFill>
-                <a:latin typeface="+mn-lt"/>
-                <a:ea typeface="+mn-ea"/>
-                <a:cs typeface="+mn-cs"/>
-              </a:defRPr>
-            </a:lvl9pPr>
-          </a:lstStyle>
-          <a:p>
-            <a:r>
-              <a:rPr lang="en-US" sz="1200">
-                <a:latin typeface="Courier New"/>
-                <a:ea typeface="+mn-lt"/>
-                <a:cs typeface="+mn-lt"/>
-              </a:rPr>
-              <a:t>...</a:t>
-            </a:r>
-            <a:endParaRPr lang="en-US" sz="1200" dirty="0">
-              <a:latin typeface="Courier New"/>
-              <a:ea typeface="+mn-lt"/>
-              <a:cs typeface="+mn-lt"/>
-            </a:endParaRPr>
-          </a:p>
-          <a:p>
-            <a:r>
-              <a:rPr lang="en-US" sz="1200">
-                <a:latin typeface="Courier New"/>
-                <a:ea typeface="+mn-lt"/>
-                <a:cs typeface="+mn-lt"/>
-              </a:rPr>
-              <a:t>Tests Include: </a:t>
-            </a:r>
-            <a:endParaRPr lang="en-US"/>
-          </a:p>
-          <a:p>
-            <a:r>
-              <a:rPr lang="en-US" sz="1200">
-                <a:latin typeface="Courier New"/>
-                <a:ea typeface="+mn-lt"/>
-                <a:cs typeface="+mn-lt"/>
-              </a:rPr>
-              <a:t>   0 Parameterizations, 0 Shared Test Fixture Classes, 0 Tags. </a:t>
-            </a:r>
-          </a:p>
-          <a:p>
-            <a:endParaRPr lang="en-US" sz="1200" dirty="0">
-              <a:latin typeface="Courier New"/>
-              <a:ea typeface="+mn-lt"/>
-              <a:cs typeface="+mn-lt"/>
-            </a:endParaRPr>
-          </a:p>
-          <a:p>
-            <a:r>
-              <a:rPr lang="en-US" sz="1200">
-                <a:latin typeface="Courier New"/>
-                <a:ea typeface="+mn-lt"/>
-                <a:cs typeface="+mn-lt"/>
-              </a:rPr>
-              <a:t>Running script_test_fcn_geometry_circleCenterFrom3Points </a:t>
-            </a:r>
-          </a:p>
-          <a:p>
-            <a:endParaRPr lang="en-US" sz="1200" dirty="0">
-              <a:latin typeface="Courier New"/>
-              <a:ea typeface="+mn-lt"/>
-              <a:cs typeface="+mn-lt"/>
-            </a:endParaRPr>
-          </a:p>
-          <a:p>
-            <a:endParaRPr lang="en-US" sz="1200" dirty="0">
-              <a:latin typeface="Courier New"/>
-              <a:ea typeface="+mn-lt"/>
-              <a:cs typeface="+mn-lt"/>
-            </a:endParaRPr>
-          </a:p>
-          <a:p>
-            <a:r>
-              <a:rPr lang="en-US" sz="1200">
-                <a:latin typeface="Courier New"/>
-                <a:ea typeface="+mn-lt"/>
-                <a:cs typeface="+mn-lt"/>
-              </a:rPr>
-              <a:t>Circle 1 </a:t>
-            </a:r>
-          </a:p>
-          <a:p>
-            <a:r>
-              <a:rPr lang="en-US" sz="1200">
-                <a:latin typeface="Courier New"/>
-                <a:ea typeface="+mn-lt"/>
-                <a:cs typeface="+mn-lt"/>
-              </a:rPr>
-              <a:t>Points 1: 0.00 0.00 </a:t>
-            </a:r>
-          </a:p>
-          <a:p>
-            <a:r>
-              <a:rPr lang="en-US" sz="1200">
-                <a:latin typeface="Courier New"/>
-                <a:ea typeface="+mn-lt"/>
-                <a:cs typeface="+mn-lt"/>
-              </a:rPr>
-              <a:t>Points 2: 1.00 4.00 </a:t>
-            </a:r>
-          </a:p>
-          <a:p>
-            <a:r>
-              <a:rPr lang="en-US" sz="1200">
-                <a:latin typeface="Courier New"/>
-                <a:ea typeface="+mn-lt"/>
-                <a:cs typeface="+mn-lt"/>
-              </a:rPr>
-              <a:t>Points 3: 0.50 -1.00 </a:t>
-            </a:r>
-          </a:p>
-          <a:p>
-            <a:r>
-              <a:rPr lang="en-US" sz="1200">
-                <a:latin typeface="Courier New"/>
-                <a:ea typeface="+mn-lt"/>
-                <a:cs typeface="+mn-lt"/>
-              </a:rPr>
-              <a:t>Centers: 3.67 1.21 </a:t>
-            </a:r>
-          </a:p>
-          <a:p>
-            <a:r>
-              <a:rPr lang="en-US" sz="1200">
-                <a:latin typeface="Courier New"/>
-                <a:ea typeface="+mn-lt"/>
-                <a:cs typeface="+mn-lt"/>
-              </a:rPr>
-              <a:t>Radii: 3.86  </a:t>
-            </a:r>
-          </a:p>
-          <a:p>
-            <a:r>
-              <a:rPr lang="en-US" sz="1200">
-                <a:latin typeface="Courier New"/>
-                <a:ea typeface="+mn-lt"/>
-                <a:cs typeface="+mn-lt"/>
-              </a:rPr>
-              <a:t>.26  fig_num = 100;</a:t>
-            </a:r>
-          </a:p>
-          <a:p>
+              <a:rPr lang="en-US" sz="1200" dirty="0">
+                <a:latin typeface="Courier New"/>
+                <a:cs typeface="Courier New"/>
+              </a:rPr>
+              <a:t>Totals:</a:t>
+            </a:r>
+          </a:p>
+          <a:p>
+            <a:r>
+              <a:rPr lang="en-US" sz="1200" dirty="0">
+                <a:latin typeface="Courier New"/>
+                <a:cs typeface="Courier New"/>
+              </a:rPr>
+              <a:t>   1 Passed, 0 Failed, 0 Incomplete.</a:t>
+            </a:r>
+          </a:p>
+          <a:p>
+            <a:r>
+              <a:rPr lang="en-US" sz="1200" dirty="0">
+                <a:latin typeface="Courier New"/>
+                <a:cs typeface="Courier New"/>
+              </a:rPr>
+              <a:t>   0.59645 seconds testing time.</a:t>
+            </a:r>
             <a:endParaRPr lang="en-US" sz="1200" dirty="0">
               <a:latin typeface="Courier New"/>
               <a:cs typeface="Calibri"/>
@@ -9864,292 +11131,4 @@
     </a:ext>
   </a:extLst>
 </a:theme>
-</file>
-
-<file path=customXml/item1.xml><?xml version="1.0" encoding="utf-8"?>
-<?mso-contentType ?>
-<FormTemplates xmlns="http://schemas.microsoft.com/sharepoint/v3/contenttype/forms">
-  <Display>DocumentLibraryForm</Display>
-  <Edit>DocumentLibraryForm</Edit>
-  <New>DocumentLibraryForm</New>
-</FormTemplates>
-</file>
-
-<file path=customXml/item2.xml><?xml version="1.0" encoding="utf-8"?>
-<ct:contentTypeSchema xmlns:ct="http://schemas.microsoft.com/office/2006/metadata/contentType" xmlns:ma="http://schemas.microsoft.com/office/2006/metadata/properties/metaAttributes" ct:_="" ma:_="" ma:contentTypeName="Document" ma:contentTypeID="0x010100F38B8CB40D70B14C8E4D51682F6553DB" ma:contentTypeVersion="14" ma:contentTypeDescription="Create a new document." ma:contentTypeScope="" ma:versionID="2c3f81097a3c7aa59b1a856ff689384b">
-  <xsd:schema xmlns:xsd="http://www.w3.org/2001/XMLSchema" xmlns:xs="http://www.w3.org/2001/XMLSchema" xmlns:p="http://schemas.microsoft.com/office/2006/metadata/properties" xmlns:ns3="229b778c-4269-4bec-8cd8-a19ac5d4df77" xmlns:ns4="7e5bf9d8-c429-4c51-b29d-7601a8832a99" targetNamespace="http://schemas.microsoft.com/office/2006/metadata/properties" ma:root="true" ma:fieldsID="600eab7384c27e9b49af7ac33660594f" ns3:_="" ns4:_="">
-    <xsd:import namespace="229b778c-4269-4bec-8cd8-a19ac5d4df77"/>
-    <xsd:import namespace="7e5bf9d8-c429-4c51-b29d-7601a8832a99"/>
-    <xsd:element name="properties">
-      <xsd:complexType>
-        <xsd:sequence>
-          <xsd:element name="documentManagement">
-            <xsd:complexType>
-              <xsd:all>
-                <xsd:element ref="ns3:MediaServiceMetadata" minOccurs="0"/>
-                <xsd:element ref="ns3:MediaServiceFastMetadata" minOccurs="0"/>
-                <xsd:element ref="ns3:MediaServiceAutoTags" minOccurs="0"/>
-                <xsd:element ref="ns3:MediaServiceOCR" minOccurs="0"/>
-                <xsd:element ref="ns3:MediaServiceGenerationTime" minOccurs="0"/>
-                <xsd:element ref="ns3:MediaServiceEventHashCode" minOccurs="0"/>
-                <xsd:element ref="ns3:MediaServiceDateTaken" minOccurs="0"/>
-                <xsd:element ref="ns3:MediaServiceLocation" minOccurs="0"/>
-                <xsd:element ref="ns3:MediaServiceAutoKeyPoints" minOccurs="0"/>
-                <xsd:element ref="ns3:MediaServiceKeyPoints" minOccurs="0"/>
-                <xsd:element ref="ns4:SharedWithUsers" minOccurs="0"/>
-                <xsd:element ref="ns4:SharedWithDetails" minOccurs="0"/>
-                <xsd:element ref="ns4:SharingHintHash" minOccurs="0"/>
-                <xsd:element ref="ns3:MediaLengthInSeconds" minOccurs="0"/>
-              </xsd:all>
-            </xsd:complexType>
-          </xsd:element>
-        </xsd:sequence>
-      </xsd:complexType>
-    </xsd:element>
-  </xsd:schema>
-  <xsd:schema xmlns:xsd="http://www.w3.org/2001/XMLSchema" xmlns:xs="http://www.w3.org/2001/XMLSchema" xmlns:dms="http://schemas.microsoft.com/office/2006/documentManagement/types" xmlns:pc="http://schemas.microsoft.com/office/infopath/2007/PartnerControls" targetNamespace="229b778c-4269-4bec-8cd8-a19ac5d4df77" elementFormDefault="qualified">
-    <xsd:import namespace="http://schemas.microsoft.com/office/2006/documentManagement/types"/>
-    <xsd:import namespace="http://schemas.microsoft.com/office/infopath/2007/PartnerControls"/>
-    <xsd:element name="MediaServiceMetadata" ma:index="8" nillable="true" ma:displayName="MediaServiceMetadata" ma:hidden="true" ma:internalName="MediaServiceMetadata" ma:readOnly="true">
-      <xsd:simpleType>
-        <xsd:restriction base="dms:Note"/>
-      </xsd:simpleType>
-    </xsd:element>
-    <xsd:element name="MediaServiceFastMetadata" ma:index="9" nillable="true" ma:displayName="MediaServiceFastMetadata" ma:hidden="true" ma:internalName="MediaServiceFastMetadata" ma:readOnly="true">
-      <xsd:simpleType>
-        <xsd:restriction base="dms:Note"/>
-      </xsd:simpleType>
-    </xsd:element>
-    <xsd:element name="MediaServiceAutoTags" ma:index="10" nillable="true" ma:displayName="Tags" ma:internalName="MediaServiceAutoTags" ma:readOnly="true">
-      <xsd:simpleType>
-        <xsd:restriction base="dms:Text"/>
-      </xsd:simpleType>
-    </xsd:element>
-    <xsd:element name="MediaServiceOCR" ma:index="11" nillable="true" ma:displayName="Extracted Text" ma:internalName="MediaServiceOCR" ma:readOnly="true">
-      <xsd:simpleType>
-        <xsd:restriction base="dms:Note">
-          <xsd:maxLength value="255"/>
-        </xsd:restriction>
-      </xsd:simpleType>
-    </xsd:element>
-    <xsd:element name="MediaServiceGenerationTime" ma:index="12" nillable="true" ma:displayName="MediaServiceGenerationTime" ma:hidden="true" ma:internalName="MediaServiceGenerationTime" ma:readOnly="true">
-      <xsd:simpleType>
-        <xsd:restriction base="dms:Text"/>
-      </xsd:simpleType>
-    </xsd:element>
-    <xsd:element name="MediaServiceEventHashCode" ma:index="13" nillable="true" ma:displayName="MediaServiceEventHashCode" ma:hidden="true" ma:internalName="MediaServiceEventHashCode" ma:readOnly="true">
-      <xsd:simpleType>
-        <xsd:restriction base="dms:Text"/>
-      </xsd:simpleType>
-    </xsd:element>
-    <xsd:element name="MediaServiceDateTaken" ma:index="14" nillable="true" ma:displayName="MediaServiceDateTaken" ma:hidden="true" ma:internalName="MediaServiceDateTaken" ma:readOnly="true">
-      <xsd:simpleType>
-        <xsd:restriction base="dms:Text"/>
-      </xsd:simpleType>
-    </xsd:element>
-    <xsd:element name="MediaServiceLocation" ma:index="15" nillable="true" ma:displayName="Location" ma:internalName="MediaServiceLocation" ma:readOnly="true">
-      <xsd:simpleType>
-        <xsd:restriction base="dms:Text"/>
-      </xsd:simpleType>
-    </xsd:element>
-    <xsd:element name="MediaServiceAutoKeyPoints" ma:index="16" nillable="true" ma:displayName="MediaServiceAutoKeyPoints" ma:hidden="true" ma:internalName="MediaServiceAutoKeyPoints" ma:readOnly="true">
-      <xsd:simpleType>
-        <xsd:restriction base="dms:Note"/>
-      </xsd:simpleType>
-    </xsd:element>
-    <xsd:element name="MediaServiceKeyPoints" ma:index="17" nillable="true" ma:displayName="KeyPoints" ma:internalName="MediaServiceKeyPoints" ma:readOnly="true">
-      <xsd:simpleType>
-        <xsd:restriction base="dms:Note">
-          <xsd:maxLength value="255"/>
-        </xsd:restriction>
-      </xsd:simpleType>
-    </xsd:element>
-    <xsd:element name="MediaLengthInSeconds" ma:index="21" nillable="true" ma:displayName="MediaLengthInSeconds" ma:hidden="true" ma:internalName="MediaLengthInSeconds" ma:readOnly="true">
-      <xsd:simpleType>
-        <xsd:restriction base="dms:Unknown"/>
-      </xsd:simpleType>
-    </xsd:element>
-  </xsd:schema>
-  <xsd:schema xmlns:xsd="http://www.w3.org/2001/XMLSchema" xmlns:xs="http://www.w3.org/2001/XMLSchema" xmlns:dms="http://schemas.microsoft.com/office/2006/documentManagement/types" xmlns:pc="http://schemas.microsoft.com/office/infopath/2007/PartnerControls" targetNamespace="7e5bf9d8-c429-4c51-b29d-7601a8832a99" elementFormDefault="qualified">
-    <xsd:import namespace="http://schemas.microsoft.com/office/2006/documentManagement/types"/>
-    <xsd:import namespace="http://schemas.microsoft.com/office/infopath/2007/PartnerControls"/>
-    <xsd:element name="SharedWithUsers" ma:index="18" nillable="true" ma:displayName="Shared With" ma:internalName="SharedWithUsers" ma:readOnly="true">
-      <xsd:complexType>
-        <xsd:complexContent>
-          <xsd:extension base="dms:UserMulti">
-            <xsd:sequence>
-              <xsd:element name="UserInfo" minOccurs="0" maxOccurs="unbounded">
-                <xsd:complexType>
-                  <xsd:sequence>
-                    <xsd:element name="DisplayName" type="xsd:string" minOccurs="0"/>
-                    <xsd:element name="AccountId" type="dms:UserId" minOccurs="0" nillable="true"/>
-                    <xsd:element name="AccountType" type="xsd:string" minOccurs="0"/>
-                  </xsd:sequence>
-                </xsd:complexType>
-              </xsd:element>
-            </xsd:sequence>
-          </xsd:extension>
-        </xsd:complexContent>
-      </xsd:complexType>
-    </xsd:element>
-    <xsd:element name="SharedWithDetails" ma:index="19" nillable="true" ma:displayName="Shared With Details" ma:internalName="SharedWithDetails" ma:readOnly="true">
-      <xsd:simpleType>
-        <xsd:restriction base="dms:Note">
-          <xsd:maxLength value="255"/>
-        </xsd:restriction>
-      </xsd:simpleType>
-    </xsd:element>
-    <xsd:element name="SharingHintHash" ma:index="20" nillable="true" ma:displayName="Sharing Hint Hash" ma:hidden="true" ma:internalName="SharingHintHash" ma:readOnly="true">
-      <xsd:simpleType>
-        <xsd:restriction base="dms:Text"/>
-      </xsd:simpleType>
-    </xsd:element>
-  </xsd:schema>
-  <xsd:schema xmlns="http://schemas.openxmlformats.org/package/2006/metadata/core-properties" xmlns:xsd="http://www.w3.org/2001/XMLSchema" xmlns:xsi="http://www.w3.org/2001/XMLSchema-instance" xmlns:dc="http://purl.org/dc/elements/1.1/" xmlns:dcterms="http://purl.org/dc/terms/" xmlns:odoc="http://schemas.microsoft.com/internal/obd" targetNamespace="http://schemas.openxmlformats.org/package/2006/metadata/core-properties" elementFormDefault="qualified" attributeFormDefault="unqualified" blockDefault="#all">
-    <xsd:import namespace="http://purl.org/dc/elements/1.1/" schemaLocation="http://dublincore.org/schemas/xmls/qdc/2003/04/02/dc.xsd"/>
-    <xsd:import namespace="http://purl.org/dc/terms/" schemaLocation="http://dublincore.org/schemas/xmls/qdc/2003/04/02/dcterms.xsd"/>
-    <xsd:element name="coreProperties" type="CT_coreProperties"/>
-    <xsd:complexType name="CT_coreProperties">
-      <xsd:all>
-        <xsd:element ref="dc:creator" minOccurs="0" maxOccurs="1"/>
-        <xsd:element ref="dcterms:created" minOccurs="0" maxOccurs="1"/>
-        <xsd:element ref="dc:identifier" minOccurs="0" maxOccurs="1"/>
-        <xsd:element name="contentType" minOccurs="0" maxOccurs="1" type="xsd:string" ma:index="0" ma:displayName="Content Type"/>
-        <xsd:element ref="dc:title" minOccurs="0" maxOccurs="1" ma:index="4" ma:displayName="Title"/>
-        <xsd:element ref="dc:subject" minOccurs="0" maxOccurs="1"/>
-        <xsd:element ref="dc:description" minOccurs="0" maxOccurs="1"/>
-        <xsd:element name="keywords" minOccurs="0" maxOccurs="1" type="xsd:string"/>
-        <xsd:element ref="dc:language" minOccurs="0" maxOccurs="1"/>
-        <xsd:element name="category" minOccurs="0" maxOccurs="1" type="xsd:string"/>
-        <xsd:element name="version" minOccurs="0" maxOccurs="1" type="xsd:string"/>
-        <xsd:element name="revision" minOccurs="0" maxOccurs="1" type="xsd:string">
-          <xsd:annotation>
-            <xsd:documentation>
-                        This value indicates the number of saves or revisions. The application is responsible for updating this value after each revision.
-                    </xsd:documentation>
-          </xsd:annotation>
-        </xsd:element>
-        <xsd:element name="lastModifiedBy" minOccurs="0" maxOccurs="1" type="xsd:string"/>
-        <xsd:element ref="dcterms:modified" minOccurs="0" maxOccurs="1"/>
-        <xsd:element name="contentStatus" minOccurs="0" maxOccurs="1" type="xsd:string"/>
-      </xsd:all>
-    </xsd:complexType>
-  </xsd:schema>
-  <xs:schema xmlns:pc="http://schemas.microsoft.com/office/infopath/2007/PartnerControls" xmlns:xs="http://www.w3.org/2001/XMLSchema" targetNamespace="http://schemas.microsoft.com/office/infopath/2007/PartnerControls" elementFormDefault="qualified" attributeFormDefault="unqualified">
-    <xs:element name="Person">
-      <xs:complexType>
-        <xs:sequence>
-          <xs:element ref="pc:DisplayName" minOccurs="0"/>
-          <xs:element ref="pc:AccountId" minOccurs="0"/>
-          <xs:element ref="pc:AccountType" minOccurs="0"/>
-        </xs:sequence>
-      </xs:complexType>
-    </xs:element>
-    <xs:element name="DisplayName" type="xs:string"/>
-    <xs:element name="AccountId" type="xs:string"/>
-    <xs:element name="AccountType" type="xs:string"/>
-    <xs:element name="BDCAssociatedEntity">
-      <xs:complexType>
-        <xs:sequence>
-          <xs:element ref="pc:BDCEntity" minOccurs="0" maxOccurs="unbounded"/>
-        </xs:sequence>
-        <xs:attribute ref="pc:EntityNamespace"/>
-        <xs:attribute ref="pc:EntityName"/>
-        <xs:attribute ref="pc:SystemInstanceName"/>
-        <xs:attribute ref="pc:AssociationName"/>
-      </xs:complexType>
-    </xs:element>
-    <xs:attribute name="EntityNamespace" type="xs:string"/>
-    <xs:attribute name="EntityName" type="xs:string"/>
-    <xs:attribute name="SystemInstanceName" type="xs:string"/>
-    <xs:attribute name="AssociationName" type="xs:string"/>
-    <xs:element name="BDCEntity">
-      <xs:complexType>
-        <xs:sequence>
-          <xs:element ref="pc:EntityDisplayName" minOccurs="0"/>
-          <xs:element ref="pc:EntityInstanceReference" minOccurs="0"/>
-          <xs:element ref="pc:EntityId1" minOccurs="0"/>
-          <xs:element ref="pc:EntityId2" minOccurs="0"/>
-          <xs:element ref="pc:EntityId3" minOccurs="0"/>
-          <xs:element ref="pc:EntityId4" minOccurs="0"/>
-          <xs:element ref="pc:EntityId5" minOccurs="0"/>
-        </xs:sequence>
-      </xs:complexType>
-    </xs:element>
-    <xs:element name="EntityDisplayName" type="xs:string"/>
-    <xs:element name="EntityInstanceReference" type="xs:string"/>
-    <xs:element name="EntityId1" type="xs:string"/>
-    <xs:element name="EntityId2" type="xs:string"/>
-    <xs:element name="EntityId3" type="xs:string"/>
-    <xs:element name="EntityId4" type="xs:string"/>
-    <xs:element name="EntityId5" type="xs:string"/>
-    <xs:element name="Terms">
-      <xs:complexType>
-        <xs:sequence>
-          <xs:element ref="pc:TermInfo" minOccurs="0" maxOccurs="unbounded"/>
-        </xs:sequence>
-      </xs:complexType>
-    </xs:element>
-    <xs:element name="TermInfo">
-      <xs:complexType>
-        <xs:sequence>
-          <xs:element ref="pc:TermName" minOccurs="0"/>
-          <xs:element ref="pc:TermId" minOccurs="0"/>
-        </xs:sequence>
-      </xs:complexType>
-    </xs:element>
-    <xs:element name="TermName" type="xs:string"/>
-    <xs:element name="TermId" type="xs:string"/>
-  </xs:schema>
-</ct:contentTypeSchema>
-</file>
-
-<file path=customXml/item3.xml><?xml version="1.0" encoding="utf-8"?>
-<p:properties xmlns:p="http://schemas.microsoft.com/office/2006/metadata/properties" xmlns:xsi="http://www.w3.org/2001/XMLSchema-instance" xmlns:pc="http://schemas.microsoft.com/office/infopath/2007/PartnerControls">
-  <documentManagement/>
-</p:properties>
-</file>
-
-<file path=customXml/itemProps1.xml><?xml version="1.0" encoding="utf-8"?>
-<ds:datastoreItem xmlns:ds="http://schemas.openxmlformats.org/officeDocument/2006/customXml" ds:itemID="{7578B56D-55F6-4857-A8FF-C2C7DA901C75}">
-  <ds:schemaRefs>
-    <ds:schemaRef ds:uri="http://schemas.microsoft.com/sharepoint/v3/contenttype/forms"/>
-  </ds:schemaRefs>
-</ds:datastoreItem>
-</file>
-
-<file path=customXml/itemProps2.xml><?xml version="1.0" encoding="utf-8"?>
-<ds:datastoreItem xmlns:ds="http://schemas.openxmlformats.org/officeDocument/2006/customXml" ds:itemID="{8EDC84EC-F4B0-441C-B309-B3403A997C9A}">
-  <ds:schemaRefs>
-    <ds:schemaRef ds:uri="http://schemas.microsoft.com/office/2006/metadata/contentType"/>
-    <ds:schemaRef ds:uri="http://schemas.microsoft.com/office/2006/metadata/properties/metaAttributes"/>
-    <ds:schemaRef ds:uri="http://www.w3.org/2001/XMLSchema"/>
-    <ds:schemaRef ds:uri="http://schemas.microsoft.com/office/2006/metadata/properties"/>
-    <ds:schemaRef ds:uri="229b778c-4269-4bec-8cd8-a19ac5d4df77"/>
-    <ds:schemaRef ds:uri="7e5bf9d8-c429-4c51-b29d-7601a8832a99"/>
-    <ds:schemaRef ds:uri="http://schemas.microsoft.com/office/2006/documentManagement/types"/>
-    <ds:schemaRef ds:uri="http://schemas.microsoft.com/office/infopath/2007/PartnerControls"/>
-    <ds:schemaRef ds:uri="http://schemas.openxmlformats.org/package/2006/metadata/core-properties"/>
-    <ds:schemaRef ds:uri="http://purl.org/dc/elements/1.1/"/>
-    <ds:schemaRef ds:uri="http://purl.org/dc/terms/"/>
-    <ds:schemaRef ds:uri="http://schemas.microsoft.com/internal/obd"/>
-  </ds:schemaRefs>
-</ds:datastoreItem>
-</file>
-
-<file path=customXml/itemProps3.xml><?xml version="1.0" encoding="utf-8"?>
-<ds:datastoreItem xmlns:ds="http://schemas.openxmlformats.org/officeDocument/2006/customXml" ds:itemID="{7047681A-0EA2-49AC-8B07-7C5BE3ED3D5E}">
-  <ds:schemaRefs>
-    <ds:schemaRef ds:uri="http://schemas.microsoft.com/office/2006/metadata/properties"/>
-    <ds:schemaRef ds:uri="http://purl.org/dc/elements/1.1/"/>
-    <ds:schemaRef ds:uri="http://purl.org/dc/dcmitype/"/>
-    <ds:schemaRef ds:uri="http://schemas.openxmlformats.org/package/2006/metadata/core-properties"/>
-    <ds:schemaRef ds:uri="http://schemas.microsoft.com/office/2006/documentManagement/types"/>
-    <ds:schemaRef ds:uri="229b778c-4269-4bec-8cd8-a19ac5d4df77"/>
-    <ds:schemaRef ds:uri="http://www.w3.org/XML/1998/namespace"/>
-    <ds:schemaRef ds:uri="http://purl.org/dc/terms/"/>
-    <ds:schemaRef ds:uri="http://schemas.microsoft.com/office/infopath/2007/PartnerControls"/>
-    <ds:schemaRef ds:uri="7e5bf9d8-c429-4c51-b29d-7601a8832a99"/>
-  </ds:schemaRefs>
-</ds:datastoreItem>
 </file>
--- a/Documents/IVSG_unit_testing_and_TDD.pptx
+++ b/Documents/IVSG_unit_testing_and_TDD.pptx
@@ -24,8 +24,9 @@
     <p:sldId id="275" r:id="rId18"/>
     <p:sldId id="276" r:id="rId19"/>
     <p:sldId id="277" r:id="rId20"/>
-    <p:sldId id="274" r:id="rId21"/>
-    <p:sldId id="278" r:id="rId22"/>
+    <p:sldId id="279" r:id="rId21"/>
+    <p:sldId id="274" r:id="rId22"/>
+    <p:sldId id="278" r:id="rId23"/>
   </p:sldIdLst>
   <p:sldSz cx="12192000" cy="6858000"/>
   <p:notesSz cx="6858000" cy="9144000"/>
@@ -263,7 +264,7 @@
           <a:p>
             <a:fld id="{846CE7D5-CF57-46EF-B807-FDD0502418D4}" type="datetimeFigureOut">
               <a:rPr lang="en-US" smtClean="0"/>
-              <a:t>10-Feb-22</a:t>
+              <a:t>17-Feb-22</a:t>
             </a:fld>
             <a:endParaRPr lang="en-US"/>
           </a:p>
@@ -433,7 +434,7 @@
           <a:p>
             <a:fld id="{846CE7D5-CF57-46EF-B807-FDD0502418D4}" type="datetimeFigureOut">
               <a:rPr lang="en-US" smtClean="0"/>
-              <a:t>10-Feb-22</a:t>
+              <a:t>17-Feb-22</a:t>
             </a:fld>
             <a:endParaRPr lang="en-US"/>
           </a:p>
@@ -613,7 +614,7 @@
           <a:p>
             <a:fld id="{846CE7D5-CF57-46EF-B807-FDD0502418D4}" type="datetimeFigureOut">
               <a:rPr lang="en-US" smtClean="0"/>
-              <a:t>10-Feb-22</a:t>
+              <a:t>17-Feb-22</a:t>
             </a:fld>
             <a:endParaRPr lang="en-US"/>
           </a:p>
@@ -783,7 +784,7 @@
           <a:p>
             <a:fld id="{846CE7D5-CF57-46EF-B807-FDD0502418D4}" type="datetimeFigureOut">
               <a:rPr lang="en-US" smtClean="0"/>
-              <a:t>10-Feb-22</a:t>
+              <a:t>17-Feb-22</a:t>
             </a:fld>
             <a:endParaRPr lang="en-US"/>
           </a:p>
@@ -1029,7 +1030,7 @@
           <a:p>
             <a:fld id="{846CE7D5-CF57-46EF-B807-FDD0502418D4}" type="datetimeFigureOut">
               <a:rPr lang="en-US" smtClean="0"/>
-              <a:t>10-Feb-22</a:t>
+              <a:t>17-Feb-22</a:t>
             </a:fld>
             <a:endParaRPr lang="en-US"/>
           </a:p>
@@ -1261,7 +1262,7 @@
           <a:p>
             <a:fld id="{846CE7D5-CF57-46EF-B807-FDD0502418D4}" type="datetimeFigureOut">
               <a:rPr lang="en-US" smtClean="0"/>
-              <a:t>10-Feb-22</a:t>
+              <a:t>17-Feb-22</a:t>
             </a:fld>
             <a:endParaRPr lang="en-US"/>
           </a:p>
@@ -1628,7 +1629,7 @@
           <a:p>
             <a:fld id="{846CE7D5-CF57-46EF-B807-FDD0502418D4}" type="datetimeFigureOut">
               <a:rPr lang="en-US" smtClean="0"/>
-              <a:t>10-Feb-22</a:t>
+              <a:t>17-Feb-22</a:t>
             </a:fld>
             <a:endParaRPr lang="en-US"/>
           </a:p>
@@ -1746,7 +1747,7 @@
           <a:p>
             <a:fld id="{846CE7D5-CF57-46EF-B807-FDD0502418D4}" type="datetimeFigureOut">
               <a:rPr lang="en-US" smtClean="0"/>
-              <a:t>10-Feb-22</a:t>
+              <a:t>17-Feb-22</a:t>
             </a:fld>
             <a:endParaRPr lang="en-US"/>
           </a:p>
@@ -1841,7 +1842,7 @@
           <a:p>
             <a:fld id="{846CE7D5-CF57-46EF-B807-FDD0502418D4}" type="datetimeFigureOut">
               <a:rPr lang="en-US" smtClean="0"/>
-              <a:t>10-Feb-22</a:t>
+              <a:t>17-Feb-22</a:t>
             </a:fld>
             <a:endParaRPr lang="en-US"/>
           </a:p>
@@ -2118,7 +2119,7 @@
           <a:p>
             <a:fld id="{846CE7D5-CF57-46EF-B807-FDD0502418D4}" type="datetimeFigureOut">
               <a:rPr lang="en-US" smtClean="0"/>
-              <a:t>10-Feb-22</a:t>
+              <a:t>17-Feb-22</a:t>
             </a:fld>
             <a:endParaRPr lang="en-US"/>
           </a:p>
@@ -2375,7 +2376,7 @@
           <a:p>
             <a:fld id="{846CE7D5-CF57-46EF-B807-FDD0502418D4}" type="datetimeFigureOut">
               <a:rPr lang="en-US" smtClean="0"/>
-              <a:t>10-Feb-22</a:t>
+              <a:t>17-Feb-22</a:t>
             </a:fld>
             <a:endParaRPr lang="en-US"/>
           </a:p>
@@ -2588,7 +2589,7 @@
           <a:p>
             <a:fld id="{846CE7D5-CF57-46EF-B807-FDD0502418D4}" type="datetimeFigureOut">
               <a:rPr lang="en-US" smtClean="0"/>
-              <a:t>10-Feb-22</a:t>
+              <a:t>17-Feb-22</a:t>
             </a:fld>
             <a:endParaRPr lang="en-US"/>
           </a:p>
@@ -3175,14 +3176,11 @@
           <a:lstStyle/>
           <a:p>
             <a:r>
-              <a:rPr lang="en-US" sz="3200" dirty="0" smtClean="0">
+              <a:rPr lang="en-US" sz="3200" dirty="0">
                 <a:cs typeface="Calibri Light"/>
               </a:rPr>
               <a:t>Failure summaries indicate failed function and test case.  Test case names are generated programmatically from the name of the section in which the assertions occur.</a:t>
             </a:r>
-            <a:endParaRPr lang="en-US" sz="3200" dirty="0">
-              <a:cs typeface="Calibri Light"/>
-            </a:endParaRPr>
           </a:p>
         </p:txBody>
       </p:sp>
@@ -3832,25 +3830,7 @@
               <a:rPr lang="en-US" sz="3200" dirty="0">
                 <a:cs typeface="Calibri Light"/>
               </a:rPr>
-              <a:t>Wrappers can be used to create test </a:t>
-            </a:r>
-            <a:r>
-              <a:rPr lang="en-US" sz="3200" dirty="0" smtClean="0">
-                <a:cs typeface="Calibri Light"/>
-              </a:rPr>
-              <a:t>cases from assertions, test suites from files of assertions, </a:t>
-            </a:r>
-            <a:r>
-              <a:rPr lang="en-US" sz="3200" dirty="0">
-                <a:cs typeface="Calibri Light"/>
-              </a:rPr>
-              <a:t>and trigger all created test suites in a given </a:t>
-            </a:r>
-            <a:r>
-              <a:rPr lang="en-US" sz="3200" dirty="0" smtClean="0">
-                <a:cs typeface="Calibri Light"/>
-              </a:rPr>
-              <a:t>repository, while logging the outputs.</a:t>
+              <a:t>Wrappers can be used to create test cases from assertions, test suites from files of assertions, and trigger all created test suites in a given repository, while logging the outputs.</a:t>
             </a:r>
             <a:endParaRPr lang="en-US" sz="3200" dirty="0"/>
           </a:p>
@@ -4178,14 +4158,14 @@
           </a:p>
           <a:p>
             <a:r>
-              <a:rPr lang="en-US" sz="1600" dirty="0" smtClean="0">
+              <a:rPr lang="en-US" sz="1600" dirty="0">
                 <a:latin typeface="Courier New"/>
                 <a:cs typeface="Courier New"/>
               </a:rPr>
               <a:t>diary </a:t>
             </a:r>
             <a:r>
-              <a:rPr lang="en-US" sz="1600" dirty="0" smtClean="0">
+              <a:rPr lang="en-US" sz="1600" dirty="0">
                 <a:solidFill>
                   <a:srgbClr val="FF0000"/>
                 </a:solidFill>
@@ -4195,14 +4175,14 @@
               <a:t>‘script_test_fcn_geometry_all_stdout.txt’</a:t>
             </a:r>
             <a:r>
-              <a:rPr lang="en-US" sz="1600" dirty="0" smtClean="0">
+              <a:rPr lang="en-US" sz="1600" dirty="0">
                 <a:latin typeface="Courier New"/>
                 <a:cs typeface="Courier New"/>
               </a:rPr>
               <a:t>; </a:t>
             </a:r>
             <a:r>
-              <a:rPr lang="en-US" sz="1600" dirty="0" smtClean="0">
+              <a:rPr lang="en-US" sz="1600" dirty="0">
                 <a:solidFill>
                   <a:schemeClr val="accent6">
                     <a:lumMod val="75000"/>
@@ -4215,7 +4195,7 @@
               <a:t>% this is </a:t>
             </a:r>
             <a:r>
-              <a:rPr lang="en-US" sz="1600" dirty="0" err="1" smtClean="0">
+              <a:rPr lang="en-US" sz="1600" dirty="0" err="1">
                 <a:solidFill>
                   <a:schemeClr val="accent6">
                     <a:lumMod val="75000"/>
@@ -4228,7 +4208,7 @@
               <a:t>git</a:t>
             </a:r>
             <a:r>
-              <a:rPr lang="en-US" sz="1600" dirty="0" smtClean="0">
+              <a:rPr lang="en-US" sz="1600" dirty="0">
                 <a:solidFill>
                   <a:schemeClr val="accent6">
                     <a:lumMod val="75000"/>
@@ -4240,14 +4220,14 @@
               </a:rPr>
               <a:t> ignored</a:t>
             </a:r>
-            <a:endParaRPr lang="en-US" sz="1600" dirty="0" smtClean="0">
+            <a:endParaRPr lang="en-US" sz="1600" dirty="0">
               <a:latin typeface="Courier New"/>
               <a:cs typeface="Courier New"/>
             </a:endParaRPr>
           </a:p>
           <a:p>
             <a:r>
-              <a:rPr lang="en-US" sz="1400" dirty="0" smtClean="0">
+              <a:rPr lang="en-US" sz="1400" dirty="0">
                 <a:solidFill>
                   <a:schemeClr val="accent1">
                     <a:lumMod val="75000"/>
@@ -4260,7 +4240,7 @@
               <a:t>for </a:t>
             </a:r>
             <a:r>
-              <a:rPr lang="en-US" sz="1400" dirty="0" err="1" smtClean="0">
+              <a:rPr lang="en-US" sz="1400" dirty="0" err="1">
                 <a:latin typeface="Courier New"/>
                 <a:ea typeface="+mn-lt"/>
                 <a:cs typeface="+mn-lt"/>
@@ -4268,7 +4248,7 @@
               <a:t>i_script</a:t>
             </a:r>
             <a:r>
-              <a:rPr lang="en-US" sz="1400" dirty="0" smtClean="0">
+              <a:rPr lang="en-US" sz="1400" dirty="0">
                 <a:latin typeface="Courier New"/>
                 <a:ea typeface="+mn-lt"/>
                 <a:cs typeface="+mn-lt"/>
@@ -4276,7 +4256,7 @@
               <a:t> = 1:length(</a:t>
             </a:r>
             <a:r>
-              <a:rPr lang="en-US" sz="1400" dirty="0" err="1" smtClean="0">
+              <a:rPr lang="en-US" sz="1400" dirty="0" err="1">
                 <a:latin typeface="Courier New"/>
                 <a:ea typeface="+mn-lt"/>
                 <a:cs typeface="+mn-lt"/>
@@ -4284,7 +4264,7 @@
               <a:t>all_scripts</a:t>
             </a:r>
             <a:r>
-              <a:rPr lang="en-US" sz="1400" dirty="0" smtClean="0">
+              <a:rPr lang="en-US" sz="1400" dirty="0">
                 <a:latin typeface="Courier New"/>
                 <a:ea typeface="+mn-lt"/>
                 <a:cs typeface="+mn-lt"/>
@@ -4663,47 +4643,18 @@
                 <a:ea typeface="+mn-lt"/>
                 <a:cs typeface="+mn-lt"/>
               </a:rPr>
-              <a:t>        suites(end+1) = suite</a:t>
-            </a:r>
-            <a:r>
-              <a:rPr lang="en-US" sz="1400" dirty="0" smtClean="0">
-                <a:latin typeface="Courier New"/>
-                <a:ea typeface="+mn-lt"/>
-                <a:cs typeface="+mn-lt"/>
-              </a:rPr>
-              <a:t>;</a:t>
-            </a:r>
-          </a:p>
-          <a:p>
-            <a:r>
-              <a:rPr lang="en-US" sz="1400" dirty="0" smtClean="0">
-                <a:latin typeface="Courier New"/>
-                <a:ea typeface="+mn-lt"/>
-                <a:cs typeface="+mn-lt"/>
-              </a:rPr>
-              <a:t>        results </a:t>
-            </a:r>
+              <a:t>        suites(end+1) = suite;</a:t>
+            </a:r>
+          </a:p>
+          <a:p>
             <a:r>
               <a:rPr lang="en-US" sz="1400" dirty="0">
                 <a:latin typeface="Courier New"/>
                 <a:ea typeface="+mn-lt"/>
                 <a:cs typeface="+mn-lt"/>
               </a:rPr>
-              <a:t>= run(suites</a:t>
-            </a:r>
-            <a:r>
-              <a:rPr lang="en-US" sz="1400" dirty="0" smtClean="0">
-                <a:latin typeface="Courier New"/>
-                <a:ea typeface="+mn-lt"/>
-                <a:cs typeface="+mn-lt"/>
-              </a:rPr>
-              <a:t>);</a:t>
-            </a:r>
-            <a:endParaRPr lang="en-US" sz="1400" dirty="0">
-              <a:latin typeface="Courier New"/>
-              <a:ea typeface="+mn-lt"/>
-              <a:cs typeface="+mn-lt"/>
-            </a:endParaRPr>
+              <a:t>        results = run(suites);</a:t>
+            </a:r>
           </a:p>
           <a:p>
             <a:r>
@@ -4730,7 +4681,7 @@
           </a:p>
           <a:p>
             <a:r>
-              <a:rPr lang="en-US" sz="1400" dirty="0" smtClean="0">
+              <a:rPr lang="en-US" sz="1400" dirty="0">
                 <a:solidFill>
                   <a:schemeClr val="accent1">
                     <a:lumMod val="75000"/>
@@ -4742,16 +4693,6 @@
               </a:rPr>
               <a:t>end</a:t>
             </a:r>
-            <a:endParaRPr lang="en-US" sz="1400" dirty="0">
-              <a:solidFill>
-                <a:schemeClr val="accent1">
-                  <a:lumMod val="75000"/>
-                </a:schemeClr>
-              </a:solidFill>
-              <a:latin typeface="Courier New"/>
-              <a:ea typeface="+mn-lt"/>
-              <a:cs typeface="+mn-lt"/>
-            </a:endParaRPr>
           </a:p>
         </p:txBody>
       </p:sp>
@@ -4921,19 +4862,7 @@
               <a:rPr lang="en-US" dirty="0">
                 <a:cs typeface="Calibri Light"/>
               </a:rPr>
-              <a:t>This </a:t>
-            </a:r>
-            <a:r>
-              <a:rPr lang="en-US" dirty="0" smtClean="0">
-                <a:cs typeface="Calibri Light"/>
-              </a:rPr>
-              <a:t>ensures </a:t>
-            </a:r>
-            <a:r>
-              <a:rPr lang="en-US" dirty="0">
-                <a:cs typeface="Calibri Light"/>
-              </a:rPr>
-              <a:t>only the functionality to meet the requirement is added.</a:t>
+              <a:t>This ensures only the functionality to meet the requirement is added.</a:t>
             </a:r>
           </a:p>
         </p:txBody>
@@ -5525,19 +5454,7 @@
               <a:rPr lang="en-US" dirty="0">
                 <a:cs typeface="Calibri Light"/>
               </a:rPr>
-              <a:t>This </a:t>
-            </a:r>
-            <a:r>
-              <a:rPr lang="en-US" dirty="0" smtClean="0">
-                <a:cs typeface="Calibri Light"/>
-              </a:rPr>
-              <a:t>ensures </a:t>
-            </a:r>
-            <a:r>
-              <a:rPr lang="en-US" dirty="0">
-                <a:cs typeface="Calibri Light"/>
-              </a:rPr>
-              <a:t>only the functionality to meet the requirement is added.</a:t>
+              <a:t>This ensures only the functionality to meet the requirement is added.</a:t>
             </a:r>
           </a:p>
         </p:txBody>
@@ -6136,19 +6053,7 @@
               <a:rPr lang="en-US" dirty="0">
                 <a:cs typeface="Calibri Light"/>
               </a:rPr>
-              <a:t>This </a:t>
-            </a:r>
-            <a:r>
-              <a:rPr lang="en-US" dirty="0" smtClean="0">
-                <a:cs typeface="Calibri Light"/>
-              </a:rPr>
-              <a:t>ensures </a:t>
-            </a:r>
-            <a:r>
-              <a:rPr lang="en-US" dirty="0">
-                <a:cs typeface="Calibri Light"/>
-              </a:rPr>
-              <a:t>only the functionality to meet the requirement is added.</a:t>
+              <a:t>This ensures only the functionality to meet the requirement is added.</a:t>
             </a:r>
           </a:p>
         </p:txBody>
@@ -6715,7 +6620,7 @@
               <a:t>args</a:t>
             </a:r>
             <a:r>
-              <a:rPr lang="en-US" sz="1600" dirty="0" smtClean="0">
+              <a:rPr lang="en-US" sz="1600" dirty="0">
                 <a:solidFill>
                   <a:srgbClr val="028009"/>
                 </a:solidFill>
@@ -6734,47 +6639,50 @@
                 <a:latin typeface="Courier New"/>
                 <a:cs typeface="Courier New"/>
               </a:rPr>
-              <a:t> </a:t>
-            </a:r>
-            <a:r>
-              <a:rPr lang="en-US" sz="1600" dirty="0" smtClean="0">
+              <a:t>   </a:t>
+            </a:r>
+            <a:r>
+              <a:rPr lang="en-US" sz="1600" dirty="0" err="1">
                 <a:solidFill>
                   <a:srgbClr val="028009"/>
                 </a:solidFill>
                 <a:latin typeface="Courier New"/>
                 <a:cs typeface="Courier New"/>
               </a:rPr>
-              <a:t>  </a:t>
-            </a:r>
-            <a:r>
-              <a:rPr lang="en-US" sz="1600" dirty="0" err="1" smtClean="0">
+              <a:t>ans</a:t>
+            </a:r>
+            <a:r>
+              <a:rPr lang="en-US" sz="1600" dirty="0">
                 <a:solidFill>
                   <a:srgbClr val="028009"/>
                 </a:solidFill>
                 <a:latin typeface="Courier New"/>
                 <a:cs typeface="Courier New"/>
               </a:rPr>
-              <a:t>ans</a:t>
-            </a:r>
-            <a:r>
-              <a:rPr lang="en-US" sz="1600" dirty="0" smtClean="0">
+              <a:t> = 0</a:t>
+            </a:r>
+          </a:p>
+          <a:p>
+            <a:r>
+              <a:rPr lang="en-US" sz="1600" dirty="0">
                 <a:solidFill>
                   <a:srgbClr val="028009"/>
                 </a:solidFill>
                 <a:latin typeface="Courier New"/>
                 <a:cs typeface="Courier New"/>
               </a:rPr>
-              <a:t> = 0</a:t>
-            </a:r>
-            <a:endParaRPr lang="en-US" sz="1600" dirty="0">
-              <a:solidFill>
-                <a:srgbClr val="028009"/>
-              </a:solidFill>
-              <a:latin typeface="Courier New"/>
-              <a:cs typeface="Courier New"/>
-            </a:endParaRPr>
-          </a:p>
-          <a:p>
+              <a:t>   for </a:t>
+            </a:r>
+            <a:r>
+              <a:rPr lang="en-US" sz="1600" dirty="0" err="1">
+                <a:solidFill>
+                  <a:srgbClr val="028009"/>
+                </a:solidFill>
+                <a:latin typeface="Courier New"/>
+                <a:cs typeface="Courier New"/>
+              </a:rPr>
+              <a:t>arg</a:t>
+            </a:r>
             <a:r>
               <a:rPr lang="en-US" sz="1600" dirty="0">
                 <a:solidFill>
@@ -6783,37 +6691,7 @@
                 <a:latin typeface="Courier New"/>
                 <a:cs typeface="Courier New"/>
               </a:rPr>
-              <a:t>   for </a:t>
-            </a:r>
-            <a:r>
-              <a:rPr lang="en-US" sz="1600" dirty="0" err="1" smtClean="0">
-                <a:solidFill>
-                  <a:srgbClr val="028009"/>
-                </a:solidFill>
-                <a:latin typeface="Courier New"/>
-                <a:cs typeface="Courier New"/>
-              </a:rPr>
-              <a:t>arg</a:t>
-            </a:r>
-            <a:r>
-              <a:rPr lang="en-US" sz="1600" dirty="0" smtClean="0">
-                <a:solidFill>
-                  <a:srgbClr val="028009"/>
-                </a:solidFill>
-                <a:latin typeface="Courier New"/>
-                <a:cs typeface="Courier New"/>
-              </a:rPr>
-              <a:t> </a:t>
-            </a:r>
-            <a:r>
-              <a:rPr lang="en-US" sz="1600" dirty="0">
-                <a:solidFill>
-                  <a:srgbClr val="028009"/>
-                </a:solidFill>
-                <a:latin typeface="Courier New"/>
-                <a:cs typeface="Courier New"/>
-              </a:rPr>
-              <a:t>in </a:t>
+              <a:t> in </a:t>
             </a:r>
             <a:r>
               <a:rPr lang="en-US" sz="1600" dirty="0" err="1">
@@ -6875,7 +6753,7 @@
               <a:t> + </a:t>
             </a:r>
             <a:r>
-              <a:rPr lang="en-US" sz="1600" dirty="0" err="1" smtClean="0">
+              <a:rPr lang="en-US" sz="1600" dirty="0" err="1">
                 <a:solidFill>
                   <a:srgbClr val="028009"/>
                 </a:solidFill>
@@ -7044,22 +6922,16 @@
               <a:rPr lang="en-US" sz="3600" dirty="0">
                 <a:cs typeface="Calibri Light"/>
               </a:rPr>
-              <a:t>Environment variables can be used to flag large types of execution on or off (e.g. input sanitation, plotting, testing</a:t>
-            </a:r>
-            <a:r>
-              <a:rPr lang="en-US" sz="3600" dirty="0" smtClean="0">
+              <a:t>Environment variables can be used to flag large types of execution on or off (e.g. input sanitation, plotting, testing).  This is done the same in </a:t>
+            </a:r>
+            <a:r>
+              <a:rPr lang="en-US" sz="3600" dirty="0" err="1">
                 <a:cs typeface="Calibri Light"/>
               </a:rPr>
-              <a:t>).  This is done the same in </a:t>
-            </a:r>
-            <a:r>
-              <a:rPr lang="en-US" sz="3600" dirty="0" err="1" smtClean="0">
-                <a:cs typeface="Calibri Light"/>
-              </a:rPr>
               <a:t>Matlab</a:t>
             </a:r>
             <a:r>
-              <a:rPr lang="en-US" sz="3600" dirty="0" smtClean="0">
+              <a:rPr lang="en-US" sz="3600" dirty="0">
                 <a:cs typeface="Calibri Light"/>
               </a:rPr>
               <a:t> regardless of OS so our code can be platform agnostic.</a:t>
@@ -8107,6 +7979,276 @@
       </p:grpSpPr>
       <p:sp>
         <p:nvSpPr>
+          <p:cNvPr id="2" name="Title 1">
+            <a:extLst>
+              <a:ext uri="{FF2B5EF4-FFF2-40B4-BE49-F238E27FC236}">
+                <a16:creationId xmlns:a16="http://schemas.microsoft.com/office/drawing/2014/main" id="{3D3A17EE-65AE-4DEB-BE84-13DE54BD4D92}"/>
+              </a:ext>
+            </a:extLst>
+          </p:cNvPr>
+          <p:cNvSpPr>
+            <a:spLocks noGrp="1"/>
+          </p:cNvSpPr>
+          <p:nvPr>
+            <p:ph type="title"/>
+          </p:nvPr>
+        </p:nvSpPr>
+        <p:spPr/>
+        <p:txBody>
+          <a:bodyPr>
+            <a:noAutofit/>
+          </a:bodyPr>
+          <a:lstStyle/>
+          <a:p>
+            <a:r>
+              <a:rPr lang="en-US" sz="3200" dirty="0"/>
+              <a:t>This is useful for setting flags, which allow users to optionally run blocks of code.  This is a more sustainable practice than commenting code on and off as it can have default behavior and associated warnings.</a:t>
+            </a:r>
+          </a:p>
+        </p:txBody>
+      </p:sp>
+      <p:pic>
+        <p:nvPicPr>
+          <p:cNvPr id="5" name="Picture 4">
+            <a:extLst>
+              <a:ext uri="{FF2B5EF4-FFF2-40B4-BE49-F238E27FC236}">
+                <a16:creationId xmlns:a16="http://schemas.microsoft.com/office/drawing/2014/main" id="{A3A3D8FE-6597-4A0B-8AFA-A628B052D516}"/>
+              </a:ext>
+            </a:extLst>
+          </p:cNvPr>
+          <p:cNvPicPr>
+            <a:picLocks noChangeAspect="1"/>
+          </p:cNvPicPr>
+          <p:nvPr/>
+        </p:nvPicPr>
+        <p:blipFill>
+          <a:blip r:embed="rId2"/>
+          <a:stretch>
+            <a:fillRect/>
+          </a:stretch>
+        </p:blipFill>
+        <p:spPr>
+          <a:xfrm>
+            <a:off x="6716971" y="2811657"/>
+            <a:ext cx="4887007" cy="2124371"/>
+          </a:xfrm>
+          <a:prstGeom prst="rect">
+            <a:avLst/>
+          </a:prstGeom>
+        </p:spPr>
+      </p:pic>
+      <p:sp>
+        <p:nvSpPr>
+          <p:cNvPr id="6" name="Right Arrow 3">
+            <a:extLst>
+              <a:ext uri="{FF2B5EF4-FFF2-40B4-BE49-F238E27FC236}">
+                <a16:creationId xmlns:a16="http://schemas.microsoft.com/office/drawing/2014/main" id="{717FE544-BAB1-43E7-8AA6-7EE6F74DE71D}"/>
+              </a:ext>
+            </a:extLst>
+          </p:cNvPr>
+          <p:cNvSpPr/>
+          <p:nvPr/>
+        </p:nvSpPr>
+        <p:spPr>
+          <a:xfrm>
+            <a:off x="4812878" y="3429000"/>
+            <a:ext cx="1324303" cy="848053"/>
+          </a:xfrm>
+          <a:prstGeom prst="rightArrow">
+            <a:avLst/>
+          </a:prstGeom>
+          <a:solidFill>
+            <a:schemeClr val="tx1"/>
+          </a:solidFill>
+          <a:ln>
+            <a:noFill/>
+          </a:ln>
+        </p:spPr>
+        <p:style>
+          <a:lnRef idx="2">
+            <a:schemeClr val="accent1">
+              <a:shade val="50000"/>
+            </a:schemeClr>
+          </a:lnRef>
+          <a:fillRef idx="1">
+            <a:schemeClr val="accent1"/>
+          </a:fillRef>
+          <a:effectRef idx="0">
+            <a:schemeClr val="accent1"/>
+          </a:effectRef>
+          <a:fontRef idx="minor">
+            <a:schemeClr val="lt1"/>
+          </a:fontRef>
+        </p:style>
+        <p:txBody>
+          <a:bodyPr rtlCol="0" anchor="ctr"/>
+          <a:lstStyle/>
+          <a:p>
+            <a:pPr algn="ctr"/>
+            <a:endParaRPr lang="en-US"/>
+          </a:p>
+        </p:txBody>
+      </p:sp>
+      <p:sp>
+        <p:nvSpPr>
+          <p:cNvPr id="7" name="Title 1">
+            <a:extLst>
+              <a:ext uri="{FF2B5EF4-FFF2-40B4-BE49-F238E27FC236}">
+                <a16:creationId xmlns:a16="http://schemas.microsoft.com/office/drawing/2014/main" id="{8A0FD25E-2986-4E19-8C54-8B422A79427D}"/>
+              </a:ext>
+            </a:extLst>
+          </p:cNvPr>
+          <p:cNvSpPr txBox="1">
+            <a:spLocks/>
+          </p:cNvSpPr>
+          <p:nvPr/>
+        </p:nvSpPr>
+        <p:spPr>
+          <a:xfrm>
+            <a:off x="838200" y="2523915"/>
+            <a:ext cx="3076074" cy="2658221"/>
+          </a:xfrm>
+          <a:prstGeom prst="rect">
+            <a:avLst/>
+          </a:prstGeom>
+        </p:spPr>
+        <p:txBody>
+          <a:bodyPr vert="horz" lIns="91440" tIns="45720" rIns="91440" bIns="45720" rtlCol="0" anchor="ctr">
+            <a:normAutofit fontScale="97500" lnSpcReduction="10000"/>
+          </a:bodyPr>
+          <a:lstStyle>
+            <a:lvl1pPr algn="l" defTabSz="914400" rtl="0" eaLnBrk="1" latinLnBrk="0" hangingPunct="1">
+              <a:lnSpc>
+                <a:spcPct val="90000"/>
+              </a:lnSpc>
+              <a:spcBef>
+                <a:spcPct val="0"/>
+              </a:spcBef>
+              <a:buNone/>
+              <a:defRPr sz="4400" kern="1200">
+                <a:solidFill>
+                  <a:schemeClr val="tx1"/>
+                </a:solidFill>
+                <a:latin typeface="+mj-lt"/>
+                <a:ea typeface="+mj-ea"/>
+                <a:cs typeface="+mj-cs"/>
+              </a:defRPr>
+            </a:lvl1pPr>
+          </a:lstStyle>
+          <a:p>
+            <a:r>
+              <a:rPr lang="en-US" sz="9600" b="1" i="1" dirty="0">
+                <a:latin typeface="Times New Roman" panose="02020603050405020304" pitchFamily="18" charset="0"/>
+                <a:cs typeface="Times New Roman" panose="02020603050405020304" pitchFamily="18" charset="0"/>
+              </a:rPr>
+              <a:t>/* //</a:t>
+            </a:r>
+          </a:p>
+          <a:p>
+            <a:r>
+              <a:rPr lang="en-US" sz="9600" b="1" i="1" dirty="0">
+                <a:latin typeface="Times New Roman" panose="02020603050405020304" pitchFamily="18" charset="0"/>
+                <a:cs typeface="Times New Roman" panose="02020603050405020304" pitchFamily="18" charset="0"/>
+              </a:rPr>
+              <a:t>% #</a:t>
+            </a:r>
+          </a:p>
+        </p:txBody>
+      </p:sp>
+      <p:sp>
+        <p:nvSpPr>
+          <p:cNvPr id="8" name="&quot;No&quot; Symbol 7">
+            <a:extLst>
+              <a:ext uri="{FF2B5EF4-FFF2-40B4-BE49-F238E27FC236}">
+                <a16:creationId xmlns:a16="http://schemas.microsoft.com/office/drawing/2014/main" id="{5B61384D-E973-4400-BA9F-37CC13B4743C}"/>
+              </a:ext>
+            </a:extLst>
+          </p:cNvPr>
+          <p:cNvSpPr/>
+          <p:nvPr/>
+        </p:nvSpPr>
+        <p:spPr>
+          <a:xfrm>
+            <a:off x="1084463" y="2811657"/>
+            <a:ext cx="1882151" cy="1882151"/>
+          </a:xfrm>
+          <a:prstGeom prst="noSmoking">
+            <a:avLst/>
+          </a:prstGeom>
+          <a:solidFill>
+            <a:srgbClr val="FF0000">
+              <a:alpha val="50196"/>
+            </a:srgbClr>
+          </a:solidFill>
+          <a:ln w="3175">
+            <a:solidFill>
+              <a:srgbClr val="000000">
+                <a:alpha val="45098"/>
+              </a:srgbClr>
+            </a:solidFill>
+          </a:ln>
+        </p:spPr>
+        <p:style>
+          <a:lnRef idx="2">
+            <a:schemeClr val="accent1">
+              <a:shade val="50000"/>
+            </a:schemeClr>
+          </a:lnRef>
+          <a:fillRef idx="1">
+            <a:schemeClr val="accent1"/>
+          </a:fillRef>
+          <a:effectRef idx="0">
+            <a:schemeClr val="accent1"/>
+          </a:effectRef>
+          <a:fontRef idx="minor">
+            <a:schemeClr val="lt1"/>
+          </a:fontRef>
+        </p:style>
+        <p:txBody>
+          <a:bodyPr rtlCol="0" anchor="ctr"/>
+          <a:lstStyle/>
+          <a:p>
+            <a:pPr algn="ctr"/>
+            <a:endParaRPr lang="en-US">
+              <a:solidFill>
+                <a:schemeClr val="tx1"/>
+              </a:solidFill>
+            </a:endParaRPr>
+          </a:p>
+        </p:txBody>
+      </p:sp>
+    </p:spTree>
+    <p:extLst>
+      <p:ext uri="{BB962C8B-B14F-4D97-AF65-F5344CB8AC3E}">
+        <p14:creationId xmlns:p14="http://schemas.microsoft.com/office/powerpoint/2010/main" val="2648003524"/>
+      </p:ext>
+    </p:extLst>
+  </p:cSld>
+  <p:clrMapOvr>
+    <a:masterClrMapping/>
+  </p:clrMapOvr>
+</p:sld>
+</file>
+
+<file path=ppt/slides/slide21.xml><?xml version="1.0" encoding="utf-8"?>
+<p:sld xmlns:a="http://schemas.openxmlformats.org/drawingml/2006/main" xmlns:r="http://schemas.openxmlformats.org/officeDocument/2006/relationships" xmlns:p="http://schemas.openxmlformats.org/presentationml/2006/main">
+  <p:cSld>
+    <p:spTree>
+      <p:nvGrpSpPr>
+        <p:cNvPr id="1" name=""/>
+        <p:cNvGrpSpPr/>
+        <p:nvPr/>
+      </p:nvGrpSpPr>
+      <p:grpSpPr>
+        <a:xfrm>
+          <a:off x="0" y="0"/>
+          <a:ext cx="0" cy="0"/>
+          <a:chOff x="0" y="0"/>
+          <a:chExt cx="0" cy="0"/>
+        </a:xfrm>
+      </p:grpSpPr>
+      <p:sp>
+        <p:nvSpPr>
           <p:cNvPr id="2" name="Title 1"/>
           <p:cNvSpPr>
             <a:spLocks noGrp="1"/>
@@ -8121,10 +8263,9 @@
           <a:lstStyle/>
           <a:p>
             <a:r>
-              <a:rPr lang="en-US" dirty="0" smtClean="0"/>
+              <a:rPr lang="en-US" dirty="0"/>
               <a:t>Performance profiling of the Geometry library.</a:t>
             </a:r>
-            <a:endParaRPr lang="en-US" dirty="0"/>
           </a:p>
         </p:txBody>
       </p:sp>
@@ -8165,7 +8306,7 @@
 </p:sld>
 </file>
 
-<file path=ppt/slides/slide21.xml><?xml version="1.0" encoding="utf-8"?>
+<file path=ppt/slides/slide22.xml><?xml version="1.0" encoding="utf-8"?>
 <p:sld xmlns:a="http://schemas.openxmlformats.org/drawingml/2006/main" xmlns:r="http://schemas.openxmlformats.org/officeDocument/2006/relationships" xmlns:p="http://schemas.openxmlformats.org/presentationml/2006/main">
   <p:cSld>
     <p:spTree>
@@ -8204,19 +8345,19 @@
           <a:lstStyle/>
           <a:p>
             <a:r>
-              <a:rPr lang="en-US" dirty="0" smtClean="0">
+              <a:rPr lang="en-US" dirty="0">
                 <a:cs typeface="Calibri Light"/>
               </a:rPr>
               <a:t>Performance profiling of the </a:t>
             </a:r>
             <a:r>
-              <a:rPr lang="en-US" dirty="0" err="1" smtClean="0">
+              <a:rPr lang="en-US" dirty="0" err="1">
                 <a:cs typeface="Calibri Light"/>
               </a:rPr>
               <a:t>MapGen</a:t>
             </a:r>
             <a:r>
-              <a:rPr lang="en-US" dirty="0" smtClean="0">
+              <a:rPr lang="en-US" dirty="0">
                 <a:cs typeface="Calibri Light"/>
               </a:rPr>
               <a:t> library.</a:t>

--- a/Documents/IVSG_unit_testing_and_TDD.pptx
+++ b/Documents/IVSG_unit_testing_and_TDD.pptx
@@ -264,7 +264,7 @@
           <a:p>
             <a:fld id="{846CE7D5-CF57-46EF-B807-FDD0502418D4}" type="datetimeFigureOut">
               <a:rPr lang="en-US" smtClean="0"/>
-              <a:t>17-Feb-22</a:t>
+              <a:t>18-Feb-22</a:t>
             </a:fld>
             <a:endParaRPr lang="en-US"/>
           </a:p>
@@ -434,7 +434,7 @@
           <a:p>
             <a:fld id="{846CE7D5-CF57-46EF-B807-FDD0502418D4}" type="datetimeFigureOut">
               <a:rPr lang="en-US" smtClean="0"/>
-              <a:t>17-Feb-22</a:t>
+              <a:t>18-Feb-22</a:t>
             </a:fld>
             <a:endParaRPr lang="en-US"/>
           </a:p>
@@ -614,7 +614,7 @@
           <a:p>
             <a:fld id="{846CE7D5-CF57-46EF-B807-FDD0502418D4}" type="datetimeFigureOut">
               <a:rPr lang="en-US" smtClean="0"/>
-              <a:t>17-Feb-22</a:t>
+              <a:t>18-Feb-22</a:t>
             </a:fld>
             <a:endParaRPr lang="en-US"/>
           </a:p>
@@ -784,7 +784,7 @@
           <a:p>
             <a:fld id="{846CE7D5-CF57-46EF-B807-FDD0502418D4}" type="datetimeFigureOut">
               <a:rPr lang="en-US" smtClean="0"/>
-              <a:t>17-Feb-22</a:t>
+              <a:t>18-Feb-22</a:t>
             </a:fld>
             <a:endParaRPr lang="en-US"/>
           </a:p>
@@ -1030,7 +1030,7 @@
           <a:p>
             <a:fld id="{846CE7D5-CF57-46EF-B807-FDD0502418D4}" type="datetimeFigureOut">
               <a:rPr lang="en-US" smtClean="0"/>
-              <a:t>17-Feb-22</a:t>
+              <a:t>18-Feb-22</a:t>
             </a:fld>
             <a:endParaRPr lang="en-US"/>
           </a:p>
@@ -1262,7 +1262,7 @@
           <a:p>
             <a:fld id="{846CE7D5-CF57-46EF-B807-FDD0502418D4}" type="datetimeFigureOut">
               <a:rPr lang="en-US" smtClean="0"/>
-              <a:t>17-Feb-22</a:t>
+              <a:t>18-Feb-22</a:t>
             </a:fld>
             <a:endParaRPr lang="en-US"/>
           </a:p>
@@ -1629,7 +1629,7 @@
           <a:p>
             <a:fld id="{846CE7D5-CF57-46EF-B807-FDD0502418D4}" type="datetimeFigureOut">
               <a:rPr lang="en-US" smtClean="0"/>
-              <a:t>17-Feb-22</a:t>
+              <a:t>18-Feb-22</a:t>
             </a:fld>
             <a:endParaRPr lang="en-US"/>
           </a:p>
@@ -1747,7 +1747,7 @@
           <a:p>
             <a:fld id="{846CE7D5-CF57-46EF-B807-FDD0502418D4}" type="datetimeFigureOut">
               <a:rPr lang="en-US" smtClean="0"/>
-              <a:t>17-Feb-22</a:t>
+              <a:t>18-Feb-22</a:t>
             </a:fld>
             <a:endParaRPr lang="en-US"/>
           </a:p>
@@ -1842,7 +1842,7 @@
           <a:p>
             <a:fld id="{846CE7D5-CF57-46EF-B807-FDD0502418D4}" type="datetimeFigureOut">
               <a:rPr lang="en-US" smtClean="0"/>
-              <a:t>17-Feb-22</a:t>
+              <a:t>18-Feb-22</a:t>
             </a:fld>
             <a:endParaRPr lang="en-US"/>
           </a:p>
@@ -2119,7 +2119,7 @@
           <a:p>
             <a:fld id="{846CE7D5-CF57-46EF-B807-FDD0502418D4}" type="datetimeFigureOut">
               <a:rPr lang="en-US" smtClean="0"/>
-              <a:t>17-Feb-22</a:t>
+              <a:t>18-Feb-22</a:t>
             </a:fld>
             <a:endParaRPr lang="en-US"/>
           </a:p>
@@ -2376,7 +2376,7 @@
           <a:p>
             <a:fld id="{846CE7D5-CF57-46EF-B807-FDD0502418D4}" type="datetimeFigureOut">
               <a:rPr lang="en-US" smtClean="0"/>
-              <a:t>17-Feb-22</a:t>
+              <a:t>18-Feb-22</a:t>
             </a:fld>
             <a:endParaRPr lang="en-US"/>
           </a:p>
@@ -2589,7 +2589,7 @@
           <a:p>
             <a:fld id="{846CE7D5-CF57-46EF-B807-FDD0502418D4}" type="datetimeFigureOut">
               <a:rPr lang="en-US" smtClean="0"/>
-              <a:t>17-Feb-22</a:t>
+              <a:t>18-Feb-22</a:t>
             </a:fld>
             <a:endParaRPr lang="en-US"/>
           </a:p>
@@ -8986,22 +8986,18 @@
         </p:nvSpPr>
         <p:spPr/>
         <p:txBody>
-          <a:bodyPr/>
+          <a:bodyPr>
+            <a:noAutofit/>
+          </a:bodyPr>
           <a:lstStyle/>
           <a:p>
             <a:r>
-              <a:rPr lang="en-US" dirty="0">
+              <a:rPr lang="en-US" sz="2800" dirty="0">
                 <a:cs typeface="Calibri Light"/>
               </a:rPr>
-              <a:t>Current implementation is based on binary </a:t>
-            </a:r>
-            <a:r>
-              <a:rPr lang="en-US">
-                <a:cs typeface="Calibri Light"/>
-              </a:rPr>
-              <a:t>assertions.  This is typical for simplicity.</a:t>
-            </a:r>
-            <a:endParaRPr lang="en-US"/>
+              <a:t>Current implementation is based on binary assertions.  This is typical for simplicity.  Assertions run as tests will not break operation.  Assertions that fail outside of tests will break operation and are a great way to throw an exception (with an informative failure message) when a critical failure is detected.</a:t>
+            </a:r>
+            <a:endParaRPr lang="en-US" sz="2800" dirty="0"/>
           </a:p>
         </p:txBody>
       </p:sp>

--- a/Documents/IVSG_unit_testing_and_TDD.pptx
+++ b/Documents/IVSG_unit_testing_and_TDD.pptx
@@ -264,7 +264,7 @@
           <a:p>
             <a:fld id="{846CE7D5-CF57-46EF-B807-FDD0502418D4}" type="datetimeFigureOut">
               <a:rPr lang="en-US" smtClean="0"/>
-              <a:t>18-Feb-22</a:t>
+              <a:t>3/27/2022</a:t>
             </a:fld>
             <a:endParaRPr lang="en-US"/>
           </a:p>
@@ -434,7 +434,7 @@
           <a:p>
             <a:fld id="{846CE7D5-CF57-46EF-B807-FDD0502418D4}" type="datetimeFigureOut">
               <a:rPr lang="en-US" smtClean="0"/>
-              <a:t>18-Feb-22</a:t>
+              <a:t>3/27/2022</a:t>
             </a:fld>
             <a:endParaRPr lang="en-US"/>
           </a:p>
@@ -614,7 +614,7 @@
           <a:p>
             <a:fld id="{846CE7D5-CF57-46EF-B807-FDD0502418D4}" type="datetimeFigureOut">
               <a:rPr lang="en-US" smtClean="0"/>
-              <a:t>18-Feb-22</a:t>
+              <a:t>3/27/2022</a:t>
             </a:fld>
             <a:endParaRPr lang="en-US"/>
           </a:p>
@@ -784,7 +784,7 @@
           <a:p>
             <a:fld id="{846CE7D5-CF57-46EF-B807-FDD0502418D4}" type="datetimeFigureOut">
               <a:rPr lang="en-US" smtClean="0"/>
-              <a:t>18-Feb-22</a:t>
+              <a:t>3/27/2022</a:t>
             </a:fld>
             <a:endParaRPr lang="en-US"/>
           </a:p>
@@ -1030,7 +1030,7 @@
           <a:p>
             <a:fld id="{846CE7D5-CF57-46EF-B807-FDD0502418D4}" type="datetimeFigureOut">
               <a:rPr lang="en-US" smtClean="0"/>
-              <a:t>18-Feb-22</a:t>
+              <a:t>3/27/2022</a:t>
             </a:fld>
             <a:endParaRPr lang="en-US"/>
           </a:p>
@@ -1262,7 +1262,7 @@
           <a:p>
             <a:fld id="{846CE7D5-CF57-46EF-B807-FDD0502418D4}" type="datetimeFigureOut">
               <a:rPr lang="en-US" smtClean="0"/>
-              <a:t>18-Feb-22</a:t>
+              <a:t>3/27/2022</a:t>
             </a:fld>
             <a:endParaRPr lang="en-US"/>
           </a:p>
@@ -1629,7 +1629,7 @@
           <a:p>
             <a:fld id="{846CE7D5-CF57-46EF-B807-FDD0502418D4}" type="datetimeFigureOut">
               <a:rPr lang="en-US" smtClean="0"/>
-              <a:t>18-Feb-22</a:t>
+              <a:t>3/27/2022</a:t>
             </a:fld>
             <a:endParaRPr lang="en-US"/>
           </a:p>
@@ -1747,7 +1747,7 @@
           <a:p>
             <a:fld id="{846CE7D5-CF57-46EF-B807-FDD0502418D4}" type="datetimeFigureOut">
               <a:rPr lang="en-US" smtClean="0"/>
-              <a:t>18-Feb-22</a:t>
+              <a:t>3/27/2022</a:t>
             </a:fld>
             <a:endParaRPr lang="en-US"/>
           </a:p>
@@ -1842,7 +1842,7 @@
           <a:p>
             <a:fld id="{846CE7D5-CF57-46EF-B807-FDD0502418D4}" type="datetimeFigureOut">
               <a:rPr lang="en-US" smtClean="0"/>
-              <a:t>18-Feb-22</a:t>
+              <a:t>3/27/2022</a:t>
             </a:fld>
             <a:endParaRPr lang="en-US"/>
           </a:p>
@@ -2119,7 +2119,7 @@
           <a:p>
             <a:fld id="{846CE7D5-CF57-46EF-B807-FDD0502418D4}" type="datetimeFigureOut">
               <a:rPr lang="en-US" smtClean="0"/>
-              <a:t>18-Feb-22</a:t>
+              <a:t>3/27/2022</a:t>
             </a:fld>
             <a:endParaRPr lang="en-US"/>
           </a:p>
@@ -2376,7 +2376,7 @@
           <a:p>
             <a:fld id="{846CE7D5-CF57-46EF-B807-FDD0502418D4}" type="datetimeFigureOut">
               <a:rPr lang="en-US" smtClean="0"/>
-              <a:t>18-Feb-22</a:t>
+              <a:t>3/27/2022</a:t>
             </a:fld>
             <a:endParaRPr lang="en-US"/>
           </a:p>
@@ -2589,7 +2589,7 @@
           <a:p>
             <a:fld id="{846CE7D5-CF57-46EF-B807-FDD0502418D4}" type="datetimeFigureOut">
               <a:rPr lang="en-US" smtClean="0"/>
-              <a:t>18-Feb-22</a:t>
+              <a:t>3/27/2022</a:t>
             </a:fld>
             <a:endParaRPr lang="en-US"/>
           </a:p>
@@ -7893,7 +7893,12 @@
             <p:ph type="title"/>
           </p:nvPr>
         </p:nvSpPr>
-        <p:spPr/>
+        <p:spPr>
+          <a:xfrm>
+            <a:off x="838200" y="681037"/>
+            <a:ext cx="10515600" cy="1325563"/>
+          </a:xfrm>
+        </p:spPr>
         <p:txBody>
           <a:bodyPr vert="horz" lIns="91440" tIns="45720" rIns="91440" bIns="45720" rtlCol="0" anchor="ctr">
             <a:noAutofit/>
@@ -7904,17 +7909,8 @@
               <a:rPr lang="en-US" sz="3600" dirty="0">
                 <a:cs typeface="Calibri Light"/>
               </a:rPr>
-              <a:t>Unit test: the most atomic type of test.  Test scope </a:t>
-            </a:r>
-            <a:r>
-              <a:rPr lang="en-US" sz="3600">
-                <a:cs typeface="Calibri Light"/>
-              </a:rPr>
-              <a:t>is something that can be logically isolated (generally no dependencies on other libraries, files, or functions).</a:t>
-            </a:r>
-            <a:endParaRPr lang="en-US" sz="3600" dirty="0">
-              <a:cs typeface="Calibri Light"/>
-            </a:endParaRPr>
+              <a:t>Unit test: the most atomic type of test.  It usually tests one small function or few lines of code. The test scope is something that can be logically isolated (generally no dependencies on other libraries, files, or functions).</a:t>
+            </a:r>
           </a:p>
         </p:txBody>
       </p:sp>
@@ -7942,8 +7938,8 @@
         </p:blipFill>
         <p:spPr>
           <a:xfrm>
-            <a:off x="4173857" y="1825625"/>
-            <a:ext cx="3844286" cy="4351338"/>
+            <a:off x="4173857" y="3253339"/>
+            <a:ext cx="2582940" cy="2923624"/>
           </a:xfrm>
         </p:spPr>
       </p:pic>
@@ -8443,22 +8439,18 @@
         </p:nvSpPr>
         <p:spPr/>
         <p:txBody>
-          <a:bodyPr/>
+          <a:bodyPr>
+            <a:normAutofit fontScale="90000"/>
+          </a:bodyPr>
           <a:lstStyle/>
           <a:p>
             <a:r>
               <a:rPr lang="en-US" dirty="0">
                 <a:cs typeface="Calibri Light"/>
               </a:rPr>
-              <a:t>Advantages: small scope allows for quick </a:t>
-            </a:r>
-            <a:r>
-              <a:rPr lang="en-US">
-                <a:cs typeface="Calibri Light"/>
-              </a:rPr>
-              <a:t>testing and straight forward debugging.</a:t>
-            </a:r>
-            <a:endParaRPr lang="en-US"/>
+              <a:t>Advantages: small scope allows for quick testing and straightforward debugging. And the overhead to the script is usually minor.</a:t>
+            </a:r>
+            <a:endParaRPr lang="en-US" dirty="0"/>
           </a:p>
         </p:txBody>
       </p:sp>
@@ -8818,22 +8810,52 @@
         </p:nvSpPr>
         <p:spPr/>
         <p:txBody>
+          <a:bodyPr>
+            <a:normAutofit/>
+          </a:bodyPr>
+          <a:lstStyle/>
+          <a:p>
+            <a:r>
+              <a:rPr lang="en-US" dirty="0">
+                <a:cs typeface="Calibri Light"/>
+              </a:rPr>
+              <a:t>Disadvantages: unit tests do not protect from integration or performance regressions. </a:t>
+            </a:r>
+            <a:endParaRPr lang="en-US" dirty="0"/>
+          </a:p>
+        </p:txBody>
+      </p:sp>
+      <p:sp>
+        <p:nvSpPr>
+          <p:cNvPr id="6" name="Content Placeholder 5">
+            <a:extLst>
+              <a:ext uri="{FF2B5EF4-FFF2-40B4-BE49-F238E27FC236}">
+                <a16:creationId xmlns:a16="http://schemas.microsoft.com/office/drawing/2014/main" id="{62647A2B-CEE6-49C3-9AE1-DDD4777E256D}"/>
+              </a:ext>
+            </a:extLst>
+          </p:cNvPr>
+          <p:cNvSpPr>
+            <a:spLocks noGrp="1"/>
+          </p:cNvSpPr>
+          <p:nvPr>
+            <p:ph idx="1"/>
+          </p:nvPr>
+        </p:nvSpPr>
+        <p:spPr/>
+        <p:txBody>
           <a:bodyPr/>
           <a:lstStyle/>
           <a:p>
+            <a:pPr marL="0" indent="0">
+              <a:buNone/>
+            </a:pPr>
             <a:r>
               <a:rPr lang="en-US" dirty="0">
                 <a:cs typeface="Calibri Light"/>
               </a:rPr>
-              <a:t>Disadvantages: unit tests do not protect from integration or </a:t>
-            </a:r>
-            <a:r>
-              <a:rPr lang="en-US">
-                <a:cs typeface="Calibri Light"/>
-              </a:rPr>
-              <a:t>performance regressions.</a:t>
-            </a:r>
-            <a:endParaRPr lang="en-US"/>
+              <a:t>For example, if the arguments to a function change, the integration may be in error even if the function itself still works. Or if a modified function takes 10,000 times longer to run than previously, the performance will regress sometimes to the point of causing other things to fail.</a:t>
+            </a:r>
+            <a:endParaRPr lang="en-US" dirty="0"/>
           </a:p>
         </p:txBody>
       </p:sp>
@@ -8859,7 +8881,7 @@
         </p:blipFill>
         <p:spPr>
           <a:xfrm>
-            <a:off x="1033378" y="2986193"/>
+            <a:off x="964865" y="4343355"/>
             <a:ext cx="4504246" cy="1538017"/>
           </a:xfrm>
           <a:prstGeom prst="rect">
@@ -8889,7 +8911,7 @@
         </p:blipFill>
         <p:spPr>
           <a:xfrm>
-            <a:off x="7894698" y="2933072"/>
+            <a:off x="8401134" y="4242533"/>
             <a:ext cx="1003359" cy="1638839"/>
           </a:xfrm>
           <a:prstGeom prst="rect">
@@ -8911,7 +8933,7 @@
         </p:nvCxnSpPr>
         <p:spPr>
           <a:xfrm>
-            <a:off x="7779055" y="2752611"/>
+            <a:off x="8291257" y="4056904"/>
             <a:ext cx="1223114" cy="1948390"/>
           </a:xfrm>
           <a:prstGeom prst="straightConnector1">
@@ -9311,13 +9333,7 @@
               <a:rPr lang="en-US" dirty="0">
                 <a:cs typeface="Calibri Light"/>
               </a:rPr>
-              <a:t>To assert that an error is not thrown, a true assertion can be placed after the point where </a:t>
-            </a:r>
-            <a:r>
-              <a:rPr lang="en-US">
-                <a:cs typeface="Calibri Light"/>
-              </a:rPr>
-              <a:t>execution would stop if an error was thrown.</a:t>
+              <a:t>To assert that an error was not thrown, a true assertion can be placed after the point where execution would stop if an error was thrown.</a:t>
             </a:r>
           </a:p>
         </p:txBody>
@@ -9617,13 +9633,7 @@
               <a:rPr lang="en-US" dirty="0">
                 <a:cs typeface="Calibri Light"/>
               </a:rPr>
-              <a:t>To assert that an error is thrown, the error </a:t>
-            </a:r>
-            <a:r>
-              <a:rPr lang="en-US">
-                <a:cs typeface="Calibri Light"/>
-              </a:rPr>
-              <a:t>can be caught and verified to avoid breaking execution.</a:t>
+              <a:t>To assert that an error is thrown, the error can be caught and verified to avoid breaking execution. The try-catch functionality works well for this.</a:t>
             </a:r>
           </a:p>
         </p:txBody>
